--- a/04_Presentations/01_Supervision_Meetings/02_Supervision_Meeting.pptx
+++ b/04_Presentations/01_Supervision_Meetings/02_Supervision_Meeting.pptx
@@ -5,7 +5,7 @@
     <p:sldMasterId id="2147483648" r:id="rId1"/>
   </p:sldMasterIdLst>
   <p:notesMasterIdLst>
-    <p:notesMasterId r:id="rId12"/>
+    <p:notesMasterId r:id="rId19"/>
   </p:notesMasterIdLst>
   <p:sldIdLst>
     <p:sldId id="257" r:id="rId2"/>
@@ -13,11 +13,18 @@
     <p:sldId id="261" r:id="rId4"/>
     <p:sldId id="266" r:id="rId5"/>
     <p:sldId id="270" r:id="rId6"/>
-    <p:sldId id="271" r:id="rId7"/>
-    <p:sldId id="272" r:id="rId8"/>
-    <p:sldId id="269" r:id="rId9"/>
-    <p:sldId id="267" r:id="rId10"/>
-    <p:sldId id="268" r:id="rId11"/>
+    <p:sldId id="273" r:id="rId7"/>
+    <p:sldId id="271" r:id="rId8"/>
+    <p:sldId id="274" r:id="rId9"/>
+    <p:sldId id="272" r:id="rId10"/>
+    <p:sldId id="276" r:id="rId11"/>
+    <p:sldId id="269" r:id="rId12"/>
+    <p:sldId id="277" r:id="rId13"/>
+    <p:sldId id="278" r:id="rId14"/>
+    <p:sldId id="279" r:id="rId15"/>
+    <p:sldId id="267" r:id="rId16"/>
+    <p:sldId id="268" r:id="rId17"/>
+    <p:sldId id="275" r:id="rId18"/>
   </p:sldIdLst>
   <p:sldSz cx="12192000" cy="6858000"/>
   <p:notesSz cx="6858000" cy="9144000"/>
@@ -2249,11 +2256,19 @@
         <a:p>
           <a:r>
             <a:rPr lang="en-US" dirty="0"/>
-            <a:t>1. Andreas </a:t>
+            <a:t>1. </a:t>
           </a:r>
           <a:r>
             <a:rPr lang="en-US" dirty="0" err="1"/>
-            <a:t>Mäkilä</a:t>
+            <a:t>Aymen</a:t>
+          </a:r>
+          <a:r>
+            <a:rPr lang="en-US" dirty="0"/>
+            <a:t> </a:t>
+          </a:r>
+          <a:r>
+            <a:rPr lang="en-US" dirty="0" err="1"/>
+            <a:t>Nouidha</a:t>
           </a:r>
           <a:endParaRPr lang="en-US" dirty="0"/>
         </a:p>
@@ -2289,20 +2304,12 @@
         <a:lstStyle/>
         <a:p>
           <a:r>
-            <a:rPr lang="en-US" dirty="0"/>
-            <a:t>2. </a:t>
+            <a:rPr lang="en-US" b="0" i="0" dirty="0"/>
+            <a:t>3. Victor </a:t>
           </a:r>
           <a:r>
-            <a:rPr lang="en-US" dirty="0" err="1"/>
-            <a:t>Aymen</a:t>
-          </a:r>
-          <a:r>
-            <a:rPr lang="en-US" dirty="0"/>
-            <a:t> </a:t>
-          </a:r>
-          <a:r>
-            <a:rPr lang="en-US" dirty="0" err="1"/>
-            <a:t>Nouidha</a:t>
+            <a:rPr lang="en-US" b="0" i="0" dirty="0" err="1"/>
+            <a:t>Ebirim</a:t>
           </a:r>
           <a:endParaRPr lang="en-US" dirty="0"/>
         </a:p>
@@ -2330,47 +2337,6 @@
         </a:p>
       </dgm:t>
     </dgm:pt>
-    <dgm:pt modelId="{6B741CCA-783F-4E2F-ACD3-8085979A5178}">
-      <dgm:prSet/>
-      <dgm:spPr/>
-      <dgm:t>
-        <a:bodyPr/>
-        <a:lstStyle/>
-        <a:p>
-          <a:r>
-            <a:rPr lang="en-US" b="0" i="0" dirty="0"/>
-            <a:t>3. Victor </a:t>
-          </a:r>
-          <a:r>
-            <a:rPr lang="en-US" b="0" i="0" dirty="0" err="1"/>
-            <a:t>Ebirim</a:t>
-          </a:r>
-          <a:endParaRPr lang="en-US" dirty="0"/>
-        </a:p>
-      </dgm:t>
-    </dgm:pt>
-    <dgm:pt modelId="{C12A2316-F555-4C31-B37F-433A187BF196}" type="parTrans" cxnId="{17EF2C63-C053-412A-8E0D-E52A947E2884}">
-      <dgm:prSet/>
-      <dgm:spPr/>
-      <dgm:t>
-        <a:bodyPr/>
-        <a:lstStyle/>
-        <a:p>
-          <a:endParaRPr lang="en-US"/>
-        </a:p>
-      </dgm:t>
-    </dgm:pt>
-    <dgm:pt modelId="{2D670A0E-493F-4EA9-B28B-DCEDCF17C2AE}" type="sibTrans" cxnId="{17EF2C63-C053-412A-8E0D-E52A947E2884}">
-      <dgm:prSet/>
-      <dgm:spPr/>
-      <dgm:t>
-        <a:bodyPr/>
-        <a:lstStyle/>
-        <a:p>
-          <a:endParaRPr lang="en-US"/>
-        </a:p>
-      </dgm:t>
-    </dgm:pt>
     <dgm:pt modelId="{917B1805-970E-40CF-892E-0FADC474E72F}">
       <dgm:prSet/>
       <dgm:spPr/>
@@ -2380,11 +2346,74 @@
         <a:p>
           <a:r>
             <a:rPr lang="en-US" dirty="0"/>
-            <a:t>4.</a:t>
+            <a:t>4. Andreas </a:t>
           </a:r>
           <a:r>
+            <a:rPr lang="en-US" dirty="0" err="1"/>
+            <a:t>Mäkilä</a:t>
+          </a:r>
+          <a:endParaRPr lang="en-US" dirty="0"/>
+        </a:p>
+      </dgm:t>
+    </dgm:pt>
+    <dgm:pt modelId="{60400B76-511A-4246-9C7D-5ADAF0F7318F}" type="parTrans" cxnId="{A7600FCC-C51B-45C0-BB07-3A90C1FC51C4}">
+      <dgm:prSet/>
+      <dgm:spPr/>
+      <dgm:t>
+        <a:bodyPr/>
+        <a:lstStyle/>
+        <a:p>
+          <a:endParaRPr lang="de-DE"/>
+        </a:p>
+      </dgm:t>
+    </dgm:pt>
+    <dgm:pt modelId="{459363CA-399F-4AE4-AB50-25D6082C368A}" type="sibTrans" cxnId="{A7600FCC-C51B-45C0-BB07-3A90C1FC51C4}">
+      <dgm:prSet/>
+      <dgm:spPr/>
+      <dgm:t>
+        <a:bodyPr/>
+        <a:lstStyle/>
+        <a:p>
+          <a:endParaRPr lang="de-DE"/>
+        </a:p>
+      </dgm:t>
+    </dgm:pt>
+    <dgm:pt modelId="{8982CFA0-0348-4CF0-9403-F8AF42EABCAC}">
+      <dgm:prSet/>
+      <dgm:spPr/>
+    </dgm:pt>
+    <dgm:pt modelId="{C57F6BE0-33DD-4E68-9D8B-0E3D18B0F2EB}" type="parTrans" cxnId="{C28F0F45-58EB-44E2-B221-B6FE763B0078}">
+      <dgm:prSet/>
+      <dgm:spPr/>
+      <dgm:t>
+        <a:bodyPr/>
+        <a:lstStyle/>
+        <a:p>
+          <a:endParaRPr lang="de-DE"/>
+        </a:p>
+      </dgm:t>
+    </dgm:pt>
+    <dgm:pt modelId="{D780DAD7-23AF-42CD-B0E6-847185AC8D7F}" type="sibTrans" cxnId="{C28F0F45-58EB-44E2-B221-B6FE763B0078}">
+      <dgm:prSet/>
+      <dgm:spPr/>
+      <dgm:t>
+        <a:bodyPr/>
+        <a:lstStyle/>
+        <a:p>
+          <a:endParaRPr lang="de-DE"/>
+        </a:p>
+      </dgm:t>
+    </dgm:pt>
+    <dgm:pt modelId="{08FC7401-46E7-4344-845C-788A1957EB45}">
+      <dgm:prSet/>
+      <dgm:spPr/>
+      <dgm:t>
+        <a:bodyPr/>
+        <a:lstStyle/>
+        <a:p>
+          <a:r>
             <a:rPr lang="en-US" baseline="0" dirty="0"/>
-            <a:t> Lukas Dust and </a:t>
+            <a:t>2.Lukas Dust and </a:t>
           </a:r>
           <a:r>
             <a:rPr lang="en-US" baseline="0" dirty="0" err="1"/>
@@ -2402,7 +2431,7 @@
         </a:p>
       </dgm:t>
     </dgm:pt>
-    <dgm:pt modelId="{60400B76-511A-4246-9C7D-5ADAF0F7318F}" type="parTrans" cxnId="{A7600FCC-C51B-45C0-BB07-3A90C1FC51C4}">
+    <dgm:pt modelId="{98A09610-F728-469A-BD4C-E7EB3BC04104}" type="parTrans" cxnId="{7BC0E431-0EAD-48F8-9C0F-E631496EDF8F}">
       <dgm:prSet/>
       <dgm:spPr/>
       <dgm:t>
@@ -2413,7 +2442,7 @@
         </a:p>
       </dgm:t>
     </dgm:pt>
-    <dgm:pt modelId="{459363CA-399F-4AE4-AB50-25D6082C368A}" type="sibTrans" cxnId="{A7600FCC-C51B-45C0-BB07-3A90C1FC51C4}">
+    <dgm:pt modelId="{446EE827-731B-4B90-89F5-A9466978CA12}" type="sibTrans" cxnId="{7BC0E431-0EAD-48F8-9C0F-E631496EDF8F}">
       <dgm:prSet/>
       <dgm:spPr/>
       <dgm:t>
@@ -2555,25 +2584,26 @@
   </dgm:ptLst>
   <dgm:cxnLst>
     <dgm:cxn modelId="{DCF89C09-34F6-4A55-8F37-21BF0D49D97A}" type="presOf" srcId="{DF668AE0-67B5-4F5B-8724-23C1F622507E}" destId="{7E17D03D-FAD2-4398-8BB5-184A64722049}" srcOrd="0" destOrd="0" presId="urn:microsoft.com/office/officeart/2005/8/layout/vProcess5"/>
-    <dgm:cxn modelId="{519D4D15-35EB-41C4-8FFB-F69E2108A97F}" type="presOf" srcId="{95AB0B91-382E-4598-AA47-9F242292C713}" destId="{C5DCB436-A807-4873-B046-66A6F58234CE}" srcOrd="0" destOrd="0" presId="urn:microsoft.com/office/officeart/2005/8/layout/vProcess5"/>
-    <dgm:cxn modelId="{9A2EC03E-5B0B-4D3D-B356-2760567A0A48}" type="presOf" srcId="{95AB0B91-382E-4598-AA47-9F242292C713}" destId="{A1CDBB8D-132E-49DD-B07A-665A216FC66A}" srcOrd="1" destOrd="0" presId="urn:microsoft.com/office/officeart/2005/8/layout/vProcess5"/>
-    <dgm:cxn modelId="{17EF2C63-C053-412A-8E0D-E52A947E2884}" srcId="{8A74D02E-4EAC-405E-9D11-CCDB3D22C45D}" destId="{6B741CCA-783F-4E2F-ACD3-8085979A5178}" srcOrd="3" destOrd="0" parTransId="{C12A2316-F555-4C31-B37F-433A187BF196}" sibTransId="{2D670A0E-493F-4EA9-B28B-DCEDCF17C2AE}"/>
-    <dgm:cxn modelId="{8CE84444-63D1-45C1-BFC3-3138762DDFF0}" type="presOf" srcId="{2D670A0E-493F-4EA9-B28B-DCEDCF17C2AE}" destId="{744FA8DF-BD2F-4AC6-8CAE-E3F725F06247}" srcOrd="0" destOrd="0" presId="urn:microsoft.com/office/officeart/2005/8/layout/vProcess5"/>
-    <dgm:cxn modelId="{F8E45768-826F-4D88-85AF-3968ECFE4AD5}" type="presOf" srcId="{6B741CCA-783F-4E2F-ACD3-8085979A5178}" destId="{6E4135BD-D058-47BE-8C5C-45573B32EA34}" srcOrd="1" destOrd="0" presId="urn:microsoft.com/office/officeart/2005/8/layout/vProcess5"/>
+    <dgm:cxn modelId="{1F31691C-FE65-45D6-A7BA-C116BFE2EE7F}" type="presOf" srcId="{08FC7401-46E7-4344-845C-788A1957EB45}" destId="{A1CDBB8D-132E-49DD-B07A-665A216FC66A}" srcOrd="1" destOrd="0" presId="urn:microsoft.com/office/officeart/2005/8/layout/vProcess5"/>
+    <dgm:cxn modelId="{7BC0E431-0EAD-48F8-9C0F-E631496EDF8F}" srcId="{8A74D02E-4EAC-405E-9D11-CCDB3D22C45D}" destId="{08FC7401-46E7-4344-845C-788A1957EB45}" srcOrd="2" destOrd="0" parTransId="{98A09610-F728-469A-BD4C-E7EB3BC04104}" sibTransId="{446EE827-731B-4B90-89F5-A9466978CA12}"/>
+    <dgm:cxn modelId="{F175023E-AC96-4A79-9E54-346C88F7AA4A}" type="presOf" srcId="{08FC7401-46E7-4344-845C-788A1957EB45}" destId="{C5DCB436-A807-4873-B046-66A6F58234CE}" srcOrd="0" destOrd="0" presId="urn:microsoft.com/office/officeart/2005/8/layout/vProcess5"/>
+    <dgm:cxn modelId="{C28F0F45-58EB-44E2-B221-B6FE763B0078}" srcId="{8A74D02E-4EAC-405E-9D11-CCDB3D22C45D}" destId="{8982CFA0-0348-4CF0-9403-F8AF42EABCAC}" srcOrd="5" destOrd="0" parTransId="{C57F6BE0-33DD-4E68-9D8B-0E3D18B0F2EB}" sibTransId="{D780DAD7-23AF-42CD-B0E6-847185AC8D7F}"/>
     <dgm:cxn modelId="{50D8844F-5485-4A72-AA6C-F3A400BDF8E1}" type="presOf" srcId="{CFCE7322-617E-4B50-B0AC-4CFC907D56EC}" destId="{17DC6964-7697-4B3A-8306-3FA71A6E5CD7}" srcOrd="0" destOrd="0" presId="urn:microsoft.com/office/officeart/2005/8/layout/vProcess5"/>
-    <dgm:cxn modelId="{8072AA4F-1064-41FD-B586-24C2AFA6A369}" srcId="{8A74D02E-4EAC-405E-9D11-CCDB3D22C45D}" destId="{95AB0B91-382E-4598-AA47-9F242292C713}" srcOrd="2" destOrd="0" parTransId="{E0739272-64B1-4FBB-99D8-E4A3C220E1EA}" sibTransId="{9E316ACC-84CC-417C-A805-60E99F541E21}"/>
-    <dgm:cxn modelId="{3D5CDD56-FCAB-4E5F-830B-F8C98FFCAF5C}" type="presOf" srcId="{6B741CCA-783F-4E2F-ACD3-8085979A5178}" destId="{82467640-C14A-449E-93AE-0D5337B454D5}" srcOrd="0" destOrd="0" presId="urn:microsoft.com/office/officeart/2005/8/layout/vProcess5"/>
+    <dgm:cxn modelId="{8072AA4F-1064-41FD-B586-24C2AFA6A369}" srcId="{8A74D02E-4EAC-405E-9D11-CCDB3D22C45D}" destId="{95AB0B91-382E-4598-AA47-9F242292C713}" srcOrd="3" destOrd="0" parTransId="{E0739272-64B1-4FBB-99D8-E4A3C220E1EA}" sibTransId="{9E316ACC-84CC-417C-A805-60E99F541E21}"/>
     <dgm:cxn modelId="{F03E5F81-3F46-4EEA-AC6D-7A9AE91D60C1}" type="presOf" srcId="{D3E755DD-9104-4634-811F-ACAEC27E8FB4}" destId="{C100EF4C-98FC-4E1D-868C-7F89646CCDBE}" srcOrd="1" destOrd="0" presId="urn:microsoft.com/office/officeart/2005/8/layout/vProcess5"/>
     <dgm:cxn modelId="{B3C39F87-388A-42B0-A5F8-031A44580750}" srcId="{8A74D02E-4EAC-405E-9D11-CCDB3D22C45D}" destId="{CFCE7322-617E-4B50-B0AC-4CFC907D56EC}" srcOrd="1" destOrd="0" parTransId="{4349550F-C4B9-4AF5-9BEB-AAA6CFA90142}" sibTransId="{B4EB282D-0BE1-4E10-98F3-1DBB1A187A77}"/>
     <dgm:cxn modelId="{6ECD2F96-EE10-4ACA-BB8D-08A8D870457A}" type="presOf" srcId="{8A74D02E-4EAC-405E-9D11-CCDB3D22C45D}" destId="{0151216B-3B7B-4D0F-A8BB-3BAA47955DE9}" srcOrd="0" destOrd="0" presId="urn:microsoft.com/office/officeart/2005/8/layout/vProcess5"/>
-    <dgm:cxn modelId="{D6DBBC9F-590F-43D8-BD96-4B5872AB8EFB}" type="presOf" srcId="{917B1805-970E-40CF-892E-0FADC474E72F}" destId="{9D745DE1-BAAC-4634-B158-9C674513313A}" srcOrd="0" destOrd="0" presId="urn:microsoft.com/office/officeart/2005/8/layout/vProcess5"/>
-    <dgm:cxn modelId="{A035A9B4-9137-44BC-B1BF-3762E5D7055E}" type="presOf" srcId="{917B1805-970E-40CF-892E-0FADC474E72F}" destId="{FBBD0FC6-93CB-4AA1-A30D-48F129CD1602}" srcOrd="1" destOrd="0" presId="urn:microsoft.com/office/officeart/2005/8/layout/vProcess5"/>
+    <dgm:cxn modelId="{D2D27698-8892-41FE-8541-965D37BF2F16}" type="presOf" srcId="{917B1805-970E-40CF-892E-0FADC474E72F}" destId="{FBBD0FC6-93CB-4AA1-A30D-48F129CD1602}" srcOrd="1" destOrd="0" presId="urn:microsoft.com/office/officeart/2005/8/layout/vProcess5"/>
+    <dgm:cxn modelId="{CA23689C-2D6B-4D80-8A0A-5CC0BAD43F6A}" type="presOf" srcId="{917B1805-970E-40CF-892E-0FADC474E72F}" destId="{9D745DE1-BAAC-4634-B158-9C674513313A}" srcOrd="0" destOrd="0" presId="urn:microsoft.com/office/officeart/2005/8/layout/vProcess5"/>
+    <dgm:cxn modelId="{AF7227B8-D626-452A-9782-E3190EC61A0D}" type="presOf" srcId="{9E316ACC-84CC-417C-A805-60E99F541E21}" destId="{744FA8DF-BD2F-4AC6-8CAE-E3F725F06247}" srcOrd="0" destOrd="0" presId="urn:microsoft.com/office/officeart/2005/8/layout/vProcess5"/>
+    <dgm:cxn modelId="{2A7E80C7-5EB9-43E2-92B0-E6AE0E57D91A}" type="presOf" srcId="{95AB0B91-382E-4598-AA47-9F242292C713}" destId="{82467640-C14A-449E-93AE-0D5337B454D5}" srcOrd="0" destOrd="0" presId="urn:microsoft.com/office/officeart/2005/8/layout/vProcess5"/>
     <dgm:cxn modelId="{A7600FCC-C51B-45C0-BB07-3A90C1FC51C4}" srcId="{8A74D02E-4EAC-405E-9D11-CCDB3D22C45D}" destId="{917B1805-970E-40CF-892E-0FADC474E72F}" srcOrd="4" destOrd="0" parTransId="{60400B76-511A-4246-9C7D-5ADAF0F7318F}" sibTransId="{459363CA-399F-4AE4-AB50-25D6082C368A}"/>
     <dgm:cxn modelId="{4A5CEBCC-435F-48FE-A174-36D0B0119B30}" type="presOf" srcId="{D3E755DD-9104-4634-811F-ACAEC27E8FB4}" destId="{9B30F9B4-7DE9-42F0-AAE1-0EF0855DAF6A}" srcOrd="0" destOrd="0" presId="urn:microsoft.com/office/officeart/2005/8/layout/vProcess5"/>
     <dgm:cxn modelId="{ADB896CE-E89F-451B-8770-1E87AA8F72A1}" srcId="{8A74D02E-4EAC-405E-9D11-CCDB3D22C45D}" destId="{D3E755DD-9104-4634-811F-ACAEC27E8FB4}" srcOrd="0" destOrd="0" parTransId="{B0A98B37-60A6-455A-A40B-E0D37177D12B}" sibTransId="{DF668AE0-67B5-4F5B-8724-23C1F622507E}"/>
+    <dgm:cxn modelId="{DFE95BD1-F81B-414A-AA28-37AB8AB8285B}" type="presOf" srcId="{446EE827-731B-4B90-89F5-A9466978CA12}" destId="{F90A072A-44F4-4749-9C18-DFBD7CCEC13E}" srcOrd="0" destOrd="0" presId="urn:microsoft.com/office/officeart/2005/8/layout/vProcess5"/>
     <dgm:cxn modelId="{0E2563E8-809C-4705-8042-082918B0477E}" type="presOf" srcId="{B4EB282D-0BE1-4E10-98F3-1DBB1A187A77}" destId="{E6600D48-FC2A-433A-92AA-90C1D5FD85AD}" srcOrd="0" destOrd="0" presId="urn:microsoft.com/office/officeart/2005/8/layout/vProcess5"/>
     <dgm:cxn modelId="{0AC337ED-B4D9-45EE-919C-DD0FE4C8C758}" type="presOf" srcId="{CFCE7322-617E-4B50-B0AC-4CFC907D56EC}" destId="{F439B034-EFD6-4101-9B1F-D6EEB80BE5CC}" srcOrd="1" destOrd="0" presId="urn:microsoft.com/office/officeart/2005/8/layout/vProcess5"/>
-    <dgm:cxn modelId="{320DF1F4-2F37-499A-82D7-9DD3835E24F9}" type="presOf" srcId="{9E316ACC-84CC-417C-A805-60E99F541E21}" destId="{F90A072A-44F4-4749-9C18-DFBD7CCEC13E}" srcOrd="0" destOrd="0" presId="urn:microsoft.com/office/officeart/2005/8/layout/vProcess5"/>
+    <dgm:cxn modelId="{40DD0AF1-8D99-4033-8D9A-BCD378B7047F}" type="presOf" srcId="{95AB0B91-382E-4598-AA47-9F242292C713}" destId="{6E4135BD-D058-47BE-8C5C-45573B32EA34}" srcOrd="1" destOrd="0" presId="urn:microsoft.com/office/officeart/2005/8/layout/vProcess5"/>
     <dgm:cxn modelId="{7728185D-8488-49DD-8DB8-C4539C0D2D67}" type="presParOf" srcId="{0151216B-3B7B-4D0F-A8BB-3BAA47955DE9}" destId="{CAEB330F-BCFD-4FE8-8D23-D35453F17ABD}" srcOrd="0" destOrd="0" presId="urn:microsoft.com/office/officeart/2005/8/layout/vProcess5"/>
     <dgm:cxn modelId="{6CEEFDF7-CC13-4A40-BE7F-F0E0DF6BF9CE}" type="presParOf" srcId="{0151216B-3B7B-4D0F-A8BB-3BAA47955DE9}" destId="{9B30F9B4-7DE9-42F0-AAE1-0EF0855DAF6A}" srcOrd="1" destOrd="0" presId="urn:microsoft.com/office/officeart/2005/8/layout/vProcess5"/>
     <dgm:cxn modelId="{7445F7E6-4110-4070-B3B9-55288825D019}" type="presParOf" srcId="{0151216B-3B7B-4D0F-A8BB-3BAA47955DE9}" destId="{17DC6964-7697-4B3A-8306-3FA71A6E5CD7}" srcOrd="2" destOrd="0" presId="urn:microsoft.com/office/officeart/2005/8/layout/vProcess5"/>
@@ -2991,11 +3021,19 @@
           </a:pPr>
           <a:r>
             <a:rPr lang="en-US" sz="2800" kern="1200" dirty="0"/>
-            <a:t>1. Andreas </a:t>
+            <a:t>1. </a:t>
           </a:r>
           <a:r>
             <a:rPr lang="en-US" sz="2800" kern="1200" dirty="0" err="1"/>
-            <a:t>Mäkilä</a:t>
+            <a:t>Aymen</a:t>
+          </a:r>
+          <a:r>
+            <a:rPr lang="en-US" sz="2800" kern="1200" dirty="0"/>
+            <a:t> </a:t>
+          </a:r>
+          <a:r>
+            <a:rPr lang="en-US" sz="2800" kern="1200" dirty="0" err="1"/>
+            <a:t>Nouidha</a:t>
           </a:r>
           <a:endParaRPr lang="en-US" sz="2800" kern="1200" dirty="0"/>
         </a:p>
@@ -3075,20 +3113,20 @@
             <a:buNone/>
           </a:pPr>
           <a:r>
-            <a:rPr lang="en-US" sz="2800" kern="1200" dirty="0"/>
-            <a:t>2. </a:t>
+            <a:rPr lang="en-US" sz="2800" kern="1200" baseline="0" dirty="0"/>
+            <a:t>2.Lukas Dust and </a:t>
           </a:r>
           <a:r>
-            <a:rPr lang="en-US" sz="2800" kern="1200" dirty="0" err="1"/>
-            <a:t>Aymen</a:t>
+            <a:rPr lang="en-US" sz="2800" kern="1200" baseline="0" dirty="0" err="1"/>
+            <a:t>Afram</a:t>
           </a:r>
           <a:r>
-            <a:rPr lang="en-US" sz="2800" kern="1200" dirty="0"/>
+            <a:rPr lang="en-US" sz="2800" kern="1200" baseline="0" dirty="0"/>
             <a:t> </a:t>
           </a:r>
           <a:r>
-            <a:rPr lang="en-US" sz="2800" kern="1200" dirty="0" err="1"/>
-            <a:t>Nouidha</a:t>
+            <a:rPr lang="en-US" sz="2800" kern="1200" baseline="0" dirty="0" err="1"/>
+            <a:t>Afrem</a:t>
           </a:r>
           <a:endParaRPr lang="en-US" sz="2800" kern="1200" dirty="0"/>
         </a:p>
@@ -3254,23 +3292,11 @@
           </a:pPr>
           <a:r>
             <a:rPr lang="en-US" sz="2800" kern="1200" dirty="0"/>
-            <a:t>4.</a:t>
+            <a:t>4. Andreas </a:t>
           </a:r>
           <a:r>
-            <a:rPr lang="en-US" sz="2800" kern="1200" baseline="0" dirty="0"/>
-            <a:t> Lukas Dust and </a:t>
-          </a:r>
-          <a:r>
-            <a:rPr lang="en-US" sz="2800" kern="1200" baseline="0" dirty="0" err="1"/>
-            <a:t>Afram</a:t>
-          </a:r>
-          <a:r>
-            <a:rPr lang="en-US" sz="2800" kern="1200" baseline="0" dirty="0"/>
-            <a:t> </a:t>
-          </a:r>
-          <a:r>
-            <a:rPr lang="en-US" sz="2800" kern="1200" baseline="0" dirty="0" err="1"/>
-            <a:t>Afrem</a:t>
+            <a:rPr lang="en-US" sz="2800" kern="1200" dirty="0" err="1"/>
+            <a:t>Mäkilä</a:t>
           </a:r>
           <a:endParaRPr lang="en-US" sz="2800" kern="1200" dirty="0"/>
         </a:p>
@@ -3512,7 +3538,7 @@
             </a:spcAft>
             <a:buNone/>
           </a:pPr>
-          <a:endParaRPr lang="en-US" sz="3100" kern="1200"/>
+          <a:endParaRPr lang="de-DE" sz="3100" kern="1200"/>
         </a:p>
       </dsp:txBody>
       <dsp:txXfrm>
@@ -7170,7 +7196,7 @@
           <a:p>
             <a:fld id="{D19A7625-F502-4886-BF38-9656E041D6F1}" type="datetimeFigureOut">
               <a:rPr lang="de-DE" smtClean="0"/>
-              <a:t>18.11.2020</a:t>
+              <a:t>19.11.2020</a:t>
             </a:fld>
             <a:endParaRPr lang="de-DE"/>
           </a:p>
@@ -7584,7 +7610,7 @@
           <a:p>
             <a:fld id="{2F195790-E85C-44D7-BD64-5A61BE258BB8}" type="datetimeFigureOut">
               <a:rPr lang="de-DE" smtClean="0"/>
-              <a:t>18.11.2020</a:t>
+              <a:t>19.11.2020</a:t>
             </a:fld>
             <a:endParaRPr lang="de-DE"/>
           </a:p>
@@ -7782,7 +7808,7 @@
           <a:p>
             <a:fld id="{2F195790-E85C-44D7-BD64-5A61BE258BB8}" type="datetimeFigureOut">
               <a:rPr lang="de-DE" smtClean="0"/>
-              <a:t>18.11.2020</a:t>
+              <a:t>19.11.2020</a:t>
             </a:fld>
             <a:endParaRPr lang="de-DE"/>
           </a:p>
@@ -7990,7 +8016,7 @@
           <a:p>
             <a:fld id="{2F195790-E85C-44D7-BD64-5A61BE258BB8}" type="datetimeFigureOut">
               <a:rPr lang="de-DE" smtClean="0"/>
-              <a:t>18.11.2020</a:t>
+              <a:t>19.11.2020</a:t>
             </a:fld>
             <a:endParaRPr lang="de-DE"/>
           </a:p>
@@ -8518,7 +8544,7 @@
           <a:p>
             <a:fld id="{2F195790-E85C-44D7-BD64-5A61BE258BB8}" type="datetimeFigureOut">
               <a:rPr lang="de-DE" smtClean="0"/>
-              <a:t>18.11.2020</a:t>
+              <a:t>19.11.2020</a:t>
             </a:fld>
             <a:endParaRPr lang="de-DE"/>
           </a:p>
@@ -8793,7 +8819,7 @@
           <a:p>
             <a:fld id="{2F195790-E85C-44D7-BD64-5A61BE258BB8}" type="datetimeFigureOut">
               <a:rPr lang="de-DE" smtClean="0"/>
-              <a:t>18.11.2020</a:t>
+              <a:t>19.11.2020</a:t>
             </a:fld>
             <a:endParaRPr lang="de-DE"/>
           </a:p>
@@ -9058,7 +9084,7 @@
           <a:p>
             <a:fld id="{2F195790-E85C-44D7-BD64-5A61BE258BB8}" type="datetimeFigureOut">
               <a:rPr lang="de-DE" smtClean="0"/>
-              <a:t>18.11.2020</a:t>
+              <a:t>19.11.2020</a:t>
             </a:fld>
             <a:endParaRPr lang="de-DE"/>
           </a:p>
@@ -9470,7 +9496,7 @@
           <a:p>
             <a:fld id="{2F195790-E85C-44D7-BD64-5A61BE258BB8}" type="datetimeFigureOut">
               <a:rPr lang="de-DE" smtClean="0"/>
-              <a:t>18.11.2020</a:t>
+              <a:t>19.11.2020</a:t>
             </a:fld>
             <a:endParaRPr lang="de-DE"/>
           </a:p>
@@ -9611,7 +9637,7 @@
           <a:p>
             <a:fld id="{2F195790-E85C-44D7-BD64-5A61BE258BB8}" type="datetimeFigureOut">
               <a:rPr lang="de-DE" smtClean="0"/>
-              <a:t>18.11.2020</a:t>
+              <a:t>19.11.2020</a:t>
             </a:fld>
             <a:endParaRPr lang="de-DE"/>
           </a:p>
@@ -9724,7 +9750,7 @@
           <a:p>
             <a:fld id="{2F195790-E85C-44D7-BD64-5A61BE258BB8}" type="datetimeFigureOut">
               <a:rPr lang="de-DE" smtClean="0"/>
-              <a:t>18.11.2020</a:t>
+              <a:t>19.11.2020</a:t>
             </a:fld>
             <a:endParaRPr lang="de-DE"/>
           </a:p>
@@ -10035,7 +10061,7 @@
           <a:p>
             <a:fld id="{2F195790-E85C-44D7-BD64-5A61BE258BB8}" type="datetimeFigureOut">
               <a:rPr lang="de-DE" smtClean="0"/>
-              <a:t>18.11.2020</a:t>
+              <a:t>19.11.2020</a:t>
             </a:fld>
             <a:endParaRPr lang="de-DE"/>
           </a:p>
@@ -10323,7 +10349,7 @@
           <a:p>
             <a:fld id="{2F195790-E85C-44D7-BD64-5A61BE258BB8}" type="datetimeFigureOut">
               <a:rPr lang="de-DE" smtClean="0"/>
-              <a:t>18.11.2020</a:t>
+              <a:t>19.11.2020</a:t>
             </a:fld>
             <a:endParaRPr lang="de-DE"/>
           </a:p>
@@ -10564,7 +10590,7 @@
           <a:p>
             <a:fld id="{2F195790-E85C-44D7-BD64-5A61BE258BB8}" type="datetimeFigureOut">
               <a:rPr lang="de-DE" smtClean="0"/>
-              <a:t>18.11.2020</a:t>
+              <a:t>19.11.2020</a:t>
             </a:fld>
             <a:endParaRPr lang="de-DE"/>
           </a:p>
@@ -11330,6 +11356,3075 @@
 <file path=ppt/slides/slide10.xml><?xml version="1.0" encoding="utf-8"?>
 <p:sld xmlns:a="http://schemas.openxmlformats.org/drawingml/2006/main" xmlns:r="http://schemas.openxmlformats.org/officeDocument/2006/relationships" xmlns:p="http://schemas.openxmlformats.org/presentationml/2006/main">
   <p:cSld>
+    <p:spTree>
+      <p:nvGrpSpPr>
+        <p:cNvPr id="1" name=""/>
+        <p:cNvGrpSpPr/>
+        <p:nvPr/>
+      </p:nvGrpSpPr>
+      <p:grpSpPr>
+        <a:xfrm>
+          <a:off x="0" y="0"/>
+          <a:ext cx="0" cy="0"/>
+          <a:chOff x="0" y="0"/>
+          <a:chExt cx="0" cy="0"/>
+        </a:xfrm>
+      </p:grpSpPr>
+      <p:sp>
+        <p:nvSpPr>
+          <p:cNvPr id="20" name="Rectangle 19">
+            <a:extLst>
+              <a:ext uri="{FF2B5EF4-FFF2-40B4-BE49-F238E27FC236}">
+                <a16:creationId xmlns:a16="http://schemas.microsoft.com/office/drawing/2014/main" id="{A4AC5506-6312-4701-8D3C-40187889A947}"/>
+              </a:ext>
+              <a:ext uri="{C183D7F6-B498-43B3-948B-1728B52AA6E4}">
+                <adec:decorative xmlns:adec="http://schemas.microsoft.com/office/drawing/2017/decorative" val="1"/>
+              </a:ext>
+            </a:extLst>
+          </p:cNvPr>
+          <p:cNvSpPr>
+            <a:spLocks noGrp="1" noRot="1" noChangeAspect="1" noMove="1" noResize="1" noEditPoints="1" noAdjustHandles="1" noChangeArrowheads="1" noChangeShapeType="1" noTextEdit="1"/>
+          </p:cNvSpPr>
+          <p:nvPr>
+            <p:extLst>
+              <p:ext uri="{386F3935-93C4-4BCD-93E2-E3B085C9AB24}">
+                <p16:designElem xmlns:p16="http://schemas.microsoft.com/office/powerpoint/2015/main" val="1"/>
+              </p:ext>
+            </p:extLst>
+          </p:nvPr>
+        </p:nvSpPr>
+        <p:spPr>
+          <a:xfrm>
+            <a:off x="0" y="651752"/>
+            <a:ext cx="12192000" cy="736551"/>
+          </a:xfrm>
+          <a:prstGeom prst="rect">
+            <a:avLst/>
+          </a:prstGeom>
+          <a:solidFill>
+            <a:schemeClr val="tx1"/>
+          </a:solidFill>
+          <a:ln>
+            <a:noFill/>
+          </a:ln>
+        </p:spPr>
+        <p:style>
+          <a:lnRef idx="2">
+            <a:schemeClr val="accent1">
+              <a:shade val="50000"/>
+            </a:schemeClr>
+          </a:lnRef>
+          <a:fillRef idx="1">
+            <a:schemeClr val="accent1"/>
+          </a:fillRef>
+          <a:effectRef idx="0">
+            <a:schemeClr val="accent1"/>
+          </a:effectRef>
+          <a:fontRef idx="minor">
+            <a:schemeClr val="lt1"/>
+          </a:fontRef>
+        </p:style>
+        <p:txBody>
+          <a:bodyPr rtlCol="0" anchor="ctr"/>
+          <a:lstStyle/>
+          <a:p>
+            <a:pPr algn="ctr"/>
+            <a:endParaRPr lang="en-US"/>
+          </a:p>
+        </p:txBody>
+      </p:sp>
+      <p:sp>
+        <p:nvSpPr>
+          <p:cNvPr id="2" name="Rubrik 1"/>
+          <p:cNvSpPr>
+            <a:spLocks noGrp="1"/>
+          </p:cNvSpPr>
+          <p:nvPr>
+            <p:ph type="title"/>
+          </p:nvPr>
+        </p:nvSpPr>
+        <p:spPr>
+          <a:xfrm>
+            <a:off x="556532" y="643467"/>
+            <a:ext cx="11210925" cy="744836"/>
+          </a:xfrm>
+        </p:spPr>
+        <p:txBody>
+          <a:bodyPr vert="horz" lIns="91440" tIns="45720" rIns="91440" bIns="45720" rtlCol="0" anchor="ctr">
+            <a:normAutofit/>
+          </a:bodyPr>
+          <a:lstStyle/>
+          <a:p>
+            <a:pPr algn="ctr">
+              <a:lnSpc>
+                <a:spcPct val="90000"/>
+              </a:lnSpc>
+            </a:pPr>
+            <a:r>
+              <a:rPr lang="en-US" sz="3200" kern="1200" dirty="0">
+                <a:solidFill>
+                  <a:schemeClr val="bg1"/>
+                </a:solidFill>
+                <a:latin typeface="+mj-lt"/>
+                <a:ea typeface="+mj-ea"/>
+                <a:cs typeface="+mj-cs"/>
+              </a:rPr>
+              <a:t>3. Victor </a:t>
+            </a:r>
+            <a:r>
+              <a:rPr lang="en-US" sz="3200" kern="1200" dirty="0" err="1">
+                <a:solidFill>
+                  <a:schemeClr val="bg1"/>
+                </a:solidFill>
+                <a:latin typeface="+mj-lt"/>
+                <a:ea typeface="+mj-ea"/>
+                <a:cs typeface="+mj-cs"/>
+              </a:rPr>
+              <a:t>Ebirim</a:t>
+            </a:r>
+            <a:r>
+              <a:rPr lang="en-US" sz="3200" kern="1200" dirty="0">
+                <a:solidFill>
+                  <a:schemeClr val="bg1"/>
+                </a:solidFill>
+                <a:latin typeface="+mj-lt"/>
+                <a:ea typeface="+mj-ea"/>
+                <a:cs typeface="+mj-cs"/>
+              </a:rPr>
+              <a:t> / Tasks</a:t>
+            </a:r>
+          </a:p>
+        </p:txBody>
+      </p:sp>
+      <p:sp>
+        <p:nvSpPr>
+          <p:cNvPr id="3" name="Platshållare för bildnummer 2"/>
+          <p:cNvSpPr>
+            <a:spLocks noGrp="1"/>
+          </p:cNvSpPr>
+          <p:nvPr>
+            <p:ph type="sldNum" sz="quarter" idx="12"/>
+          </p:nvPr>
+        </p:nvSpPr>
+        <p:spPr>
+          <a:xfrm>
+            <a:off x="8610600" y="6356350"/>
+            <a:ext cx="2743200" cy="365125"/>
+          </a:xfrm>
+        </p:spPr>
+        <p:txBody>
+          <a:bodyPr vert="horz" lIns="91440" tIns="45720" rIns="91440" bIns="45720" rtlCol="0" anchor="ctr">
+            <a:normAutofit/>
+          </a:bodyPr>
+          <a:lstStyle/>
+          <a:p>
+            <a:pPr>
+              <a:spcAft>
+                <a:spcPts val="600"/>
+              </a:spcAft>
+            </a:pPr>
+            <a:fld id="{E21FFC3D-594F-4CAE-AAA5-4C3555641468}" type="slidenum">
+              <a:rPr lang="en-US" smtClean="0"/>
+              <a:pPr>
+                <a:spcAft>
+                  <a:spcPts val="600"/>
+                </a:spcAft>
+              </a:pPr>
+              <a:t>10</a:t>
+            </a:fld>
+            <a:endParaRPr lang="en-US"/>
+          </a:p>
+        </p:txBody>
+      </p:sp>
+      <p:pic>
+        <p:nvPicPr>
+          <p:cNvPr id="6" name="Grafik 5">
+            <a:extLst>
+              <a:ext uri="{FF2B5EF4-FFF2-40B4-BE49-F238E27FC236}">
+                <a16:creationId xmlns:a16="http://schemas.microsoft.com/office/drawing/2014/main" id="{8827F3E6-3E8C-45BB-A02F-A46587D2133B}"/>
+              </a:ext>
+            </a:extLst>
+          </p:cNvPr>
+          <p:cNvPicPr>
+            <a:picLocks noChangeAspect="1"/>
+          </p:cNvPicPr>
+          <p:nvPr/>
+        </p:nvPicPr>
+        <p:blipFill>
+          <a:blip r:embed="rId2">
+            <a:extLst>
+              <a:ext uri="{28A0092B-C50C-407E-A947-70E740481C1C}">
+                <a14:useLocalDpi xmlns:a14="http://schemas.microsoft.com/office/drawing/2010/main" val="0"/>
+              </a:ext>
+            </a:extLst>
+          </a:blip>
+          <a:stretch>
+            <a:fillRect/>
+          </a:stretch>
+        </p:blipFill>
+        <p:spPr>
+          <a:xfrm>
+            <a:off x="302729" y="697477"/>
+            <a:ext cx="681475" cy="649814"/>
+          </a:xfrm>
+          <a:prstGeom prst="rect">
+            <a:avLst/>
+          </a:prstGeom>
+        </p:spPr>
+      </p:pic>
+      <p:sp>
+        <p:nvSpPr>
+          <p:cNvPr id="9" name="Platshållare för text 3">
+            <a:extLst>
+              <a:ext uri="{FF2B5EF4-FFF2-40B4-BE49-F238E27FC236}">
+                <a16:creationId xmlns:a16="http://schemas.microsoft.com/office/drawing/2014/main" id="{24F2ABD0-A504-4FAB-981E-8DA9BE4F0B53}"/>
+              </a:ext>
+            </a:extLst>
+          </p:cNvPr>
+          <p:cNvSpPr txBox="1">
+            <a:spLocks/>
+          </p:cNvSpPr>
+          <p:nvPr/>
+        </p:nvSpPr>
+        <p:spPr>
+          <a:xfrm>
+            <a:off x="1103449" y="1783357"/>
+            <a:ext cx="9985107" cy="4655505"/>
+          </a:xfrm>
+          <a:prstGeom prst="rect">
+            <a:avLst/>
+          </a:prstGeom>
+        </p:spPr>
+        <p:txBody>
+          <a:bodyPr vert="horz" lIns="91440" tIns="45720" rIns="91440" bIns="45720" rtlCol="0">
+            <a:normAutofit/>
+          </a:bodyPr>
+          <a:lstStyle>
+            <a:lvl1pPr marL="228600" indent="-228600" algn="l" defTabSz="914400" rtl="0" eaLnBrk="1" latinLnBrk="0" hangingPunct="1">
+              <a:lnSpc>
+                <a:spcPct val="90000"/>
+              </a:lnSpc>
+              <a:spcBef>
+                <a:spcPts val="1000"/>
+              </a:spcBef>
+              <a:buFont typeface="Arial" panose="020B0604020202020204" pitchFamily="34" charset="0"/>
+              <a:buChar char="•"/>
+              <a:defRPr sz="2800" kern="1200">
+                <a:solidFill>
+                  <a:schemeClr val="tx1"/>
+                </a:solidFill>
+                <a:latin typeface="+mn-lt"/>
+                <a:ea typeface="+mn-ea"/>
+                <a:cs typeface="+mn-cs"/>
+              </a:defRPr>
+            </a:lvl1pPr>
+            <a:lvl2pPr marL="685800" indent="-228600" algn="l" defTabSz="914400" rtl="0" eaLnBrk="1" latinLnBrk="0" hangingPunct="1">
+              <a:lnSpc>
+                <a:spcPct val="90000"/>
+              </a:lnSpc>
+              <a:spcBef>
+                <a:spcPts val="500"/>
+              </a:spcBef>
+              <a:buFont typeface="Arial" panose="020B0604020202020204" pitchFamily="34" charset="0"/>
+              <a:buChar char="•"/>
+              <a:defRPr sz="2400" kern="1200">
+                <a:solidFill>
+                  <a:schemeClr val="tx1"/>
+                </a:solidFill>
+                <a:latin typeface="+mn-lt"/>
+                <a:ea typeface="+mn-ea"/>
+                <a:cs typeface="+mn-cs"/>
+              </a:defRPr>
+            </a:lvl2pPr>
+            <a:lvl3pPr marL="1143000" indent="-228600" algn="l" defTabSz="914400" rtl="0" eaLnBrk="1" latinLnBrk="0" hangingPunct="1">
+              <a:lnSpc>
+                <a:spcPct val="90000"/>
+              </a:lnSpc>
+              <a:spcBef>
+                <a:spcPts val="500"/>
+              </a:spcBef>
+              <a:buFont typeface="Arial" panose="020B0604020202020204" pitchFamily="34" charset="0"/>
+              <a:buChar char="•"/>
+              <a:defRPr sz="2000" kern="1200">
+                <a:solidFill>
+                  <a:schemeClr val="tx1"/>
+                </a:solidFill>
+                <a:latin typeface="+mn-lt"/>
+                <a:ea typeface="+mn-ea"/>
+                <a:cs typeface="+mn-cs"/>
+              </a:defRPr>
+            </a:lvl3pPr>
+            <a:lvl4pPr marL="1600200" indent="-228600" algn="l" defTabSz="914400" rtl="0" eaLnBrk="1" latinLnBrk="0" hangingPunct="1">
+              <a:lnSpc>
+                <a:spcPct val="90000"/>
+              </a:lnSpc>
+              <a:spcBef>
+                <a:spcPts val="500"/>
+              </a:spcBef>
+              <a:buFont typeface="Arial" panose="020B0604020202020204" pitchFamily="34" charset="0"/>
+              <a:buChar char="•"/>
+              <a:defRPr sz="1800" kern="1200">
+                <a:solidFill>
+                  <a:schemeClr val="tx1"/>
+                </a:solidFill>
+                <a:latin typeface="+mn-lt"/>
+                <a:ea typeface="+mn-ea"/>
+                <a:cs typeface="+mn-cs"/>
+              </a:defRPr>
+            </a:lvl4pPr>
+            <a:lvl5pPr marL="2057400" indent="-228600" algn="l" defTabSz="914400" rtl="0" eaLnBrk="1" latinLnBrk="0" hangingPunct="1">
+              <a:lnSpc>
+                <a:spcPct val="90000"/>
+              </a:lnSpc>
+              <a:spcBef>
+                <a:spcPts val="500"/>
+              </a:spcBef>
+              <a:buFont typeface="Arial" panose="020B0604020202020204" pitchFamily="34" charset="0"/>
+              <a:buChar char="•"/>
+              <a:defRPr sz="1800" kern="1200">
+                <a:solidFill>
+                  <a:schemeClr val="tx1"/>
+                </a:solidFill>
+                <a:latin typeface="+mn-lt"/>
+                <a:ea typeface="+mn-ea"/>
+                <a:cs typeface="+mn-cs"/>
+              </a:defRPr>
+            </a:lvl5pPr>
+            <a:lvl6pPr marL="2514600" indent="-228600" algn="l" defTabSz="914400" rtl="0" eaLnBrk="1" latinLnBrk="0" hangingPunct="1">
+              <a:lnSpc>
+                <a:spcPct val="90000"/>
+              </a:lnSpc>
+              <a:spcBef>
+                <a:spcPts val="500"/>
+              </a:spcBef>
+              <a:buFont typeface="Arial" panose="020B0604020202020204" pitchFamily="34" charset="0"/>
+              <a:buChar char="•"/>
+              <a:defRPr sz="1800" kern="1200">
+                <a:solidFill>
+                  <a:schemeClr val="tx1"/>
+                </a:solidFill>
+                <a:latin typeface="+mn-lt"/>
+                <a:ea typeface="+mn-ea"/>
+                <a:cs typeface="+mn-cs"/>
+              </a:defRPr>
+            </a:lvl6pPr>
+            <a:lvl7pPr marL="2971800" indent="-228600" algn="l" defTabSz="914400" rtl="0" eaLnBrk="1" latinLnBrk="0" hangingPunct="1">
+              <a:lnSpc>
+                <a:spcPct val="90000"/>
+              </a:lnSpc>
+              <a:spcBef>
+                <a:spcPts val="500"/>
+              </a:spcBef>
+              <a:buFont typeface="Arial" panose="020B0604020202020204" pitchFamily="34" charset="0"/>
+              <a:buChar char="•"/>
+              <a:defRPr sz="1800" kern="1200">
+                <a:solidFill>
+                  <a:schemeClr val="tx1"/>
+                </a:solidFill>
+                <a:latin typeface="+mn-lt"/>
+                <a:ea typeface="+mn-ea"/>
+                <a:cs typeface="+mn-cs"/>
+              </a:defRPr>
+            </a:lvl7pPr>
+            <a:lvl8pPr marL="3429000" indent="-228600" algn="l" defTabSz="914400" rtl="0" eaLnBrk="1" latinLnBrk="0" hangingPunct="1">
+              <a:lnSpc>
+                <a:spcPct val="90000"/>
+              </a:lnSpc>
+              <a:spcBef>
+                <a:spcPts val="500"/>
+              </a:spcBef>
+              <a:buFont typeface="Arial" panose="020B0604020202020204" pitchFamily="34" charset="0"/>
+              <a:buChar char="•"/>
+              <a:defRPr sz="1800" kern="1200">
+                <a:solidFill>
+                  <a:schemeClr val="tx1"/>
+                </a:solidFill>
+                <a:latin typeface="+mn-lt"/>
+                <a:ea typeface="+mn-ea"/>
+                <a:cs typeface="+mn-cs"/>
+              </a:defRPr>
+            </a:lvl8pPr>
+            <a:lvl9pPr marL="3886200" indent="-228600" algn="l" defTabSz="914400" rtl="0" eaLnBrk="1" latinLnBrk="0" hangingPunct="1">
+              <a:lnSpc>
+                <a:spcPct val="90000"/>
+              </a:lnSpc>
+              <a:spcBef>
+                <a:spcPts val="500"/>
+              </a:spcBef>
+              <a:buFont typeface="Arial" panose="020B0604020202020204" pitchFamily="34" charset="0"/>
+              <a:buChar char="•"/>
+              <a:defRPr sz="1800" kern="1200">
+                <a:solidFill>
+                  <a:schemeClr val="tx1"/>
+                </a:solidFill>
+                <a:latin typeface="+mn-lt"/>
+                <a:ea typeface="+mn-ea"/>
+                <a:cs typeface="+mn-cs"/>
+              </a:defRPr>
+            </a:lvl9pPr>
+          </a:lstStyle>
+          <a:p>
+            <a:pPr marL="0" indent="0">
+              <a:buNone/>
+            </a:pPr>
+            <a:r>
+              <a:rPr lang="sv-SE" sz="3300" dirty="0">
+                <a:sym typeface="Georgia" charset="0"/>
+              </a:rPr>
+              <a:t>Suggested API</a:t>
+            </a:r>
+          </a:p>
+          <a:p>
+            <a:pPr marL="0" indent="0">
+              <a:buNone/>
+            </a:pPr>
+            <a:r>
+              <a:rPr lang="en-GB" b="1" dirty="0">
+                <a:latin typeface="Arial" panose="020B0604020202020204" pitchFamily="34" charset="0"/>
+              </a:rPr>
+              <a:t>ROSA</a:t>
+            </a:r>
+            <a:r>
+              <a:rPr lang="sv-SE" b="1" dirty="0">
+                <a:latin typeface="Arial" panose="020B0604020202020204" pitchFamily="34" charset="0"/>
+              </a:rPr>
+              <a:t>_tcbKill</a:t>
+            </a:r>
+            <a:endParaRPr lang="en-GB" b="1" i="0" dirty="0">
+              <a:effectLst/>
+              <a:latin typeface="Arial" panose="020B0604020202020204" pitchFamily="34" charset="0"/>
+            </a:endParaRPr>
+          </a:p>
+          <a:p>
+            <a:pPr marL="0" indent="0">
+              <a:buNone/>
+            </a:pPr>
+            <a:r>
+              <a:rPr lang="en-GB" b="0" i="0" dirty="0">
+                <a:effectLst/>
+                <a:latin typeface="Arial" panose="020B0604020202020204" pitchFamily="34" charset="0"/>
+              </a:rPr>
+              <a:t>Prototype:               </a:t>
+            </a:r>
+          </a:p>
+          <a:p>
+            <a:pPr marL="0" indent="0">
+              <a:buNone/>
+            </a:pPr>
+            <a:r>
+              <a:rPr lang="en-GB" b="0" i="0" dirty="0">
+                <a:effectLst/>
+                <a:latin typeface="Arial" panose="020B0604020202020204" pitchFamily="34" charset="0"/>
+              </a:rPr>
+              <a:t>	unsigned </a:t>
+            </a:r>
+            <a:r>
+              <a:rPr lang="en-GB" dirty="0">
+                <a:latin typeface="Arial" panose="020B0604020202020204" pitchFamily="34" charset="0"/>
+              </a:rPr>
+              <a:t>char</a:t>
+            </a:r>
+            <a:r>
+              <a:rPr lang="en-GB" b="0" i="0" dirty="0">
+                <a:effectLst/>
+                <a:latin typeface="Arial" panose="020B0604020202020204" pitchFamily="34" charset="0"/>
+              </a:rPr>
+              <a:t> </a:t>
+            </a:r>
+            <a:r>
+              <a:rPr lang="en-GB" dirty="0">
+                <a:latin typeface="Arial" panose="020B0604020202020204" pitchFamily="34" charset="0"/>
+              </a:rPr>
+              <a:t>ROSA</a:t>
+            </a:r>
+            <a:r>
+              <a:rPr lang="sv-SE" dirty="0">
+                <a:latin typeface="Arial" panose="020B0604020202020204" pitchFamily="34" charset="0"/>
+              </a:rPr>
+              <a:t>_tcbKill</a:t>
+            </a:r>
+            <a:r>
+              <a:rPr lang="en-GB" b="0" i="0" dirty="0">
+                <a:effectLst/>
+                <a:latin typeface="Arial" panose="020B0604020202020204" pitchFamily="34" charset="0"/>
+              </a:rPr>
+              <a:t>(</a:t>
+            </a:r>
+            <a:r>
+              <a:rPr lang="en-GB" b="0" i="0" dirty="0" err="1">
+                <a:effectLst/>
+                <a:latin typeface="Arial" panose="020B0604020202020204" pitchFamily="34" charset="0"/>
+              </a:rPr>
+              <a:t>tcb</a:t>
+            </a:r>
+            <a:r>
+              <a:rPr lang="en-GB" b="0" i="0" dirty="0">
+                <a:effectLst/>
+                <a:latin typeface="Arial" panose="020B0604020202020204" pitchFamily="34" charset="0"/>
+              </a:rPr>
+              <a:t> *TCB);</a:t>
+            </a:r>
+          </a:p>
+          <a:p>
+            <a:pPr marL="0" indent="0">
+              <a:buNone/>
+            </a:pPr>
+            <a:endParaRPr lang="en-GB" dirty="0">
+              <a:latin typeface="Arial" panose="020B0604020202020204" pitchFamily="34" charset="0"/>
+              <a:sym typeface="Georgia" charset="0"/>
+            </a:endParaRPr>
+          </a:p>
+          <a:p>
+            <a:pPr marL="0" indent="0">
+              <a:buNone/>
+            </a:pPr>
+            <a:r>
+              <a:rPr lang="en-GB" b="1" dirty="0" err="1"/>
+              <a:t>ROSA_start</a:t>
+            </a:r>
+            <a:r>
+              <a:rPr lang="en-GB" b="1" dirty="0"/>
+              <a:t> (re-implementation)</a:t>
+            </a:r>
+          </a:p>
+          <a:p>
+            <a:pPr marL="0" indent="0">
+              <a:buNone/>
+            </a:pPr>
+            <a:r>
+              <a:rPr lang="en-GB" dirty="0"/>
+              <a:t>Prototype:                  </a:t>
+            </a:r>
+          </a:p>
+          <a:p>
+            <a:pPr marL="0" indent="0">
+              <a:buNone/>
+            </a:pPr>
+            <a:r>
+              <a:rPr lang="en-GB" b="0" i="0" dirty="0">
+                <a:effectLst/>
+                <a:latin typeface="Arial" panose="020B0604020202020204" pitchFamily="34" charset="0"/>
+              </a:rPr>
+              <a:t>	void </a:t>
+            </a:r>
+            <a:r>
+              <a:rPr lang="en-GB" dirty="0" err="1"/>
+              <a:t>ROSA_start</a:t>
+            </a:r>
+            <a:r>
+              <a:rPr lang="en-GB" dirty="0"/>
+              <a:t>(</a:t>
+            </a:r>
+            <a:r>
+              <a:rPr lang="en-GB" dirty="0" err="1"/>
+              <a:t>tcb</a:t>
+            </a:r>
+            <a:r>
+              <a:rPr lang="en-GB" dirty="0"/>
+              <a:t> *TCB, char *id, void *</a:t>
+            </a:r>
+            <a:r>
+              <a:rPr lang="en-GB" dirty="0" err="1"/>
+              <a:t>taskFunc</a:t>
+            </a:r>
+            <a:r>
+              <a:rPr lang="en-GB" dirty="0"/>
+              <a:t>, 			unsigned char </a:t>
+            </a:r>
+            <a:r>
+              <a:rPr lang="en-GB" dirty="0" err="1"/>
+              <a:t>taskPrio</a:t>
+            </a:r>
+            <a:r>
+              <a:rPr lang="en-GB" dirty="0"/>
+              <a:t>, int *stack, int </a:t>
+            </a:r>
+            <a:r>
+              <a:rPr lang="en-GB" dirty="0" err="1"/>
+              <a:t>stackSize</a:t>
+            </a:r>
+            <a:r>
+              <a:rPr lang="en-GB" dirty="0"/>
+              <a:t>) </a:t>
+            </a:r>
+          </a:p>
+          <a:p>
+            <a:pPr marL="0" indent="0">
+              <a:buNone/>
+            </a:pPr>
+            <a:endParaRPr lang="sv-SE" dirty="0">
+              <a:sym typeface="Georgia" charset="0"/>
+            </a:endParaRPr>
+          </a:p>
+        </p:txBody>
+      </p:sp>
+    </p:spTree>
+    <p:extLst>
+      <p:ext uri="{BB962C8B-B14F-4D97-AF65-F5344CB8AC3E}">
+        <p14:creationId xmlns:p14="http://schemas.microsoft.com/office/powerpoint/2010/main" val="180101844"/>
+      </p:ext>
+    </p:extLst>
+  </p:cSld>
+  <p:clrMapOvr>
+    <a:masterClrMapping/>
+  </p:clrMapOvr>
+</p:sld>
+</file>
+
+<file path=ppt/slides/slide11.xml><?xml version="1.0" encoding="utf-8"?>
+<p:sld xmlns:a="http://schemas.openxmlformats.org/drawingml/2006/main" xmlns:r="http://schemas.openxmlformats.org/officeDocument/2006/relationships" xmlns:p="http://schemas.openxmlformats.org/presentationml/2006/main">
+  <p:cSld>
+    <p:spTree>
+      <p:nvGrpSpPr>
+        <p:cNvPr id="1" name=""/>
+        <p:cNvGrpSpPr/>
+        <p:nvPr/>
+      </p:nvGrpSpPr>
+      <p:grpSpPr>
+        <a:xfrm>
+          <a:off x="0" y="0"/>
+          <a:ext cx="0" cy="0"/>
+          <a:chOff x="0" y="0"/>
+          <a:chExt cx="0" cy="0"/>
+        </a:xfrm>
+      </p:grpSpPr>
+      <p:sp>
+        <p:nvSpPr>
+          <p:cNvPr id="20" name="Rectangle 19">
+            <a:extLst>
+              <a:ext uri="{FF2B5EF4-FFF2-40B4-BE49-F238E27FC236}">
+                <a16:creationId xmlns:a16="http://schemas.microsoft.com/office/drawing/2014/main" id="{A4AC5506-6312-4701-8D3C-40187889A947}"/>
+              </a:ext>
+              <a:ext uri="{C183D7F6-B498-43B3-948B-1728B52AA6E4}">
+                <adec:decorative xmlns:adec="http://schemas.microsoft.com/office/drawing/2017/decorative" val="1"/>
+              </a:ext>
+            </a:extLst>
+          </p:cNvPr>
+          <p:cNvSpPr>
+            <a:spLocks noGrp="1" noRot="1" noChangeAspect="1" noMove="1" noResize="1" noEditPoints="1" noAdjustHandles="1" noChangeArrowheads="1" noChangeShapeType="1" noTextEdit="1"/>
+          </p:cNvSpPr>
+          <p:nvPr>
+            <p:extLst>
+              <p:ext uri="{386F3935-93C4-4BCD-93E2-E3B085C9AB24}">
+                <p16:designElem xmlns:p16="http://schemas.microsoft.com/office/powerpoint/2015/main" val="1"/>
+              </p:ext>
+            </p:extLst>
+          </p:nvPr>
+        </p:nvSpPr>
+        <p:spPr>
+          <a:xfrm>
+            <a:off x="0" y="651752"/>
+            <a:ext cx="12192000" cy="736551"/>
+          </a:xfrm>
+          <a:prstGeom prst="rect">
+            <a:avLst/>
+          </a:prstGeom>
+          <a:solidFill>
+            <a:schemeClr val="tx1"/>
+          </a:solidFill>
+          <a:ln>
+            <a:noFill/>
+          </a:ln>
+        </p:spPr>
+        <p:style>
+          <a:lnRef idx="2">
+            <a:schemeClr val="accent1">
+              <a:shade val="50000"/>
+            </a:schemeClr>
+          </a:lnRef>
+          <a:fillRef idx="1">
+            <a:schemeClr val="accent1"/>
+          </a:fillRef>
+          <a:effectRef idx="0">
+            <a:schemeClr val="accent1"/>
+          </a:effectRef>
+          <a:fontRef idx="minor">
+            <a:schemeClr val="lt1"/>
+          </a:fontRef>
+        </p:style>
+        <p:txBody>
+          <a:bodyPr rtlCol="0" anchor="ctr"/>
+          <a:lstStyle/>
+          <a:p>
+            <a:pPr algn="ctr"/>
+            <a:endParaRPr lang="en-US"/>
+          </a:p>
+        </p:txBody>
+      </p:sp>
+      <p:sp>
+        <p:nvSpPr>
+          <p:cNvPr id="2" name="Rubrik 1"/>
+          <p:cNvSpPr>
+            <a:spLocks noGrp="1"/>
+          </p:cNvSpPr>
+          <p:nvPr>
+            <p:ph type="title"/>
+          </p:nvPr>
+        </p:nvSpPr>
+        <p:spPr>
+          <a:xfrm>
+            <a:off x="556532" y="643467"/>
+            <a:ext cx="11210925" cy="744836"/>
+          </a:xfrm>
+        </p:spPr>
+        <p:txBody>
+          <a:bodyPr vert="horz" lIns="91440" tIns="45720" rIns="91440" bIns="45720" rtlCol="0" anchor="ctr">
+            <a:normAutofit/>
+          </a:bodyPr>
+          <a:lstStyle/>
+          <a:p>
+            <a:pPr algn="ctr">
+              <a:lnSpc>
+                <a:spcPct val="90000"/>
+              </a:lnSpc>
+            </a:pPr>
+            <a:r>
+              <a:rPr lang="en-US" sz="3200" dirty="0">
+                <a:solidFill>
+                  <a:schemeClr val="bg1"/>
+                </a:solidFill>
+              </a:rPr>
+              <a:t>4</a:t>
+            </a:r>
+            <a:r>
+              <a:rPr lang="en-US" sz="3200" kern="1200" dirty="0">
+                <a:solidFill>
+                  <a:schemeClr val="bg1"/>
+                </a:solidFill>
+                <a:latin typeface="+mj-lt"/>
+                <a:ea typeface="+mj-ea"/>
+                <a:cs typeface="+mj-cs"/>
+              </a:rPr>
+              <a:t>. Andreas </a:t>
+            </a:r>
+            <a:r>
+              <a:rPr lang="en-US" sz="3200" kern="1200" dirty="0" err="1">
+                <a:solidFill>
+                  <a:schemeClr val="bg1"/>
+                </a:solidFill>
+                <a:latin typeface="+mj-lt"/>
+                <a:ea typeface="+mj-ea"/>
+                <a:cs typeface="+mj-cs"/>
+              </a:rPr>
+              <a:t>Mäkilä</a:t>
+            </a:r>
+            <a:r>
+              <a:rPr lang="en-US" sz="3200" kern="1200" dirty="0">
+                <a:solidFill>
+                  <a:schemeClr val="bg1"/>
+                </a:solidFill>
+                <a:latin typeface="+mj-lt"/>
+                <a:ea typeface="+mj-ea"/>
+                <a:cs typeface="+mj-cs"/>
+              </a:rPr>
+              <a:t> / Semaphores </a:t>
+            </a:r>
+          </a:p>
+        </p:txBody>
+      </p:sp>
+      <p:sp>
+        <p:nvSpPr>
+          <p:cNvPr id="3" name="Platshållare för bildnummer 2"/>
+          <p:cNvSpPr>
+            <a:spLocks noGrp="1"/>
+          </p:cNvSpPr>
+          <p:nvPr>
+            <p:ph type="sldNum" sz="quarter" idx="12"/>
+          </p:nvPr>
+        </p:nvSpPr>
+        <p:spPr>
+          <a:xfrm>
+            <a:off x="8610600" y="6356350"/>
+            <a:ext cx="2743200" cy="365125"/>
+          </a:xfrm>
+        </p:spPr>
+        <p:txBody>
+          <a:bodyPr vert="horz" lIns="91440" tIns="45720" rIns="91440" bIns="45720" rtlCol="0" anchor="ctr">
+            <a:normAutofit/>
+          </a:bodyPr>
+          <a:lstStyle/>
+          <a:p>
+            <a:pPr>
+              <a:spcAft>
+                <a:spcPts val="600"/>
+              </a:spcAft>
+            </a:pPr>
+            <a:fld id="{E21FFC3D-594F-4CAE-AAA5-4C3555641468}" type="slidenum">
+              <a:rPr lang="en-US" smtClean="0"/>
+              <a:pPr>
+                <a:spcAft>
+                  <a:spcPts val="600"/>
+                </a:spcAft>
+              </a:pPr>
+              <a:t>11</a:t>
+            </a:fld>
+            <a:endParaRPr lang="en-US"/>
+          </a:p>
+        </p:txBody>
+      </p:sp>
+      <p:pic>
+        <p:nvPicPr>
+          <p:cNvPr id="6" name="Grafik 5">
+            <a:extLst>
+              <a:ext uri="{FF2B5EF4-FFF2-40B4-BE49-F238E27FC236}">
+                <a16:creationId xmlns:a16="http://schemas.microsoft.com/office/drawing/2014/main" id="{8827F3E6-3E8C-45BB-A02F-A46587D2133B}"/>
+              </a:ext>
+            </a:extLst>
+          </p:cNvPr>
+          <p:cNvPicPr>
+            <a:picLocks noChangeAspect="1"/>
+          </p:cNvPicPr>
+          <p:nvPr/>
+        </p:nvPicPr>
+        <p:blipFill>
+          <a:blip r:embed="rId2">
+            <a:extLst>
+              <a:ext uri="{28A0092B-C50C-407E-A947-70E740481C1C}">
+                <a14:useLocalDpi xmlns:a14="http://schemas.microsoft.com/office/drawing/2010/main" val="0"/>
+              </a:ext>
+            </a:extLst>
+          </a:blip>
+          <a:stretch>
+            <a:fillRect/>
+          </a:stretch>
+        </p:blipFill>
+        <p:spPr>
+          <a:xfrm>
+            <a:off x="302729" y="697477"/>
+            <a:ext cx="681475" cy="649814"/>
+          </a:xfrm>
+          <a:prstGeom prst="rect">
+            <a:avLst/>
+          </a:prstGeom>
+        </p:spPr>
+      </p:pic>
+      <p:sp>
+        <p:nvSpPr>
+          <p:cNvPr id="9" name="Platshållare för text 3">
+            <a:extLst>
+              <a:ext uri="{FF2B5EF4-FFF2-40B4-BE49-F238E27FC236}">
+                <a16:creationId xmlns:a16="http://schemas.microsoft.com/office/drawing/2014/main" id="{24F2ABD0-A504-4FAB-981E-8DA9BE4F0B53}"/>
+              </a:ext>
+            </a:extLst>
+          </p:cNvPr>
+          <p:cNvSpPr txBox="1">
+            <a:spLocks/>
+          </p:cNvSpPr>
+          <p:nvPr/>
+        </p:nvSpPr>
+        <p:spPr>
+          <a:xfrm>
+            <a:off x="1103449" y="1783357"/>
+            <a:ext cx="9985107" cy="4655505"/>
+          </a:xfrm>
+          <a:prstGeom prst="rect">
+            <a:avLst/>
+          </a:prstGeom>
+        </p:spPr>
+        <p:txBody>
+          <a:bodyPr vert="horz" lIns="91440" tIns="45720" rIns="91440" bIns="45720" rtlCol="0">
+            <a:normAutofit/>
+          </a:bodyPr>
+          <a:lstStyle>
+            <a:lvl1pPr marL="228600" indent="-228600" algn="l" defTabSz="914400" rtl="0" eaLnBrk="1" latinLnBrk="0" hangingPunct="1">
+              <a:lnSpc>
+                <a:spcPct val="90000"/>
+              </a:lnSpc>
+              <a:spcBef>
+                <a:spcPts val="1000"/>
+              </a:spcBef>
+              <a:buFont typeface="Arial" panose="020B0604020202020204" pitchFamily="34" charset="0"/>
+              <a:buChar char="•"/>
+              <a:defRPr sz="2800" kern="1200">
+                <a:solidFill>
+                  <a:schemeClr val="tx1"/>
+                </a:solidFill>
+                <a:latin typeface="+mn-lt"/>
+                <a:ea typeface="+mn-ea"/>
+                <a:cs typeface="+mn-cs"/>
+              </a:defRPr>
+            </a:lvl1pPr>
+            <a:lvl2pPr marL="685800" indent="-228600" algn="l" defTabSz="914400" rtl="0" eaLnBrk="1" latinLnBrk="0" hangingPunct="1">
+              <a:lnSpc>
+                <a:spcPct val="90000"/>
+              </a:lnSpc>
+              <a:spcBef>
+                <a:spcPts val="500"/>
+              </a:spcBef>
+              <a:buFont typeface="Arial" panose="020B0604020202020204" pitchFamily="34" charset="0"/>
+              <a:buChar char="•"/>
+              <a:defRPr sz="2400" kern="1200">
+                <a:solidFill>
+                  <a:schemeClr val="tx1"/>
+                </a:solidFill>
+                <a:latin typeface="+mn-lt"/>
+                <a:ea typeface="+mn-ea"/>
+                <a:cs typeface="+mn-cs"/>
+              </a:defRPr>
+            </a:lvl2pPr>
+            <a:lvl3pPr marL="1143000" indent="-228600" algn="l" defTabSz="914400" rtl="0" eaLnBrk="1" latinLnBrk="0" hangingPunct="1">
+              <a:lnSpc>
+                <a:spcPct val="90000"/>
+              </a:lnSpc>
+              <a:spcBef>
+                <a:spcPts val="500"/>
+              </a:spcBef>
+              <a:buFont typeface="Arial" panose="020B0604020202020204" pitchFamily="34" charset="0"/>
+              <a:buChar char="•"/>
+              <a:defRPr sz="2000" kern="1200">
+                <a:solidFill>
+                  <a:schemeClr val="tx1"/>
+                </a:solidFill>
+                <a:latin typeface="+mn-lt"/>
+                <a:ea typeface="+mn-ea"/>
+                <a:cs typeface="+mn-cs"/>
+              </a:defRPr>
+            </a:lvl3pPr>
+            <a:lvl4pPr marL="1600200" indent="-228600" algn="l" defTabSz="914400" rtl="0" eaLnBrk="1" latinLnBrk="0" hangingPunct="1">
+              <a:lnSpc>
+                <a:spcPct val="90000"/>
+              </a:lnSpc>
+              <a:spcBef>
+                <a:spcPts val="500"/>
+              </a:spcBef>
+              <a:buFont typeface="Arial" panose="020B0604020202020204" pitchFamily="34" charset="0"/>
+              <a:buChar char="•"/>
+              <a:defRPr sz="1800" kern="1200">
+                <a:solidFill>
+                  <a:schemeClr val="tx1"/>
+                </a:solidFill>
+                <a:latin typeface="+mn-lt"/>
+                <a:ea typeface="+mn-ea"/>
+                <a:cs typeface="+mn-cs"/>
+              </a:defRPr>
+            </a:lvl4pPr>
+            <a:lvl5pPr marL="2057400" indent="-228600" algn="l" defTabSz="914400" rtl="0" eaLnBrk="1" latinLnBrk="0" hangingPunct="1">
+              <a:lnSpc>
+                <a:spcPct val="90000"/>
+              </a:lnSpc>
+              <a:spcBef>
+                <a:spcPts val="500"/>
+              </a:spcBef>
+              <a:buFont typeface="Arial" panose="020B0604020202020204" pitchFamily="34" charset="0"/>
+              <a:buChar char="•"/>
+              <a:defRPr sz="1800" kern="1200">
+                <a:solidFill>
+                  <a:schemeClr val="tx1"/>
+                </a:solidFill>
+                <a:latin typeface="+mn-lt"/>
+                <a:ea typeface="+mn-ea"/>
+                <a:cs typeface="+mn-cs"/>
+              </a:defRPr>
+            </a:lvl5pPr>
+            <a:lvl6pPr marL="2514600" indent="-228600" algn="l" defTabSz="914400" rtl="0" eaLnBrk="1" latinLnBrk="0" hangingPunct="1">
+              <a:lnSpc>
+                <a:spcPct val="90000"/>
+              </a:lnSpc>
+              <a:spcBef>
+                <a:spcPts val="500"/>
+              </a:spcBef>
+              <a:buFont typeface="Arial" panose="020B0604020202020204" pitchFamily="34" charset="0"/>
+              <a:buChar char="•"/>
+              <a:defRPr sz="1800" kern="1200">
+                <a:solidFill>
+                  <a:schemeClr val="tx1"/>
+                </a:solidFill>
+                <a:latin typeface="+mn-lt"/>
+                <a:ea typeface="+mn-ea"/>
+                <a:cs typeface="+mn-cs"/>
+              </a:defRPr>
+            </a:lvl6pPr>
+            <a:lvl7pPr marL="2971800" indent="-228600" algn="l" defTabSz="914400" rtl="0" eaLnBrk="1" latinLnBrk="0" hangingPunct="1">
+              <a:lnSpc>
+                <a:spcPct val="90000"/>
+              </a:lnSpc>
+              <a:spcBef>
+                <a:spcPts val="500"/>
+              </a:spcBef>
+              <a:buFont typeface="Arial" panose="020B0604020202020204" pitchFamily="34" charset="0"/>
+              <a:buChar char="•"/>
+              <a:defRPr sz="1800" kern="1200">
+                <a:solidFill>
+                  <a:schemeClr val="tx1"/>
+                </a:solidFill>
+                <a:latin typeface="+mn-lt"/>
+                <a:ea typeface="+mn-ea"/>
+                <a:cs typeface="+mn-cs"/>
+              </a:defRPr>
+            </a:lvl7pPr>
+            <a:lvl8pPr marL="3429000" indent="-228600" algn="l" defTabSz="914400" rtl="0" eaLnBrk="1" latinLnBrk="0" hangingPunct="1">
+              <a:lnSpc>
+                <a:spcPct val="90000"/>
+              </a:lnSpc>
+              <a:spcBef>
+                <a:spcPts val="500"/>
+              </a:spcBef>
+              <a:buFont typeface="Arial" panose="020B0604020202020204" pitchFamily="34" charset="0"/>
+              <a:buChar char="•"/>
+              <a:defRPr sz="1800" kern="1200">
+                <a:solidFill>
+                  <a:schemeClr val="tx1"/>
+                </a:solidFill>
+                <a:latin typeface="+mn-lt"/>
+                <a:ea typeface="+mn-ea"/>
+                <a:cs typeface="+mn-cs"/>
+              </a:defRPr>
+            </a:lvl8pPr>
+            <a:lvl9pPr marL="3886200" indent="-228600" algn="l" defTabSz="914400" rtl="0" eaLnBrk="1" latinLnBrk="0" hangingPunct="1">
+              <a:lnSpc>
+                <a:spcPct val="90000"/>
+              </a:lnSpc>
+              <a:spcBef>
+                <a:spcPts val="500"/>
+              </a:spcBef>
+              <a:buFont typeface="Arial" panose="020B0604020202020204" pitchFamily="34" charset="0"/>
+              <a:buChar char="•"/>
+              <a:defRPr sz="1800" kern="1200">
+                <a:solidFill>
+                  <a:schemeClr val="tx1"/>
+                </a:solidFill>
+                <a:latin typeface="+mn-lt"/>
+                <a:ea typeface="+mn-ea"/>
+                <a:cs typeface="+mn-cs"/>
+              </a:defRPr>
+            </a:lvl9pPr>
+          </a:lstStyle>
+          <a:p>
+            <a:pPr marL="0" indent="0">
+              <a:buNone/>
+            </a:pPr>
+            <a:endParaRPr lang="sv-SE" dirty="0">
+              <a:sym typeface="Georgia" charset="0"/>
+            </a:endParaRPr>
+          </a:p>
+        </p:txBody>
+      </p:sp>
+      <p:pic>
+        <p:nvPicPr>
+          <p:cNvPr id="5" name="Grafik 4">
+            <a:extLst>
+              <a:ext uri="{FF2B5EF4-FFF2-40B4-BE49-F238E27FC236}">
+                <a16:creationId xmlns:a16="http://schemas.microsoft.com/office/drawing/2014/main" id="{FBBBE69C-705E-4CF3-9E73-4DC336C58433}"/>
+              </a:ext>
+            </a:extLst>
+          </p:cNvPr>
+          <p:cNvPicPr>
+            <a:picLocks noChangeAspect="1"/>
+          </p:cNvPicPr>
+          <p:nvPr/>
+        </p:nvPicPr>
+        <p:blipFill>
+          <a:blip r:embed="rId3"/>
+          <a:stretch>
+            <a:fillRect/>
+          </a:stretch>
+        </p:blipFill>
+        <p:spPr>
+          <a:xfrm>
+            <a:off x="1994807" y="2334040"/>
+            <a:ext cx="7834994" cy="2440762"/>
+          </a:xfrm>
+          <a:prstGeom prst="rect">
+            <a:avLst/>
+          </a:prstGeom>
+        </p:spPr>
+      </p:pic>
+    </p:spTree>
+    <p:extLst>
+      <p:ext uri="{BB962C8B-B14F-4D97-AF65-F5344CB8AC3E}">
+        <p14:creationId xmlns:p14="http://schemas.microsoft.com/office/powerpoint/2010/main" val="160331810"/>
+      </p:ext>
+    </p:extLst>
+  </p:cSld>
+  <p:clrMapOvr>
+    <a:masterClrMapping/>
+  </p:clrMapOvr>
+</p:sld>
+</file>
+
+<file path=ppt/slides/slide12.xml><?xml version="1.0" encoding="utf-8"?>
+<p:sld xmlns:a="http://schemas.openxmlformats.org/drawingml/2006/main" xmlns:r="http://schemas.openxmlformats.org/officeDocument/2006/relationships" xmlns:p="http://schemas.openxmlformats.org/presentationml/2006/main">
+  <p:cSld>
+    <p:spTree>
+      <p:nvGrpSpPr>
+        <p:cNvPr id="1" name=""/>
+        <p:cNvGrpSpPr/>
+        <p:nvPr/>
+      </p:nvGrpSpPr>
+      <p:grpSpPr>
+        <a:xfrm>
+          <a:off x="0" y="0"/>
+          <a:ext cx="0" cy="0"/>
+          <a:chOff x="0" y="0"/>
+          <a:chExt cx="0" cy="0"/>
+        </a:xfrm>
+      </p:grpSpPr>
+      <p:sp>
+        <p:nvSpPr>
+          <p:cNvPr id="20" name="Rectangle 19">
+            <a:extLst>
+              <a:ext uri="{FF2B5EF4-FFF2-40B4-BE49-F238E27FC236}">
+                <a16:creationId xmlns:a16="http://schemas.microsoft.com/office/drawing/2014/main" id="{A4AC5506-6312-4701-8D3C-40187889A947}"/>
+              </a:ext>
+              <a:ext uri="{C183D7F6-B498-43B3-948B-1728B52AA6E4}">
+                <adec:decorative xmlns:adec="http://schemas.microsoft.com/office/drawing/2017/decorative" val="1"/>
+              </a:ext>
+            </a:extLst>
+          </p:cNvPr>
+          <p:cNvSpPr>
+            <a:spLocks noGrp="1" noRot="1" noChangeAspect="1" noMove="1" noResize="1" noEditPoints="1" noAdjustHandles="1" noChangeArrowheads="1" noChangeShapeType="1" noTextEdit="1"/>
+          </p:cNvSpPr>
+          <p:nvPr>
+            <p:extLst>
+              <p:ext uri="{386F3935-93C4-4BCD-93E2-E3B085C9AB24}">
+                <p16:designElem xmlns:p16="http://schemas.microsoft.com/office/powerpoint/2015/main" val="1"/>
+              </p:ext>
+            </p:extLst>
+          </p:nvPr>
+        </p:nvSpPr>
+        <p:spPr>
+          <a:xfrm>
+            <a:off x="0" y="651752"/>
+            <a:ext cx="12192000" cy="736551"/>
+          </a:xfrm>
+          <a:prstGeom prst="rect">
+            <a:avLst/>
+          </a:prstGeom>
+          <a:solidFill>
+            <a:schemeClr val="tx1"/>
+          </a:solidFill>
+          <a:ln>
+            <a:noFill/>
+          </a:ln>
+        </p:spPr>
+        <p:style>
+          <a:lnRef idx="2">
+            <a:schemeClr val="accent1">
+              <a:shade val="50000"/>
+            </a:schemeClr>
+          </a:lnRef>
+          <a:fillRef idx="1">
+            <a:schemeClr val="accent1"/>
+          </a:fillRef>
+          <a:effectRef idx="0">
+            <a:schemeClr val="accent1"/>
+          </a:effectRef>
+          <a:fontRef idx="minor">
+            <a:schemeClr val="lt1"/>
+          </a:fontRef>
+        </p:style>
+        <p:txBody>
+          <a:bodyPr rtlCol="0" anchor="ctr"/>
+          <a:lstStyle/>
+          <a:p>
+            <a:pPr algn="ctr"/>
+            <a:endParaRPr lang="en-US"/>
+          </a:p>
+        </p:txBody>
+      </p:sp>
+      <p:sp>
+        <p:nvSpPr>
+          <p:cNvPr id="2" name="Rubrik 1"/>
+          <p:cNvSpPr>
+            <a:spLocks noGrp="1"/>
+          </p:cNvSpPr>
+          <p:nvPr>
+            <p:ph type="title"/>
+          </p:nvPr>
+        </p:nvSpPr>
+        <p:spPr>
+          <a:xfrm>
+            <a:off x="556532" y="643467"/>
+            <a:ext cx="11210925" cy="744836"/>
+          </a:xfrm>
+        </p:spPr>
+        <p:txBody>
+          <a:bodyPr vert="horz" lIns="91440" tIns="45720" rIns="91440" bIns="45720" rtlCol="0" anchor="ctr">
+            <a:normAutofit/>
+          </a:bodyPr>
+          <a:lstStyle/>
+          <a:p>
+            <a:pPr algn="ctr">
+              <a:lnSpc>
+                <a:spcPct val="90000"/>
+              </a:lnSpc>
+            </a:pPr>
+            <a:r>
+              <a:rPr lang="en-US" sz="3200" dirty="0">
+                <a:solidFill>
+                  <a:schemeClr val="bg1"/>
+                </a:solidFill>
+              </a:rPr>
+              <a:t>4</a:t>
+            </a:r>
+            <a:r>
+              <a:rPr lang="en-US" sz="3200" kern="1200" dirty="0">
+                <a:solidFill>
+                  <a:schemeClr val="bg1"/>
+                </a:solidFill>
+                <a:latin typeface="+mj-lt"/>
+                <a:ea typeface="+mj-ea"/>
+                <a:cs typeface="+mj-cs"/>
+              </a:rPr>
+              <a:t>. Andreas </a:t>
+            </a:r>
+            <a:r>
+              <a:rPr lang="en-US" sz="3200" kern="1200" dirty="0" err="1">
+                <a:solidFill>
+                  <a:schemeClr val="bg1"/>
+                </a:solidFill>
+                <a:latin typeface="+mj-lt"/>
+                <a:ea typeface="+mj-ea"/>
+                <a:cs typeface="+mj-cs"/>
+              </a:rPr>
+              <a:t>Mäkilä</a:t>
+            </a:r>
+            <a:r>
+              <a:rPr lang="en-US" sz="3200" kern="1200" dirty="0">
+                <a:solidFill>
+                  <a:schemeClr val="bg1"/>
+                </a:solidFill>
+                <a:latin typeface="+mj-lt"/>
+                <a:ea typeface="+mj-ea"/>
+                <a:cs typeface="+mj-cs"/>
+              </a:rPr>
+              <a:t> / Semaphores </a:t>
+            </a:r>
+          </a:p>
+        </p:txBody>
+      </p:sp>
+      <p:sp>
+        <p:nvSpPr>
+          <p:cNvPr id="3" name="Platshållare för bildnummer 2"/>
+          <p:cNvSpPr>
+            <a:spLocks noGrp="1"/>
+          </p:cNvSpPr>
+          <p:nvPr>
+            <p:ph type="sldNum" sz="quarter" idx="12"/>
+          </p:nvPr>
+        </p:nvSpPr>
+        <p:spPr>
+          <a:xfrm>
+            <a:off x="8610600" y="6356350"/>
+            <a:ext cx="2743200" cy="365125"/>
+          </a:xfrm>
+        </p:spPr>
+        <p:txBody>
+          <a:bodyPr vert="horz" lIns="91440" tIns="45720" rIns="91440" bIns="45720" rtlCol="0" anchor="ctr">
+            <a:normAutofit/>
+          </a:bodyPr>
+          <a:lstStyle/>
+          <a:p>
+            <a:pPr>
+              <a:spcAft>
+                <a:spcPts val="600"/>
+              </a:spcAft>
+            </a:pPr>
+            <a:fld id="{E21FFC3D-594F-4CAE-AAA5-4C3555641468}" type="slidenum">
+              <a:rPr lang="en-US" smtClean="0"/>
+              <a:pPr>
+                <a:spcAft>
+                  <a:spcPts val="600"/>
+                </a:spcAft>
+              </a:pPr>
+              <a:t>12</a:t>
+            </a:fld>
+            <a:endParaRPr lang="en-US"/>
+          </a:p>
+        </p:txBody>
+      </p:sp>
+      <p:pic>
+        <p:nvPicPr>
+          <p:cNvPr id="6" name="Grafik 5">
+            <a:extLst>
+              <a:ext uri="{FF2B5EF4-FFF2-40B4-BE49-F238E27FC236}">
+                <a16:creationId xmlns:a16="http://schemas.microsoft.com/office/drawing/2014/main" id="{8827F3E6-3E8C-45BB-A02F-A46587D2133B}"/>
+              </a:ext>
+            </a:extLst>
+          </p:cNvPr>
+          <p:cNvPicPr>
+            <a:picLocks noChangeAspect="1"/>
+          </p:cNvPicPr>
+          <p:nvPr/>
+        </p:nvPicPr>
+        <p:blipFill>
+          <a:blip r:embed="rId2">
+            <a:extLst>
+              <a:ext uri="{28A0092B-C50C-407E-A947-70E740481C1C}">
+                <a14:useLocalDpi xmlns:a14="http://schemas.microsoft.com/office/drawing/2010/main" val="0"/>
+              </a:ext>
+            </a:extLst>
+          </a:blip>
+          <a:stretch>
+            <a:fillRect/>
+          </a:stretch>
+        </p:blipFill>
+        <p:spPr>
+          <a:xfrm>
+            <a:off x="302729" y="697477"/>
+            <a:ext cx="681475" cy="649814"/>
+          </a:xfrm>
+          <a:prstGeom prst="rect">
+            <a:avLst/>
+          </a:prstGeom>
+        </p:spPr>
+      </p:pic>
+      <p:sp>
+        <p:nvSpPr>
+          <p:cNvPr id="9" name="Platshållare för text 3">
+            <a:extLst>
+              <a:ext uri="{FF2B5EF4-FFF2-40B4-BE49-F238E27FC236}">
+                <a16:creationId xmlns:a16="http://schemas.microsoft.com/office/drawing/2014/main" id="{24F2ABD0-A504-4FAB-981E-8DA9BE4F0B53}"/>
+              </a:ext>
+            </a:extLst>
+          </p:cNvPr>
+          <p:cNvSpPr txBox="1">
+            <a:spLocks/>
+          </p:cNvSpPr>
+          <p:nvPr/>
+        </p:nvSpPr>
+        <p:spPr>
+          <a:xfrm>
+            <a:off x="1103449" y="1783357"/>
+            <a:ext cx="9985107" cy="4655505"/>
+          </a:xfrm>
+          <a:prstGeom prst="rect">
+            <a:avLst/>
+          </a:prstGeom>
+        </p:spPr>
+        <p:txBody>
+          <a:bodyPr vert="horz" lIns="91440" tIns="45720" rIns="91440" bIns="45720" rtlCol="0">
+            <a:normAutofit/>
+          </a:bodyPr>
+          <a:lstStyle>
+            <a:lvl1pPr marL="228600" indent="-228600" algn="l" defTabSz="914400" rtl="0" eaLnBrk="1" latinLnBrk="0" hangingPunct="1">
+              <a:lnSpc>
+                <a:spcPct val="90000"/>
+              </a:lnSpc>
+              <a:spcBef>
+                <a:spcPts val="1000"/>
+              </a:spcBef>
+              <a:buFont typeface="Arial" panose="020B0604020202020204" pitchFamily="34" charset="0"/>
+              <a:buChar char="•"/>
+              <a:defRPr sz="2800" kern="1200">
+                <a:solidFill>
+                  <a:schemeClr val="tx1"/>
+                </a:solidFill>
+                <a:latin typeface="+mn-lt"/>
+                <a:ea typeface="+mn-ea"/>
+                <a:cs typeface="+mn-cs"/>
+              </a:defRPr>
+            </a:lvl1pPr>
+            <a:lvl2pPr marL="685800" indent="-228600" algn="l" defTabSz="914400" rtl="0" eaLnBrk="1" latinLnBrk="0" hangingPunct="1">
+              <a:lnSpc>
+                <a:spcPct val="90000"/>
+              </a:lnSpc>
+              <a:spcBef>
+                <a:spcPts val="500"/>
+              </a:spcBef>
+              <a:buFont typeface="Arial" panose="020B0604020202020204" pitchFamily="34" charset="0"/>
+              <a:buChar char="•"/>
+              <a:defRPr sz="2400" kern="1200">
+                <a:solidFill>
+                  <a:schemeClr val="tx1"/>
+                </a:solidFill>
+                <a:latin typeface="+mn-lt"/>
+                <a:ea typeface="+mn-ea"/>
+                <a:cs typeface="+mn-cs"/>
+              </a:defRPr>
+            </a:lvl2pPr>
+            <a:lvl3pPr marL="1143000" indent="-228600" algn="l" defTabSz="914400" rtl="0" eaLnBrk="1" latinLnBrk="0" hangingPunct="1">
+              <a:lnSpc>
+                <a:spcPct val="90000"/>
+              </a:lnSpc>
+              <a:spcBef>
+                <a:spcPts val="500"/>
+              </a:spcBef>
+              <a:buFont typeface="Arial" panose="020B0604020202020204" pitchFamily="34" charset="0"/>
+              <a:buChar char="•"/>
+              <a:defRPr sz="2000" kern="1200">
+                <a:solidFill>
+                  <a:schemeClr val="tx1"/>
+                </a:solidFill>
+                <a:latin typeface="+mn-lt"/>
+                <a:ea typeface="+mn-ea"/>
+                <a:cs typeface="+mn-cs"/>
+              </a:defRPr>
+            </a:lvl3pPr>
+            <a:lvl4pPr marL="1600200" indent="-228600" algn="l" defTabSz="914400" rtl="0" eaLnBrk="1" latinLnBrk="0" hangingPunct="1">
+              <a:lnSpc>
+                <a:spcPct val="90000"/>
+              </a:lnSpc>
+              <a:spcBef>
+                <a:spcPts val="500"/>
+              </a:spcBef>
+              <a:buFont typeface="Arial" panose="020B0604020202020204" pitchFamily="34" charset="0"/>
+              <a:buChar char="•"/>
+              <a:defRPr sz="1800" kern="1200">
+                <a:solidFill>
+                  <a:schemeClr val="tx1"/>
+                </a:solidFill>
+                <a:latin typeface="+mn-lt"/>
+                <a:ea typeface="+mn-ea"/>
+                <a:cs typeface="+mn-cs"/>
+              </a:defRPr>
+            </a:lvl4pPr>
+            <a:lvl5pPr marL="2057400" indent="-228600" algn="l" defTabSz="914400" rtl="0" eaLnBrk="1" latinLnBrk="0" hangingPunct="1">
+              <a:lnSpc>
+                <a:spcPct val="90000"/>
+              </a:lnSpc>
+              <a:spcBef>
+                <a:spcPts val="500"/>
+              </a:spcBef>
+              <a:buFont typeface="Arial" panose="020B0604020202020204" pitchFamily="34" charset="0"/>
+              <a:buChar char="•"/>
+              <a:defRPr sz="1800" kern="1200">
+                <a:solidFill>
+                  <a:schemeClr val="tx1"/>
+                </a:solidFill>
+                <a:latin typeface="+mn-lt"/>
+                <a:ea typeface="+mn-ea"/>
+                <a:cs typeface="+mn-cs"/>
+              </a:defRPr>
+            </a:lvl5pPr>
+            <a:lvl6pPr marL="2514600" indent="-228600" algn="l" defTabSz="914400" rtl="0" eaLnBrk="1" latinLnBrk="0" hangingPunct="1">
+              <a:lnSpc>
+                <a:spcPct val="90000"/>
+              </a:lnSpc>
+              <a:spcBef>
+                <a:spcPts val="500"/>
+              </a:spcBef>
+              <a:buFont typeface="Arial" panose="020B0604020202020204" pitchFamily="34" charset="0"/>
+              <a:buChar char="•"/>
+              <a:defRPr sz="1800" kern="1200">
+                <a:solidFill>
+                  <a:schemeClr val="tx1"/>
+                </a:solidFill>
+                <a:latin typeface="+mn-lt"/>
+                <a:ea typeface="+mn-ea"/>
+                <a:cs typeface="+mn-cs"/>
+              </a:defRPr>
+            </a:lvl6pPr>
+            <a:lvl7pPr marL="2971800" indent="-228600" algn="l" defTabSz="914400" rtl="0" eaLnBrk="1" latinLnBrk="0" hangingPunct="1">
+              <a:lnSpc>
+                <a:spcPct val="90000"/>
+              </a:lnSpc>
+              <a:spcBef>
+                <a:spcPts val="500"/>
+              </a:spcBef>
+              <a:buFont typeface="Arial" panose="020B0604020202020204" pitchFamily="34" charset="0"/>
+              <a:buChar char="•"/>
+              <a:defRPr sz="1800" kern="1200">
+                <a:solidFill>
+                  <a:schemeClr val="tx1"/>
+                </a:solidFill>
+                <a:latin typeface="+mn-lt"/>
+                <a:ea typeface="+mn-ea"/>
+                <a:cs typeface="+mn-cs"/>
+              </a:defRPr>
+            </a:lvl7pPr>
+            <a:lvl8pPr marL="3429000" indent="-228600" algn="l" defTabSz="914400" rtl="0" eaLnBrk="1" latinLnBrk="0" hangingPunct="1">
+              <a:lnSpc>
+                <a:spcPct val="90000"/>
+              </a:lnSpc>
+              <a:spcBef>
+                <a:spcPts val="500"/>
+              </a:spcBef>
+              <a:buFont typeface="Arial" panose="020B0604020202020204" pitchFamily="34" charset="0"/>
+              <a:buChar char="•"/>
+              <a:defRPr sz="1800" kern="1200">
+                <a:solidFill>
+                  <a:schemeClr val="tx1"/>
+                </a:solidFill>
+                <a:latin typeface="+mn-lt"/>
+                <a:ea typeface="+mn-ea"/>
+                <a:cs typeface="+mn-cs"/>
+              </a:defRPr>
+            </a:lvl8pPr>
+            <a:lvl9pPr marL="3886200" indent="-228600" algn="l" defTabSz="914400" rtl="0" eaLnBrk="1" latinLnBrk="0" hangingPunct="1">
+              <a:lnSpc>
+                <a:spcPct val="90000"/>
+              </a:lnSpc>
+              <a:spcBef>
+                <a:spcPts val="500"/>
+              </a:spcBef>
+              <a:buFont typeface="Arial" panose="020B0604020202020204" pitchFamily="34" charset="0"/>
+              <a:buChar char="•"/>
+              <a:defRPr sz="1800" kern="1200">
+                <a:solidFill>
+                  <a:schemeClr val="tx1"/>
+                </a:solidFill>
+                <a:latin typeface="+mn-lt"/>
+                <a:ea typeface="+mn-ea"/>
+                <a:cs typeface="+mn-cs"/>
+              </a:defRPr>
+            </a:lvl9pPr>
+          </a:lstStyle>
+          <a:p>
+            <a:pPr marL="0" indent="0">
+              <a:buNone/>
+            </a:pPr>
+            <a:endParaRPr lang="sv-SE" dirty="0">
+              <a:sym typeface="Georgia" charset="0"/>
+            </a:endParaRPr>
+          </a:p>
+        </p:txBody>
+      </p:sp>
+      <p:pic>
+        <p:nvPicPr>
+          <p:cNvPr id="7" name="Grafik 6">
+            <a:extLst>
+              <a:ext uri="{FF2B5EF4-FFF2-40B4-BE49-F238E27FC236}">
+                <a16:creationId xmlns:a16="http://schemas.microsoft.com/office/drawing/2014/main" id="{68E173B8-2A63-48E0-89EE-1C023A450FEF}"/>
+              </a:ext>
+            </a:extLst>
+          </p:cNvPr>
+          <p:cNvPicPr>
+            <a:picLocks noChangeAspect="1"/>
+          </p:cNvPicPr>
+          <p:nvPr/>
+        </p:nvPicPr>
+        <p:blipFill>
+          <a:blip r:embed="rId3"/>
+          <a:stretch>
+            <a:fillRect/>
+          </a:stretch>
+        </p:blipFill>
+        <p:spPr>
+          <a:xfrm>
+            <a:off x="1832881" y="1874922"/>
+            <a:ext cx="8658225" cy="3744097"/>
+          </a:xfrm>
+          <a:prstGeom prst="rect">
+            <a:avLst/>
+          </a:prstGeom>
+        </p:spPr>
+      </p:pic>
+    </p:spTree>
+    <p:extLst>
+      <p:ext uri="{BB962C8B-B14F-4D97-AF65-F5344CB8AC3E}">
+        <p14:creationId xmlns:p14="http://schemas.microsoft.com/office/powerpoint/2010/main" val="1687117002"/>
+      </p:ext>
+    </p:extLst>
+  </p:cSld>
+  <p:clrMapOvr>
+    <a:masterClrMapping/>
+  </p:clrMapOvr>
+</p:sld>
+</file>
+
+<file path=ppt/slides/slide13.xml><?xml version="1.0" encoding="utf-8"?>
+<p:sld xmlns:a="http://schemas.openxmlformats.org/drawingml/2006/main" xmlns:r="http://schemas.openxmlformats.org/officeDocument/2006/relationships" xmlns:p="http://schemas.openxmlformats.org/presentationml/2006/main">
+  <p:cSld>
+    <p:spTree>
+      <p:nvGrpSpPr>
+        <p:cNvPr id="1" name=""/>
+        <p:cNvGrpSpPr/>
+        <p:nvPr/>
+      </p:nvGrpSpPr>
+      <p:grpSpPr>
+        <a:xfrm>
+          <a:off x="0" y="0"/>
+          <a:ext cx="0" cy="0"/>
+          <a:chOff x="0" y="0"/>
+          <a:chExt cx="0" cy="0"/>
+        </a:xfrm>
+      </p:grpSpPr>
+      <p:sp>
+        <p:nvSpPr>
+          <p:cNvPr id="20" name="Rectangle 19">
+            <a:extLst>
+              <a:ext uri="{FF2B5EF4-FFF2-40B4-BE49-F238E27FC236}">
+                <a16:creationId xmlns:a16="http://schemas.microsoft.com/office/drawing/2014/main" id="{A4AC5506-6312-4701-8D3C-40187889A947}"/>
+              </a:ext>
+              <a:ext uri="{C183D7F6-B498-43B3-948B-1728B52AA6E4}">
+                <adec:decorative xmlns:adec="http://schemas.microsoft.com/office/drawing/2017/decorative" val="1"/>
+              </a:ext>
+            </a:extLst>
+          </p:cNvPr>
+          <p:cNvSpPr>
+            <a:spLocks noGrp="1" noRot="1" noChangeAspect="1" noMove="1" noResize="1" noEditPoints="1" noAdjustHandles="1" noChangeArrowheads="1" noChangeShapeType="1" noTextEdit="1"/>
+          </p:cNvSpPr>
+          <p:nvPr>
+            <p:extLst>
+              <p:ext uri="{386F3935-93C4-4BCD-93E2-E3B085C9AB24}">
+                <p16:designElem xmlns:p16="http://schemas.microsoft.com/office/powerpoint/2015/main" val="1"/>
+              </p:ext>
+            </p:extLst>
+          </p:nvPr>
+        </p:nvSpPr>
+        <p:spPr>
+          <a:xfrm>
+            <a:off x="0" y="651752"/>
+            <a:ext cx="12192000" cy="736551"/>
+          </a:xfrm>
+          <a:prstGeom prst="rect">
+            <a:avLst/>
+          </a:prstGeom>
+          <a:solidFill>
+            <a:schemeClr val="tx1"/>
+          </a:solidFill>
+          <a:ln>
+            <a:noFill/>
+          </a:ln>
+        </p:spPr>
+        <p:style>
+          <a:lnRef idx="2">
+            <a:schemeClr val="accent1">
+              <a:shade val="50000"/>
+            </a:schemeClr>
+          </a:lnRef>
+          <a:fillRef idx="1">
+            <a:schemeClr val="accent1"/>
+          </a:fillRef>
+          <a:effectRef idx="0">
+            <a:schemeClr val="accent1"/>
+          </a:effectRef>
+          <a:fontRef idx="minor">
+            <a:schemeClr val="lt1"/>
+          </a:fontRef>
+        </p:style>
+        <p:txBody>
+          <a:bodyPr rtlCol="0" anchor="ctr"/>
+          <a:lstStyle/>
+          <a:p>
+            <a:pPr algn="ctr"/>
+            <a:endParaRPr lang="en-US"/>
+          </a:p>
+        </p:txBody>
+      </p:sp>
+      <p:sp>
+        <p:nvSpPr>
+          <p:cNvPr id="2" name="Rubrik 1"/>
+          <p:cNvSpPr>
+            <a:spLocks noGrp="1"/>
+          </p:cNvSpPr>
+          <p:nvPr>
+            <p:ph type="title"/>
+          </p:nvPr>
+        </p:nvSpPr>
+        <p:spPr>
+          <a:xfrm>
+            <a:off x="556532" y="643467"/>
+            <a:ext cx="11210925" cy="744836"/>
+          </a:xfrm>
+        </p:spPr>
+        <p:txBody>
+          <a:bodyPr vert="horz" lIns="91440" tIns="45720" rIns="91440" bIns="45720" rtlCol="0" anchor="ctr">
+            <a:normAutofit/>
+          </a:bodyPr>
+          <a:lstStyle/>
+          <a:p>
+            <a:pPr algn="ctr">
+              <a:lnSpc>
+                <a:spcPct val="90000"/>
+              </a:lnSpc>
+            </a:pPr>
+            <a:r>
+              <a:rPr lang="en-US" sz="3200" dirty="0">
+                <a:solidFill>
+                  <a:schemeClr val="bg1"/>
+                </a:solidFill>
+              </a:rPr>
+              <a:t>4</a:t>
+            </a:r>
+            <a:r>
+              <a:rPr lang="en-US" sz="3200" kern="1200" dirty="0">
+                <a:solidFill>
+                  <a:schemeClr val="bg1"/>
+                </a:solidFill>
+                <a:latin typeface="+mj-lt"/>
+                <a:ea typeface="+mj-ea"/>
+                <a:cs typeface="+mj-cs"/>
+              </a:rPr>
+              <a:t>. Andreas </a:t>
+            </a:r>
+            <a:r>
+              <a:rPr lang="en-US" sz="3200" kern="1200" dirty="0" err="1">
+                <a:solidFill>
+                  <a:schemeClr val="bg1"/>
+                </a:solidFill>
+                <a:latin typeface="+mj-lt"/>
+                <a:ea typeface="+mj-ea"/>
+                <a:cs typeface="+mj-cs"/>
+              </a:rPr>
+              <a:t>Mäkilä</a:t>
+            </a:r>
+            <a:r>
+              <a:rPr lang="en-US" sz="3200" kern="1200" dirty="0">
+                <a:solidFill>
+                  <a:schemeClr val="bg1"/>
+                </a:solidFill>
+                <a:latin typeface="+mj-lt"/>
+                <a:ea typeface="+mj-ea"/>
+                <a:cs typeface="+mj-cs"/>
+              </a:rPr>
+              <a:t> / Semaphores </a:t>
+            </a:r>
+          </a:p>
+        </p:txBody>
+      </p:sp>
+      <p:sp>
+        <p:nvSpPr>
+          <p:cNvPr id="3" name="Platshållare för bildnummer 2"/>
+          <p:cNvSpPr>
+            <a:spLocks noGrp="1"/>
+          </p:cNvSpPr>
+          <p:nvPr>
+            <p:ph type="sldNum" sz="quarter" idx="12"/>
+          </p:nvPr>
+        </p:nvSpPr>
+        <p:spPr>
+          <a:xfrm>
+            <a:off x="8610600" y="6356350"/>
+            <a:ext cx="2743200" cy="365125"/>
+          </a:xfrm>
+        </p:spPr>
+        <p:txBody>
+          <a:bodyPr vert="horz" lIns="91440" tIns="45720" rIns="91440" bIns="45720" rtlCol="0" anchor="ctr">
+            <a:normAutofit/>
+          </a:bodyPr>
+          <a:lstStyle/>
+          <a:p>
+            <a:pPr>
+              <a:spcAft>
+                <a:spcPts val="600"/>
+              </a:spcAft>
+            </a:pPr>
+            <a:fld id="{E21FFC3D-594F-4CAE-AAA5-4C3555641468}" type="slidenum">
+              <a:rPr lang="en-US" smtClean="0"/>
+              <a:pPr>
+                <a:spcAft>
+                  <a:spcPts val="600"/>
+                </a:spcAft>
+              </a:pPr>
+              <a:t>13</a:t>
+            </a:fld>
+            <a:endParaRPr lang="en-US"/>
+          </a:p>
+        </p:txBody>
+      </p:sp>
+      <p:pic>
+        <p:nvPicPr>
+          <p:cNvPr id="6" name="Grafik 5">
+            <a:extLst>
+              <a:ext uri="{FF2B5EF4-FFF2-40B4-BE49-F238E27FC236}">
+                <a16:creationId xmlns:a16="http://schemas.microsoft.com/office/drawing/2014/main" id="{8827F3E6-3E8C-45BB-A02F-A46587D2133B}"/>
+              </a:ext>
+            </a:extLst>
+          </p:cNvPr>
+          <p:cNvPicPr>
+            <a:picLocks noChangeAspect="1"/>
+          </p:cNvPicPr>
+          <p:nvPr/>
+        </p:nvPicPr>
+        <p:blipFill>
+          <a:blip r:embed="rId2">
+            <a:extLst>
+              <a:ext uri="{28A0092B-C50C-407E-A947-70E740481C1C}">
+                <a14:useLocalDpi xmlns:a14="http://schemas.microsoft.com/office/drawing/2010/main" val="0"/>
+              </a:ext>
+            </a:extLst>
+          </a:blip>
+          <a:stretch>
+            <a:fillRect/>
+          </a:stretch>
+        </p:blipFill>
+        <p:spPr>
+          <a:xfrm>
+            <a:off x="302729" y="697477"/>
+            <a:ext cx="681475" cy="649814"/>
+          </a:xfrm>
+          <a:prstGeom prst="rect">
+            <a:avLst/>
+          </a:prstGeom>
+        </p:spPr>
+      </p:pic>
+      <p:sp>
+        <p:nvSpPr>
+          <p:cNvPr id="9" name="Platshållare för text 3">
+            <a:extLst>
+              <a:ext uri="{FF2B5EF4-FFF2-40B4-BE49-F238E27FC236}">
+                <a16:creationId xmlns:a16="http://schemas.microsoft.com/office/drawing/2014/main" id="{24F2ABD0-A504-4FAB-981E-8DA9BE4F0B53}"/>
+              </a:ext>
+            </a:extLst>
+          </p:cNvPr>
+          <p:cNvSpPr txBox="1">
+            <a:spLocks/>
+          </p:cNvSpPr>
+          <p:nvPr/>
+        </p:nvSpPr>
+        <p:spPr>
+          <a:xfrm>
+            <a:off x="1103449" y="1783357"/>
+            <a:ext cx="9985107" cy="4655505"/>
+          </a:xfrm>
+          <a:prstGeom prst="rect">
+            <a:avLst/>
+          </a:prstGeom>
+        </p:spPr>
+        <p:txBody>
+          <a:bodyPr vert="horz" lIns="91440" tIns="45720" rIns="91440" bIns="45720" rtlCol="0">
+            <a:normAutofit/>
+          </a:bodyPr>
+          <a:lstStyle>
+            <a:lvl1pPr marL="228600" indent="-228600" algn="l" defTabSz="914400" rtl="0" eaLnBrk="1" latinLnBrk="0" hangingPunct="1">
+              <a:lnSpc>
+                <a:spcPct val="90000"/>
+              </a:lnSpc>
+              <a:spcBef>
+                <a:spcPts val="1000"/>
+              </a:spcBef>
+              <a:buFont typeface="Arial" panose="020B0604020202020204" pitchFamily="34" charset="0"/>
+              <a:buChar char="•"/>
+              <a:defRPr sz="2800" kern="1200">
+                <a:solidFill>
+                  <a:schemeClr val="tx1"/>
+                </a:solidFill>
+                <a:latin typeface="+mn-lt"/>
+                <a:ea typeface="+mn-ea"/>
+                <a:cs typeface="+mn-cs"/>
+              </a:defRPr>
+            </a:lvl1pPr>
+            <a:lvl2pPr marL="685800" indent="-228600" algn="l" defTabSz="914400" rtl="0" eaLnBrk="1" latinLnBrk="0" hangingPunct="1">
+              <a:lnSpc>
+                <a:spcPct val="90000"/>
+              </a:lnSpc>
+              <a:spcBef>
+                <a:spcPts val="500"/>
+              </a:spcBef>
+              <a:buFont typeface="Arial" panose="020B0604020202020204" pitchFamily="34" charset="0"/>
+              <a:buChar char="•"/>
+              <a:defRPr sz="2400" kern="1200">
+                <a:solidFill>
+                  <a:schemeClr val="tx1"/>
+                </a:solidFill>
+                <a:latin typeface="+mn-lt"/>
+                <a:ea typeface="+mn-ea"/>
+                <a:cs typeface="+mn-cs"/>
+              </a:defRPr>
+            </a:lvl2pPr>
+            <a:lvl3pPr marL="1143000" indent="-228600" algn="l" defTabSz="914400" rtl="0" eaLnBrk="1" latinLnBrk="0" hangingPunct="1">
+              <a:lnSpc>
+                <a:spcPct val="90000"/>
+              </a:lnSpc>
+              <a:spcBef>
+                <a:spcPts val="500"/>
+              </a:spcBef>
+              <a:buFont typeface="Arial" panose="020B0604020202020204" pitchFamily="34" charset="0"/>
+              <a:buChar char="•"/>
+              <a:defRPr sz="2000" kern="1200">
+                <a:solidFill>
+                  <a:schemeClr val="tx1"/>
+                </a:solidFill>
+                <a:latin typeface="+mn-lt"/>
+                <a:ea typeface="+mn-ea"/>
+                <a:cs typeface="+mn-cs"/>
+              </a:defRPr>
+            </a:lvl3pPr>
+            <a:lvl4pPr marL="1600200" indent="-228600" algn="l" defTabSz="914400" rtl="0" eaLnBrk="1" latinLnBrk="0" hangingPunct="1">
+              <a:lnSpc>
+                <a:spcPct val="90000"/>
+              </a:lnSpc>
+              <a:spcBef>
+                <a:spcPts val="500"/>
+              </a:spcBef>
+              <a:buFont typeface="Arial" panose="020B0604020202020204" pitchFamily="34" charset="0"/>
+              <a:buChar char="•"/>
+              <a:defRPr sz="1800" kern="1200">
+                <a:solidFill>
+                  <a:schemeClr val="tx1"/>
+                </a:solidFill>
+                <a:latin typeface="+mn-lt"/>
+                <a:ea typeface="+mn-ea"/>
+                <a:cs typeface="+mn-cs"/>
+              </a:defRPr>
+            </a:lvl4pPr>
+            <a:lvl5pPr marL="2057400" indent="-228600" algn="l" defTabSz="914400" rtl="0" eaLnBrk="1" latinLnBrk="0" hangingPunct="1">
+              <a:lnSpc>
+                <a:spcPct val="90000"/>
+              </a:lnSpc>
+              <a:spcBef>
+                <a:spcPts val="500"/>
+              </a:spcBef>
+              <a:buFont typeface="Arial" panose="020B0604020202020204" pitchFamily="34" charset="0"/>
+              <a:buChar char="•"/>
+              <a:defRPr sz="1800" kern="1200">
+                <a:solidFill>
+                  <a:schemeClr val="tx1"/>
+                </a:solidFill>
+                <a:latin typeface="+mn-lt"/>
+                <a:ea typeface="+mn-ea"/>
+                <a:cs typeface="+mn-cs"/>
+              </a:defRPr>
+            </a:lvl5pPr>
+            <a:lvl6pPr marL="2514600" indent="-228600" algn="l" defTabSz="914400" rtl="0" eaLnBrk="1" latinLnBrk="0" hangingPunct="1">
+              <a:lnSpc>
+                <a:spcPct val="90000"/>
+              </a:lnSpc>
+              <a:spcBef>
+                <a:spcPts val="500"/>
+              </a:spcBef>
+              <a:buFont typeface="Arial" panose="020B0604020202020204" pitchFamily="34" charset="0"/>
+              <a:buChar char="•"/>
+              <a:defRPr sz="1800" kern="1200">
+                <a:solidFill>
+                  <a:schemeClr val="tx1"/>
+                </a:solidFill>
+                <a:latin typeface="+mn-lt"/>
+                <a:ea typeface="+mn-ea"/>
+                <a:cs typeface="+mn-cs"/>
+              </a:defRPr>
+            </a:lvl6pPr>
+            <a:lvl7pPr marL="2971800" indent="-228600" algn="l" defTabSz="914400" rtl="0" eaLnBrk="1" latinLnBrk="0" hangingPunct="1">
+              <a:lnSpc>
+                <a:spcPct val="90000"/>
+              </a:lnSpc>
+              <a:spcBef>
+                <a:spcPts val="500"/>
+              </a:spcBef>
+              <a:buFont typeface="Arial" panose="020B0604020202020204" pitchFamily="34" charset="0"/>
+              <a:buChar char="•"/>
+              <a:defRPr sz="1800" kern="1200">
+                <a:solidFill>
+                  <a:schemeClr val="tx1"/>
+                </a:solidFill>
+                <a:latin typeface="+mn-lt"/>
+                <a:ea typeface="+mn-ea"/>
+                <a:cs typeface="+mn-cs"/>
+              </a:defRPr>
+            </a:lvl7pPr>
+            <a:lvl8pPr marL="3429000" indent="-228600" algn="l" defTabSz="914400" rtl="0" eaLnBrk="1" latinLnBrk="0" hangingPunct="1">
+              <a:lnSpc>
+                <a:spcPct val="90000"/>
+              </a:lnSpc>
+              <a:spcBef>
+                <a:spcPts val="500"/>
+              </a:spcBef>
+              <a:buFont typeface="Arial" panose="020B0604020202020204" pitchFamily="34" charset="0"/>
+              <a:buChar char="•"/>
+              <a:defRPr sz="1800" kern="1200">
+                <a:solidFill>
+                  <a:schemeClr val="tx1"/>
+                </a:solidFill>
+                <a:latin typeface="+mn-lt"/>
+                <a:ea typeface="+mn-ea"/>
+                <a:cs typeface="+mn-cs"/>
+              </a:defRPr>
+            </a:lvl8pPr>
+            <a:lvl9pPr marL="3886200" indent="-228600" algn="l" defTabSz="914400" rtl="0" eaLnBrk="1" latinLnBrk="0" hangingPunct="1">
+              <a:lnSpc>
+                <a:spcPct val="90000"/>
+              </a:lnSpc>
+              <a:spcBef>
+                <a:spcPts val="500"/>
+              </a:spcBef>
+              <a:buFont typeface="Arial" panose="020B0604020202020204" pitchFamily="34" charset="0"/>
+              <a:buChar char="•"/>
+              <a:defRPr sz="1800" kern="1200">
+                <a:solidFill>
+                  <a:schemeClr val="tx1"/>
+                </a:solidFill>
+                <a:latin typeface="+mn-lt"/>
+                <a:ea typeface="+mn-ea"/>
+                <a:cs typeface="+mn-cs"/>
+              </a:defRPr>
+            </a:lvl9pPr>
+          </a:lstStyle>
+          <a:p>
+            <a:pPr marL="0" indent="0">
+              <a:buNone/>
+            </a:pPr>
+            <a:endParaRPr lang="sv-SE" dirty="0">
+              <a:sym typeface="Georgia" charset="0"/>
+            </a:endParaRPr>
+          </a:p>
+        </p:txBody>
+      </p:sp>
+      <p:pic>
+        <p:nvPicPr>
+          <p:cNvPr id="5" name="Grafik 4">
+            <a:extLst>
+              <a:ext uri="{FF2B5EF4-FFF2-40B4-BE49-F238E27FC236}">
+                <a16:creationId xmlns:a16="http://schemas.microsoft.com/office/drawing/2014/main" id="{D220A54E-045A-4183-83A2-587EF94F5D4C}"/>
+              </a:ext>
+            </a:extLst>
+          </p:cNvPr>
+          <p:cNvPicPr>
+            <a:picLocks noChangeAspect="1"/>
+          </p:cNvPicPr>
+          <p:nvPr/>
+        </p:nvPicPr>
+        <p:blipFill>
+          <a:blip r:embed="rId3"/>
+          <a:stretch>
+            <a:fillRect/>
+          </a:stretch>
+        </p:blipFill>
+        <p:spPr>
+          <a:xfrm>
+            <a:off x="2632253" y="2057216"/>
+            <a:ext cx="7059481" cy="3630220"/>
+          </a:xfrm>
+          <a:prstGeom prst="rect">
+            <a:avLst/>
+          </a:prstGeom>
+        </p:spPr>
+      </p:pic>
+    </p:spTree>
+    <p:extLst>
+      <p:ext uri="{BB962C8B-B14F-4D97-AF65-F5344CB8AC3E}">
+        <p14:creationId xmlns:p14="http://schemas.microsoft.com/office/powerpoint/2010/main" val="227613966"/>
+      </p:ext>
+    </p:extLst>
+  </p:cSld>
+  <p:clrMapOvr>
+    <a:masterClrMapping/>
+  </p:clrMapOvr>
+</p:sld>
+</file>
+
+<file path=ppt/slides/slide14.xml><?xml version="1.0" encoding="utf-8"?>
+<p:sld xmlns:a="http://schemas.openxmlformats.org/drawingml/2006/main" xmlns:r="http://schemas.openxmlformats.org/officeDocument/2006/relationships" xmlns:p="http://schemas.openxmlformats.org/presentationml/2006/main">
+  <p:cSld>
+    <p:spTree>
+      <p:nvGrpSpPr>
+        <p:cNvPr id="1" name=""/>
+        <p:cNvGrpSpPr/>
+        <p:nvPr/>
+      </p:nvGrpSpPr>
+      <p:grpSpPr>
+        <a:xfrm>
+          <a:off x="0" y="0"/>
+          <a:ext cx="0" cy="0"/>
+          <a:chOff x="0" y="0"/>
+          <a:chExt cx="0" cy="0"/>
+        </a:xfrm>
+      </p:grpSpPr>
+      <p:sp>
+        <p:nvSpPr>
+          <p:cNvPr id="20" name="Rectangle 19">
+            <a:extLst>
+              <a:ext uri="{FF2B5EF4-FFF2-40B4-BE49-F238E27FC236}">
+                <a16:creationId xmlns:a16="http://schemas.microsoft.com/office/drawing/2014/main" id="{A4AC5506-6312-4701-8D3C-40187889A947}"/>
+              </a:ext>
+              <a:ext uri="{C183D7F6-B498-43B3-948B-1728B52AA6E4}">
+                <adec:decorative xmlns:adec="http://schemas.microsoft.com/office/drawing/2017/decorative" val="1"/>
+              </a:ext>
+            </a:extLst>
+          </p:cNvPr>
+          <p:cNvSpPr>
+            <a:spLocks noGrp="1" noRot="1" noChangeAspect="1" noMove="1" noResize="1" noEditPoints="1" noAdjustHandles="1" noChangeArrowheads="1" noChangeShapeType="1" noTextEdit="1"/>
+          </p:cNvSpPr>
+          <p:nvPr>
+            <p:extLst>
+              <p:ext uri="{386F3935-93C4-4BCD-93E2-E3B085C9AB24}">
+                <p16:designElem xmlns:p16="http://schemas.microsoft.com/office/powerpoint/2015/main" val="1"/>
+              </p:ext>
+            </p:extLst>
+          </p:nvPr>
+        </p:nvSpPr>
+        <p:spPr>
+          <a:xfrm>
+            <a:off x="0" y="651752"/>
+            <a:ext cx="12192000" cy="736551"/>
+          </a:xfrm>
+          <a:prstGeom prst="rect">
+            <a:avLst/>
+          </a:prstGeom>
+          <a:solidFill>
+            <a:schemeClr val="tx1"/>
+          </a:solidFill>
+          <a:ln>
+            <a:noFill/>
+          </a:ln>
+        </p:spPr>
+        <p:style>
+          <a:lnRef idx="2">
+            <a:schemeClr val="accent1">
+              <a:shade val="50000"/>
+            </a:schemeClr>
+          </a:lnRef>
+          <a:fillRef idx="1">
+            <a:schemeClr val="accent1"/>
+          </a:fillRef>
+          <a:effectRef idx="0">
+            <a:schemeClr val="accent1"/>
+          </a:effectRef>
+          <a:fontRef idx="minor">
+            <a:schemeClr val="lt1"/>
+          </a:fontRef>
+        </p:style>
+        <p:txBody>
+          <a:bodyPr rtlCol="0" anchor="ctr"/>
+          <a:lstStyle/>
+          <a:p>
+            <a:pPr algn="ctr"/>
+            <a:endParaRPr lang="en-US"/>
+          </a:p>
+        </p:txBody>
+      </p:sp>
+      <p:sp>
+        <p:nvSpPr>
+          <p:cNvPr id="2" name="Rubrik 1"/>
+          <p:cNvSpPr>
+            <a:spLocks noGrp="1"/>
+          </p:cNvSpPr>
+          <p:nvPr>
+            <p:ph type="title"/>
+          </p:nvPr>
+        </p:nvSpPr>
+        <p:spPr>
+          <a:xfrm>
+            <a:off x="556532" y="643467"/>
+            <a:ext cx="11210925" cy="744836"/>
+          </a:xfrm>
+        </p:spPr>
+        <p:txBody>
+          <a:bodyPr vert="horz" lIns="91440" tIns="45720" rIns="91440" bIns="45720" rtlCol="0" anchor="ctr">
+            <a:normAutofit/>
+          </a:bodyPr>
+          <a:lstStyle/>
+          <a:p>
+            <a:pPr algn="ctr">
+              <a:lnSpc>
+                <a:spcPct val="90000"/>
+              </a:lnSpc>
+            </a:pPr>
+            <a:r>
+              <a:rPr lang="en-US" sz="3200" dirty="0">
+                <a:solidFill>
+                  <a:schemeClr val="bg1"/>
+                </a:solidFill>
+              </a:rPr>
+              <a:t>Forecast / Questions</a:t>
+            </a:r>
+            <a:endParaRPr lang="en-US" sz="3200" kern="1200" dirty="0">
+              <a:solidFill>
+                <a:schemeClr val="bg1"/>
+              </a:solidFill>
+              <a:latin typeface="+mj-lt"/>
+              <a:ea typeface="+mj-ea"/>
+              <a:cs typeface="+mj-cs"/>
+            </a:endParaRPr>
+          </a:p>
+        </p:txBody>
+      </p:sp>
+      <p:sp>
+        <p:nvSpPr>
+          <p:cNvPr id="3" name="Platshållare för bildnummer 2"/>
+          <p:cNvSpPr>
+            <a:spLocks noGrp="1"/>
+          </p:cNvSpPr>
+          <p:nvPr>
+            <p:ph type="sldNum" sz="quarter" idx="12"/>
+          </p:nvPr>
+        </p:nvSpPr>
+        <p:spPr>
+          <a:xfrm>
+            <a:off x="8610600" y="6356350"/>
+            <a:ext cx="2743200" cy="365125"/>
+          </a:xfrm>
+        </p:spPr>
+        <p:txBody>
+          <a:bodyPr vert="horz" lIns="91440" tIns="45720" rIns="91440" bIns="45720" rtlCol="0" anchor="ctr">
+            <a:normAutofit/>
+          </a:bodyPr>
+          <a:lstStyle/>
+          <a:p>
+            <a:pPr>
+              <a:spcAft>
+                <a:spcPts val="600"/>
+              </a:spcAft>
+            </a:pPr>
+            <a:fld id="{E21FFC3D-594F-4CAE-AAA5-4C3555641468}" type="slidenum">
+              <a:rPr lang="en-US" smtClean="0"/>
+              <a:pPr>
+                <a:spcAft>
+                  <a:spcPts val="600"/>
+                </a:spcAft>
+              </a:pPr>
+              <a:t>14</a:t>
+            </a:fld>
+            <a:endParaRPr lang="en-US"/>
+          </a:p>
+        </p:txBody>
+      </p:sp>
+      <p:pic>
+        <p:nvPicPr>
+          <p:cNvPr id="6" name="Grafik 5">
+            <a:extLst>
+              <a:ext uri="{FF2B5EF4-FFF2-40B4-BE49-F238E27FC236}">
+                <a16:creationId xmlns:a16="http://schemas.microsoft.com/office/drawing/2014/main" id="{8827F3E6-3E8C-45BB-A02F-A46587D2133B}"/>
+              </a:ext>
+            </a:extLst>
+          </p:cNvPr>
+          <p:cNvPicPr>
+            <a:picLocks noChangeAspect="1"/>
+          </p:cNvPicPr>
+          <p:nvPr/>
+        </p:nvPicPr>
+        <p:blipFill>
+          <a:blip r:embed="rId2">
+            <a:extLst>
+              <a:ext uri="{28A0092B-C50C-407E-A947-70E740481C1C}">
+                <a14:useLocalDpi xmlns:a14="http://schemas.microsoft.com/office/drawing/2010/main" val="0"/>
+              </a:ext>
+            </a:extLst>
+          </a:blip>
+          <a:stretch>
+            <a:fillRect/>
+          </a:stretch>
+        </p:blipFill>
+        <p:spPr>
+          <a:xfrm>
+            <a:off x="302729" y="697477"/>
+            <a:ext cx="681475" cy="649814"/>
+          </a:xfrm>
+          <a:prstGeom prst="rect">
+            <a:avLst/>
+          </a:prstGeom>
+        </p:spPr>
+      </p:pic>
+      <p:sp>
+        <p:nvSpPr>
+          <p:cNvPr id="9" name="Platshållare för text 3">
+            <a:extLst>
+              <a:ext uri="{FF2B5EF4-FFF2-40B4-BE49-F238E27FC236}">
+                <a16:creationId xmlns:a16="http://schemas.microsoft.com/office/drawing/2014/main" id="{24F2ABD0-A504-4FAB-981E-8DA9BE4F0B53}"/>
+              </a:ext>
+            </a:extLst>
+          </p:cNvPr>
+          <p:cNvSpPr txBox="1">
+            <a:spLocks/>
+          </p:cNvSpPr>
+          <p:nvPr/>
+        </p:nvSpPr>
+        <p:spPr>
+          <a:xfrm>
+            <a:off x="1103449" y="1783357"/>
+            <a:ext cx="9985107" cy="4655505"/>
+          </a:xfrm>
+          <a:prstGeom prst="rect">
+            <a:avLst/>
+          </a:prstGeom>
+        </p:spPr>
+        <p:txBody>
+          <a:bodyPr vert="horz" lIns="91440" tIns="45720" rIns="91440" bIns="45720" rtlCol="0">
+            <a:normAutofit/>
+          </a:bodyPr>
+          <a:lstStyle>
+            <a:lvl1pPr marL="228600" indent="-228600" algn="l" defTabSz="914400" rtl="0" eaLnBrk="1" latinLnBrk="0" hangingPunct="1">
+              <a:lnSpc>
+                <a:spcPct val="90000"/>
+              </a:lnSpc>
+              <a:spcBef>
+                <a:spcPts val="1000"/>
+              </a:spcBef>
+              <a:buFont typeface="Arial" panose="020B0604020202020204" pitchFamily="34" charset="0"/>
+              <a:buChar char="•"/>
+              <a:defRPr sz="2800" kern="1200">
+                <a:solidFill>
+                  <a:schemeClr val="tx1"/>
+                </a:solidFill>
+                <a:latin typeface="+mn-lt"/>
+                <a:ea typeface="+mn-ea"/>
+                <a:cs typeface="+mn-cs"/>
+              </a:defRPr>
+            </a:lvl1pPr>
+            <a:lvl2pPr marL="685800" indent="-228600" algn="l" defTabSz="914400" rtl="0" eaLnBrk="1" latinLnBrk="0" hangingPunct="1">
+              <a:lnSpc>
+                <a:spcPct val="90000"/>
+              </a:lnSpc>
+              <a:spcBef>
+                <a:spcPts val="500"/>
+              </a:spcBef>
+              <a:buFont typeface="Arial" panose="020B0604020202020204" pitchFamily="34" charset="0"/>
+              <a:buChar char="•"/>
+              <a:defRPr sz="2400" kern="1200">
+                <a:solidFill>
+                  <a:schemeClr val="tx1"/>
+                </a:solidFill>
+                <a:latin typeface="+mn-lt"/>
+                <a:ea typeface="+mn-ea"/>
+                <a:cs typeface="+mn-cs"/>
+              </a:defRPr>
+            </a:lvl2pPr>
+            <a:lvl3pPr marL="1143000" indent="-228600" algn="l" defTabSz="914400" rtl="0" eaLnBrk="1" latinLnBrk="0" hangingPunct="1">
+              <a:lnSpc>
+                <a:spcPct val="90000"/>
+              </a:lnSpc>
+              <a:spcBef>
+                <a:spcPts val="500"/>
+              </a:spcBef>
+              <a:buFont typeface="Arial" panose="020B0604020202020204" pitchFamily="34" charset="0"/>
+              <a:buChar char="•"/>
+              <a:defRPr sz="2000" kern="1200">
+                <a:solidFill>
+                  <a:schemeClr val="tx1"/>
+                </a:solidFill>
+                <a:latin typeface="+mn-lt"/>
+                <a:ea typeface="+mn-ea"/>
+                <a:cs typeface="+mn-cs"/>
+              </a:defRPr>
+            </a:lvl3pPr>
+            <a:lvl4pPr marL="1600200" indent="-228600" algn="l" defTabSz="914400" rtl="0" eaLnBrk="1" latinLnBrk="0" hangingPunct="1">
+              <a:lnSpc>
+                <a:spcPct val="90000"/>
+              </a:lnSpc>
+              <a:spcBef>
+                <a:spcPts val="500"/>
+              </a:spcBef>
+              <a:buFont typeface="Arial" panose="020B0604020202020204" pitchFamily="34" charset="0"/>
+              <a:buChar char="•"/>
+              <a:defRPr sz="1800" kern="1200">
+                <a:solidFill>
+                  <a:schemeClr val="tx1"/>
+                </a:solidFill>
+                <a:latin typeface="+mn-lt"/>
+                <a:ea typeface="+mn-ea"/>
+                <a:cs typeface="+mn-cs"/>
+              </a:defRPr>
+            </a:lvl4pPr>
+            <a:lvl5pPr marL="2057400" indent="-228600" algn="l" defTabSz="914400" rtl="0" eaLnBrk="1" latinLnBrk="0" hangingPunct="1">
+              <a:lnSpc>
+                <a:spcPct val="90000"/>
+              </a:lnSpc>
+              <a:spcBef>
+                <a:spcPts val="500"/>
+              </a:spcBef>
+              <a:buFont typeface="Arial" panose="020B0604020202020204" pitchFamily="34" charset="0"/>
+              <a:buChar char="•"/>
+              <a:defRPr sz="1800" kern="1200">
+                <a:solidFill>
+                  <a:schemeClr val="tx1"/>
+                </a:solidFill>
+                <a:latin typeface="+mn-lt"/>
+                <a:ea typeface="+mn-ea"/>
+                <a:cs typeface="+mn-cs"/>
+              </a:defRPr>
+            </a:lvl5pPr>
+            <a:lvl6pPr marL="2514600" indent="-228600" algn="l" defTabSz="914400" rtl="0" eaLnBrk="1" latinLnBrk="0" hangingPunct="1">
+              <a:lnSpc>
+                <a:spcPct val="90000"/>
+              </a:lnSpc>
+              <a:spcBef>
+                <a:spcPts val="500"/>
+              </a:spcBef>
+              <a:buFont typeface="Arial" panose="020B0604020202020204" pitchFamily="34" charset="0"/>
+              <a:buChar char="•"/>
+              <a:defRPr sz="1800" kern="1200">
+                <a:solidFill>
+                  <a:schemeClr val="tx1"/>
+                </a:solidFill>
+                <a:latin typeface="+mn-lt"/>
+                <a:ea typeface="+mn-ea"/>
+                <a:cs typeface="+mn-cs"/>
+              </a:defRPr>
+            </a:lvl6pPr>
+            <a:lvl7pPr marL="2971800" indent="-228600" algn="l" defTabSz="914400" rtl="0" eaLnBrk="1" latinLnBrk="0" hangingPunct="1">
+              <a:lnSpc>
+                <a:spcPct val="90000"/>
+              </a:lnSpc>
+              <a:spcBef>
+                <a:spcPts val="500"/>
+              </a:spcBef>
+              <a:buFont typeface="Arial" panose="020B0604020202020204" pitchFamily="34" charset="0"/>
+              <a:buChar char="•"/>
+              <a:defRPr sz="1800" kern="1200">
+                <a:solidFill>
+                  <a:schemeClr val="tx1"/>
+                </a:solidFill>
+                <a:latin typeface="+mn-lt"/>
+                <a:ea typeface="+mn-ea"/>
+                <a:cs typeface="+mn-cs"/>
+              </a:defRPr>
+            </a:lvl7pPr>
+            <a:lvl8pPr marL="3429000" indent="-228600" algn="l" defTabSz="914400" rtl="0" eaLnBrk="1" latinLnBrk="0" hangingPunct="1">
+              <a:lnSpc>
+                <a:spcPct val="90000"/>
+              </a:lnSpc>
+              <a:spcBef>
+                <a:spcPts val="500"/>
+              </a:spcBef>
+              <a:buFont typeface="Arial" panose="020B0604020202020204" pitchFamily="34" charset="0"/>
+              <a:buChar char="•"/>
+              <a:defRPr sz="1800" kern="1200">
+                <a:solidFill>
+                  <a:schemeClr val="tx1"/>
+                </a:solidFill>
+                <a:latin typeface="+mn-lt"/>
+                <a:ea typeface="+mn-ea"/>
+                <a:cs typeface="+mn-cs"/>
+              </a:defRPr>
+            </a:lvl8pPr>
+            <a:lvl9pPr marL="3886200" indent="-228600" algn="l" defTabSz="914400" rtl="0" eaLnBrk="1" latinLnBrk="0" hangingPunct="1">
+              <a:lnSpc>
+                <a:spcPct val="90000"/>
+              </a:lnSpc>
+              <a:spcBef>
+                <a:spcPts val="500"/>
+              </a:spcBef>
+              <a:buFont typeface="Arial" panose="020B0604020202020204" pitchFamily="34" charset="0"/>
+              <a:buChar char="•"/>
+              <a:defRPr sz="1800" kern="1200">
+                <a:solidFill>
+                  <a:schemeClr val="tx1"/>
+                </a:solidFill>
+                <a:latin typeface="+mn-lt"/>
+                <a:ea typeface="+mn-ea"/>
+                <a:cs typeface="+mn-cs"/>
+              </a:defRPr>
+            </a:lvl9pPr>
+          </a:lstStyle>
+          <a:p>
+            <a:r>
+              <a:rPr lang="sv-SE" dirty="0">
+                <a:sym typeface="Georgia" charset="0"/>
+              </a:rPr>
+              <a:t>Sunday: API Suggestion Deadline</a:t>
+            </a:r>
+          </a:p>
+          <a:p>
+            <a:pPr lvl="1"/>
+            <a:r>
+              <a:rPr lang="sv-SE" dirty="0">
+                <a:sym typeface="Georgia" charset="0"/>
+              </a:rPr>
+              <a:t>Question: </a:t>
+            </a:r>
+            <a:r>
+              <a:rPr lang="de-DE" dirty="0"/>
+              <a:t>incl. Motivation, </a:t>
+            </a:r>
+            <a:r>
+              <a:rPr lang="de-DE" dirty="0" err="1"/>
+              <a:t>what</a:t>
+            </a:r>
+            <a:r>
+              <a:rPr lang="de-DE" dirty="0"/>
+              <a:t> </a:t>
+            </a:r>
+            <a:r>
+              <a:rPr lang="de-DE" dirty="0" err="1"/>
+              <a:t>does</a:t>
+            </a:r>
+            <a:r>
+              <a:rPr lang="de-DE" dirty="0"/>
+              <a:t> </a:t>
+            </a:r>
+            <a:r>
+              <a:rPr lang="de-DE" dirty="0" err="1"/>
+              <a:t>it</a:t>
+            </a:r>
+            <a:r>
+              <a:rPr lang="de-DE" dirty="0"/>
+              <a:t> </a:t>
+            </a:r>
+            <a:r>
+              <a:rPr lang="de-DE" dirty="0" err="1"/>
+              <a:t>include</a:t>
+            </a:r>
+            <a:r>
+              <a:rPr lang="de-DE" dirty="0"/>
+              <a:t>?</a:t>
+            </a:r>
+            <a:endParaRPr lang="sv-SE" dirty="0">
+              <a:sym typeface="Georgia" charset="0"/>
+            </a:endParaRPr>
+          </a:p>
+          <a:p>
+            <a:endParaRPr lang="sv-SE" dirty="0">
+              <a:sym typeface="Georgia" charset="0"/>
+            </a:endParaRPr>
+          </a:p>
+          <a:p>
+            <a:r>
+              <a:rPr lang="sv-SE" dirty="0">
+                <a:sym typeface="Georgia" charset="0"/>
+              </a:rPr>
+              <a:t>Next Week: API-Seminar and start of Design Phase</a:t>
+            </a:r>
+          </a:p>
+        </p:txBody>
+      </p:sp>
+    </p:spTree>
+    <p:extLst>
+      <p:ext uri="{BB962C8B-B14F-4D97-AF65-F5344CB8AC3E}">
+        <p14:creationId xmlns:p14="http://schemas.microsoft.com/office/powerpoint/2010/main" val="1974267682"/>
+      </p:ext>
+    </p:extLst>
+  </p:cSld>
+  <p:clrMapOvr>
+    <a:masterClrMapping/>
+  </p:clrMapOvr>
+</p:sld>
+</file>
+
+<file path=ppt/slides/slide15.xml><?xml version="1.0" encoding="utf-8"?>
+<p:sld xmlns:a="http://schemas.openxmlformats.org/drawingml/2006/main" xmlns:r="http://schemas.openxmlformats.org/officeDocument/2006/relationships" xmlns:p="http://schemas.openxmlformats.org/presentationml/2006/main">
+  <p:cSld>
+    <p:spTree>
+      <p:nvGrpSpPr>
+        <p:cNvPr id="1" name=""/>
+        <p:cNvGrpSpPr/>
+        <p:nvPr/>
+      </p:nvGrpSpPr>
+      <p:grpSpPr>
+        <a:xfrm>
+          <a:off x="0" y="0"/>
+          <a:ext cx="0" cy="0"/>
+          <a:chOff x="0" y="0"/>
+          <a:chExt cx="0" cy="0"/>
+        </a:xfrm>
+      </p:grpSpPr>
+      <p:sp>
+        <p:nvSpPr>
+          <p:cNvPr id="20" name="Rectangle 19">
+            <a:extLst>
+              <a:ext uri="{FF2B5EF4-FFF2-40B4-BE49-F238E27FC236}">
+                <a16:creationId xmlns:a16="http://schemas.microsoft.com/office/drawing/2014/main" id="{A4AC5506-6312-4701-8D3C-40187889A947}"/>
+              </a:ext>
+              <a:ext uri="{C183D7F6-B498-43B3-948B-1728B52AA6E4}">
+                <adec:decorative xmlns:adec="http://schemas.microsoft.com/office/drawing/2017/decorative" val="1"/>
+              </a:ext>
+            </a:extLst>
+          </p:cNvPr>
+          <p:cNvSpPr>
+            <a:spLocks noGrp="1" noRot="1" noChangeAspect="1" noMove="1" noResize="1" noEditPoints="1" noAdjustHandles="1" noChangeArrowheads="1" noChangeShapeType="1" noTextEdit="1"/>
+          </p:cNvSpPr>
+          <p:nvPr>
+            <p:extLst>
+              <p:ext uri="{386F3935-93C4-4BCD-93E2-E3B085C9AB24}">
+                <p16:designElem xmlns:p16="http://schemas.microsoft.com/office/powerpoint/2015/main" val="1"/>
+              </p:ext>
+            </p:extLst>
+          </p:nvPr>
+        </p:nvSpPr>
+        <p:spPr>
+          <a:xfrm>
+            <a:off x="0" y="651752"/>
+            <a:ext cx="12192000" cy="736551"/>
+          </a:xfrm>
+          <a:prstGeom prst="rect">
+            <a:avLst/>
+          </a:prstGeom>
+          <a:solidFill>
+            <a:schemeClr val="tx1"/>
+          </a:solidFill>
+          <a:ln>
+            <a:noFill/>
+          </a:ln>
+        </p:spPr>
+        <p:style>
+          <a:lnRef idx="2">
+            <a:schemeClr val="accent1">
+              <a:shade val="50000"/>
+            </a:schemeClr>
+          </a:lnRef>
+          <a:fillRef idx="1">
+            <a:schemeClr val="accent1"/>
+          </a:fillRef>
+          <a:effectRef idx="0">
+            <a:schemeClr val="accent1"/>
+          </a:effectRef>
+          <a:fontRef idx="minor">
+            <a:schemeClr val="lt1"/>
+          </a:fontRef>
+        </p:style>
+        <p:txBody>
+          <a:bodyPr rtlCol="0" anchor="ctr"/>
+          <a:lstStyle/>
+          <a:p>
+            <a:pPr algn="ctr"/>
+            <a:endParaRPr lang="en-US"/>
+          </a:p>
+        </p:txBody>
+      </p:sp>
+      <p:sp>
+        <p:nvSpPr>
+          <p:cNvPr id="2" name="Rubrik 1"/>
+          <p:cNvSpPr>
+            <a:spLocks noGrp="1"/>
+          </p:cNvSpPr>
+          <p:nvPr>
+            <p:ph type="title"/>
+          </p:nvPr>
+        </p:nvSpPr>
+        <p:spPr>
+          <a:xfrm>
+            <a:off x="556532" y="643467"/>
+            <a:ext cx="11210925" cy="744836"/>
+          </a:xfrm>
+        </p:spPr>
+        <p:txBody>
+          <a:bodyPr vert="horz" lIns="91440" tIns="45720" rIns="91440" bIns="45720" rtlCol="0" anchor="ctr">
+            <a:normAutofit/>
+          </a:bodyPr>
+          <a:lstStyle/>
+          <a:p>
+            <a:pPr algn="ctr">
+              <a:lnSpc>
+                <a:spcPct val="90000"/>
+              </a:lnSpc>
+            </a:pPr>
+            <a:r>
+              <a:rPr lang="sv-SE" sz="3200" dirty="0">
+                <a:solidFill>
+                  <a:schemeClr val="bg1"/>
+                </a:solidFill>
+                <a:sym typeface="Arial" charset="0"/>
+              </a:rPr>
+              <a:t>Appendix: Selected Tools</a:t>
+            </a:r>
+            <a:endParaRPr lang="en-US" sz="3200" kern="1200" dirty="0">
+              <a:solidFill>
+                <a:schemeClr val="bg1"/>
+              </a:solidFill>
+              <a:latin typeface="+mj-lt"/>
+              <a:ea typeface="+mj-ea"/>
+              <a:cs typeface="+mj-cs"/>
+            </a:endParaRPr>
+          </a:p>
+        </p:txBody>
+      </p:sp>
+      <p:sp>
+        <p:nvSpPr>
+          <p:cNvPr id="3" name="Platshållare för bildnummer 2"/>
+          <p:cNvSpPr>
+            <a:spLocks noGrp="1"/>
+          </p:cNvSpPr>
+          <p:nvPr>
+            <p:ph type="sldNum" sz="quarter" idx="12"/>
+          </p:nvPr>
+        </p:nvSpPr>
+        <p:spPr>
+          <a:xfrm>
+            <a:off x="8610600" y="6356350"/>
+            <a:ext cx="2743200" cy="365125"/>
+          </a:xfrm>
+        </p:spPr>
+        <p:txBody>
+          <a:bodyPr vert="horz" lIns="91440" tIns="45720" rIns="91440" bIns="45720" rtlCol="0" anchor="ctr">
+            <a:normAutofit/>
+          </a:bodyPr>
+          <a:lstStyle/>
+          <a:p>
+            <a:pPr>
+              <a:spcAft>
+                <a:spcPts val="600"/>
+              </a:spcAft>
+            </a:pPr>
+            <a:fld id="{E21FFC3D-594F-4CAE-AAA5-4C3555641468}" type="slidenum">
+              <a:rPr lang="en-US" smtClean="0"/>
+              <a:pPr>
+                <a:spcAft>
+                  <a:spcPts val="600"/>
+                </a:spcAft>
+              </a:pPr>
+              <a:t>15</a:t>
+            </a:fld>
+            <a:endParaRPr lang="en-US"/>
+          </a:p>
+        </p:txBody>
+      </p:sp>
+      <p:pic>
+        <p:nvPicPr>
+          <p:cNvPr id="6" name="Grafik 5">
+            <a:extLst>
+              <a:ext uri="{FF2B5EF4-FFF2-40B4-BE49-F238E27FC236}">
+                <a16:creationId xmlns:a16="http://schemas.microsoft.com/office/drawing/2014/main" id="{8827F3E6-3E8C-45BB-A02F-A46587D2133B}"/>
+              </a:ext>
+            </a:extLst>
+          </p:cNvPr>
+          <p:cNvPicPr>
+            <a:picLocks noChangeAspect="1"/>
+          </p:cNvPicPr>
+          <p:nvPr/>
+        </p:nvPicPr>
+        <p:blipFill>
+          <a:blip r:embed="rId2">
+            <a:extLst>
+              <a:ext uri="{28A0092B-C50C-407E-A947-70E740481C1C}">
+                <a14:useLocalDpi xmlns:a14="http://schemas.microsoft.com/office/drawing/2010/main" val="0"/>
+              </a:ext>
+            </a:extLst>
+          </a:blip>
+          <a:stretch>
+            <a:fillRect/>
+          </a:stretch>
+        </p:blipFill>
+        <p:spPr>
+          <a:xfrm>
+            <a:off x="302729" y="697477"/>
+            <a:ext cx="681475" cy="649814"/>
+          </a:xfrm>
+          <a:prstGeom prst="rect">
+            <a:avLst/>
+          </a:prstGeom>
+        </p:spPr>
+      </p:pic>
+      <p:sp>
+        <p:nvSpPr>
+          <p:cNvPr id="9" name="Platshållare för text 3">
+            <a:extLst>
+              <a:ext uri="{FF2B5EF4-FFF2-40B4-BE49-F238E27FC236}">
+                <a16:creationId xmlns:a16="http://schemas.microsoft.com/office/drawing/2014/main" id="{24F2ABD0-A504-4FAB-981E-8DA9BE4F0B53}"/>
+              </a:ext>
+            </a:extLst>
+          </p:cNvPr>
+          <p:cNvSpPr txBox="1">
+            <a:spLocks/>
+          </p:cNvSpPr>
+          <p:nvPr/>
+        </p:nvSpPr>
+        <p:spPr>
+          <a:xfrm>
+            <a:off x="1103449" y="1783357"/>
+            <a:ext cx="9985107" cy="4655505"/>
+          </a:xfrm>
+          <a:prstGeom prst="rect">
+            <a:avLst/>
+          </a:prstGeom>
+        </p:spPr>
+        <p:txBody>
+          <a:bodyPr vert="horz" lIns="91440" tIns="45720" rIns="91440" bIns="45720" rtlCol="0">
+            <a:normAutofit fontScale="62500" lnSpcReduction="20000"/>
+          </a:bodyPr>
+          <a:lstStyle>
+            <a:lvl1pPr marL="228600" indent="-228600" algn="l" defTabSz="914400" rtl="0" eaLnBrk="1" latinLnBrk="0" hangingPunct="1">
+              <a:lnSpc>
+                <a:spcPct val="90000"/>
+              </a:lnSpc>
+              <a:spcBef>
+                <a:spcPts val="1000"/>
+              </a:spcBef>
+              <a:buFont typeface="Arial" panose="020B0604020202020204" pitchFamily="34" charset="0"/>
+              <a:buChar char="•"/>
+              <a:defRPr sz="2800" kern="1200">
+                <a:solidFill>
+                  <a:schemeClr val="tx1"/>
+                </a:solidFill>
+                <a:latin typeface="+mn-lt"/>
+                <a:ea typeface="+mn-ea"/>
+                <a:cs typeface="+mn-cs"/>
+              </a:defRPr>
+            </a:lvl1pPr>
+            <a:lvl2pPr marL="685800" indent="-228600" algn="l" defTabSz="914400" rtl="0" eaLnBrk="1" latinLnBrk="0" hangingPunct="1">
+              <a:lnSpc>
+                <a:spcPct val="90000"/>
+              </a:lnSpc>
+              <a:spcBef>
+                <a:spcPts val="500"/>
+              </a:spcBef>
+              <a:buFont typeface="Arial" panose="020B0604020202020204" pitchFamily="34" charset="0"/>
+              <a:buChar char="•"/>
+              <a:defRPr sz="2400" kern="1200">
+                <a:solidFill>
+                  <a:schemeClr val="tx1"/>
+                </a:solidFill>
+                <a:latin typeface="+mn-lt"/>
+                <a:ea typeface="+mn-ea"/>
+                <a:cs typeface="+mn-cs"/>
+              </a:defRPr>
+            </a:lvl2pPr>
+            <a:lvl3pPr marL="1143000" indent="-228600" algn="l" defTabSz="914400" rtl="0" eaLnBrk="1" latinLnBrk="0" hangingPunct="1">
+              <a:lnSpc>
+                <a:spcPct val="90000"/>
+              </a:lnSpc>
+              <a:spcBef>
+                <a:spcPts val="500"/>
+              </a:spcBef>
+              <a:buFont typeface="Arial" panose="020B0604020202020204" pitchFamily="34" charset="0"/>
+              <a:buChar char="•"/>
+              <a:defRPr sz="2000" kern="1200">
+                <a:solidFill>
+                  <a:schemeClr val="tx1"/>
+                </a:solidFill>
+                <a:latin typeface="+mn-lt"/>
+                <a:ea typeface="+mn-ea"/>
+                <a:cs typeface="+mn-cs"/>
+              </a:defRPr>
+            </a:lvl3pPr>
+            <a:lvl4pPr marL="1600200" indent="-228600" algn="l" defTabSz="914400" rtl="0" eaLnBrk="1" latinLnBrk="0" hangingPunct="1">
+              <a:lnSpc>
+                <a:spcPct val="90000"/>
+              </a:lnSpc>
+              <a:spcBef>
+                <a:spcPts val="500"/>
+              </a:spcBef>
+              <a:buFont typeface="Arial" panose="020B0604020202020204" pitchFamily="34" charset="0"/>
+              <a:buChar char="•"/>
+              <a:defRPr sz="1800" kern="1200">
+                <a:solidFill>
+                  <a:schemeClr val="tx1"/>
+                </a:solidFill>
+                <a:latin typeface="+mn-lt"/>
+                <a:ea typeface="+mn-ea"/>
+                <a:cs typeface="+mn-cs"/>
+              </a:defRPr>
+            </a:lvl4pPr>
+            <a:lvl5pPr marL="2057400" indent="-228600" algn="l" defTabSz="914400" rtl="0" eaLnBrk="1" latinLnBrk="0" hangingPunct="1">
+              <a:lnSpc>
+                <a:spcPct val="90000"/>
+              </a:lnSpc>
+              <a:spcBef>
+                <a:spcPts val="500"/>
+              </a:spcBef>
+              <a:buFont typeface="Arial" panose="020B0604020202020204" pitchFamily="34" charset="0"/>
+              <a:buChar char="•"/>
+              <a:defRPr sz="1800" kern="1200">
+                <a:solidFill>
+                  <a:schemeClr val="tx1"/>
+                </a:solidFill>
+                <a:latin typeface="+mn-lt"/>
+                <a:ea typeface="+mn-ea"/>
+                <a:cs typeface="+mn-cs"/>
+              </a:defRPr>
+            </a:lvl5pPr>
+            <a:lvl6pPr marL="2514600" indent="-228600" algn="l" defTabSz="914400" rtl="0" eaLnBrk="1" latinLnBrk="0" hangingPunct="1">
+              <a:lnSpc>
+                <a:spcPct val="90000"/>
+              </a:lnSpc>
+              <a:spcBef>
+                <a:spcPts val="500"/>
+              </a:spcBef>
+              <a:buFont typeface="Arial" panose="020B0604020202020204" pitchFamily="34" charset="0"/>
+              <a:buChar char="•"/>
+              <a:defRPr sz="1800" kern="1200">
+                <a:solidFill>
+                  <a:schemeClr val="tx1"/>
+                </a:solidFill>
+                <a:latin typeface="+mn-lt"/>
+                <a:ea typeface="+mn-ea"/>
+                <a:cs typeface="+mn-cs"/>
+              </a:defRPr>
+            </a:lvl6pPr>
+            <a:lvl7pPr marL="2971800" indent="-228600" algn="l" defTabSz="914400" rtl="0" eaLnBrk="1" latinLnBrk="0" hangingPunct="1">
+              <a:lnSpc>
+                <a:spcPct val="90000"/>
+              </a:lnSpc>
+              <a:spcBef>
+                <a:spcPts val="500"/>
+              </a:spcBef>
+              <a:buFont typeface="Arial" panose="020B0604020202020204" pitchFamily="34" charset="0"/>
+              <a:buChar char="•"/>
+              <a:defRPr sz="1800" kern="1200">
+                <a:solidFill>
+                  <a:schemeClr val="tx1"/>
+                </a:solidFill>
+                <a:latin typeface="+mn-lt"/>
+                <a:ea typeface="+mn-ea"/>
+                <a:cs typeface="+mn-cs"/>
+              </a:defRPr>
+            </a:lvl7pPr>
+            <a:lvl8pPr marL="3429000" indent="-228600" algn="l" defTabSz="914400" rtl="0" eaLnBrk="1" latinLnBrk="0" hangingPunct="1">
+              <a:lnSpc>
+                <a:spcPct val="90000"/>
+              </a:lnSpc>
+              <a:spcBef>
+                <a:spcPts val="500"/>
+              </a:spcBef>
+              <a:buFont typeface="Arial" panose="020B0604020202020204" pitchFamily="34" charset="0"/>
+              <a:buChar char="•"/>
+              <a:defRPr sz="1800" kern="1200">
+                <a:solidFill>
+                  <a:schemeClr val="tx1"/>
+                </a:solidFill>
+                <a:latin typeface="+mn-lt"/>
+                <a:ea typeface="+mn-ea"/>
+                <a:cs typeface="+mn-cs"/>
+              </a:defRPr>
+            </a:lvl8pPr>
+            <a:lvl9pPr marL="3886200" indent="-228600" algn="l" defTabSz="914400" rtl="0" eaLnBrk="1" latinLnBrk="0" hangingPunct="1">
+              <a:lnSpc>
+                <a:spcPct val="90000"/>
+              </a:lnSpc>
+              <a:spcBef>
+                <a:spcPts val="500"/>
+              </a:spcBef>
+              <a:buFont typeface="Arial" panose="020B0604020202020204" pitchFamily="34" charset="0"/>
+              <a:buChar char="•"/>
+              <a:defRPr sz="1800" kern="1200">
+                <a:solidFill>
+                  <a:schemeClr val="tx1"/>
+                </a:solidFill>
+                <a:latin typeface="+mn-lt"/>
+                <a:ea typeface="+mn-ea"/>
+                <a:cs typeface="+mn-cs"/>
+              </a:defRPr>
+            </a:lvl9pPr>
+          </a:lstStyle>
+          <a:p>
+            <a:r>
+              <a:rPr lang="sv-SE" dirty="0">
+                <a:sym typeface="Georgia" charset="0"/>
+              </a:rPr>
+              <a:t>Project Management / Timeplan / Todos</a:t>
+            </a:r>
+          </a:p>
+          <a:p>
+            <a:pPr lvl="1"/>
+            <a:r>
+              <a:rPr lang="sv-SE" dirty="0">
+                <a:sym typeface="Georgia" charset="0"/>
+              </a:rPr>
+              <a:t>Leantime</a:t>
+            </a:r>
+          </a:p>
+          <a:p>
+            <a:pPr lvl="1"/>
+            <a:r>
+              <a:rPr lang="sv-SE" dirty="0">
+                <a:sym typeface="Georgia" charset="0"/>
+              </a:rPr>
+              <a:t>Github Project</a:t>
+            </a:r>
+          </a:p>
+          <a:p>
+            <a:r>
+              <a:rPr lang="sv-SE" dirty="0">
+                <a:sym typeface="Georgia" charset="0"/>
+              </a:rPr>
+              <a:t>Requirments / Testcases / Design</a:t>
+            </a:r>
+          </a:p>
+          <a:p>
+            <a:pPr lvl="1"/>
+            <a:r>
+              <a:rPr lang="sv-SE" dirty="0">
+                <a:sym typeface="Georgia" charset="0"/>
+              </a:rPr>
+              <a:t>OSRMT</a:t>
+            </a:r>
+          </a:p>
+          <a:p>
+            <a:r>
+              <a:rPr lang="sv-SE" dirty="0">
+                <a:sym typeface="Georgia" charset="0"/>
+              </a:rPr>
+              <a:t>Versioning</a:t>
+            </a:r>
+          </a:p>
+          <a:p>
+            <a:pPr lvl="1"/>
+            <a:r>
+              <a:rPr lang="sv-SE" dirty="0">
+                <a:sym typeface="Georgia" charset="0"/>
+              </a:rPr>
+              <a:t>Git</a:t>
+            </a:r>
+          </a:p>
+          <a:p>
+            <a:r>
+              <a:rPr lang="sv-SE" dirty="0">
+                <a:sym typeface="Georgia" charset="0"/>
+              </a:rPr>
+              <a:t>Reporting / Writing Reports</a:t>
+            </a:r>
+          </a:p>
+          <a:p>
+            <a:pPr lvl="1"/>
+            <a:r>
+              <a:rPr lang="sv-SE" dirty="0">
+                <a:sym typeface="Georgia" charset="0"/>
+              </a:rPr>
+              <a:t>Overleaf -&gt; Andreas is the host</a:t>
+            </a:r>
+          </a:p>
+          <a:p>
+            <a:r>
+              <a:rPr lang="sv-SE" dirty="0">
+                <a:sym typeface="Georgia" charset="0"/>
+              </a:rPr>
+              <a:t>Programming</a:t>
+            </a:r>
+          </a:p>
+          <a:p>
+            <a:pPr lvl="1"/>
+            <a:r>
+              <a:rPr lang="sv-SE" dirty="0">
+                <a:sym typeface="Georgia" charset="0"/>
+              </a:rPr>
+              <a:t>Tera Term (Terminal)</a:t>
+            </a:r>
+          </a:p>
+          <a:p>
+            <a:pPr lvl="1"/>
+            <a:r>
+              <a:rPr lang="sv-SE" dirty="0">
+                <a:sym typeface="Georgia" charset="0"/>
+              </a:rPr>
+              <a:t>Atmel Studio</a:t>
+            </a:r>
+          </a:p>
+          <a:p>
+            <a:pPr lvl="1"/>
+            <a:r>
+              <a:rPr lang="sv-SE" dirty="0">
+                <a:sym typeface="Georgia" charset="0"/>
+              </a:rPr>
+              <a:t>Local Computer of Andreas -&gt; setup with RDP</a:t>
+            </a:r>
+          </a:p>
+          <a:p>
+            <a:r>
+              <a:rPr lang="sv-SE" dirty="0">
+                <a:sym typeface="Georgia" charset="0"/>
+              </a:rPr>
+              <a:t>Communication</a:t>
+            </a:r>
+          </a:p>
+          <a:p>
+            <a:pPr lvl="1"/>
+            <a:r>
+              <a:rPr lang="sv-SE" dirty="0">
+                <a:sym typeface="Georgia" charset="0"/>
+              </a:rPr>
+              <a:t>Virtual Whiteboard: Mural</a:t>
+            </a:r>
+          </a:p>
+          <a:p>
+            <a:pPr lvl="1"/>
+            <a:r>
+              <a:rPr lang="sv-SE" dirty="0">
+                <a:sym typeface="Georgia" charset="0"/>
+              </a:rPr>
+              <a:t>Troubleshooting: Microsoft Teams</a:t>
+            </a:r>
+          </a:p>
+          <a:p>
+            <a:pPr lvl="1"/>
+            <a:r>
+              <a:rPr lang="sv-SE" dirty="0">
+                <a:sym typeface="Georgia" charset="0"/>
+              </a:rPr>
+              <a:t>Talking/Meeting: Discord</a:t>
+            </a:r>
+          </a:p>
+          <a:p>
+            <a:endParaRPr lang="sv-SE" dirty="0">
+              <a:sym typeface="Georgia" charset="0"/>
+            </a:endParaRPr>
+          </a:p>
+        </p:txBody>
+      </p:sp>
+    </p:spTree>
+    <p:extLst>
+      <p:ext uri="{BB962C8B-B14F-4D97-AF65-F5344CB8AC3E}">
+        <p14:creationId xmlns:p14="http://schemas.microsoft.com/office/powerpoint/2010/main" val="953944235"/>
+      </p:ext>
+    </p:extLst>
+  </p:cSld>
+  <p:clrMapOvr>
+    <a:masterClrMapping/>
+  </p:clrMapOvr>
+</p:sld>
+</file>
+
+<file path=ppt/slides/slide16.xml><?xml version="1.0" encoding="utf-8"?>
+<p:sld xmlns:a="http://schemas.openxmlformats.org/drawingml/2006/main" xmlns:r="http://schemas.openxmlformats.org/officeDocument/2006/relationships" xmlns:p="http://schemas.openxmlformats.org/presentationml/2006/main">
+  <p:cSld>
     <p:bg>
       <p:bgPr>
         <a:solidFill>
@@ -11499,7 +14594,7 @@
                   <a:spcPts val="600"/>
                 </a:spcAft>
               </a:pPr>
-              <a:t>10</a:t>
+              <a:t>16</a:t>
             </a:fld>
             <a:endParaRPr lang="en-US"/>
           </a:p>
@@ -11556,14 +14651,14 @@
           <p:nvPr>
             <p:extLst>
               <p:ext uri="{D42A27DB-BD31-4B8C-83A1-F6EECF244321}">
-                <p14:modId xmlns:p14="http://schemas.microsoft.com/office/powerpoint/2010/main" val="2799957180"/>
+                <p14:modId xmlns:p14="http://schemas.microsoft.com/office/powerpoint/2010/main" val="251652228"/>
               </p:ext>
             </p:extLst>
           </p:nvPr>
         </p:nvGraphicFramePr>
         <p:xfrm>
           <a:off x="878681" y="1736527"/>
-          <a:ext cx="10565604" cy="4535686"/>
+          <a:ext cx="10565604" cy="4639963"/>
         </p:xfrm>
         <a:graphic>
           <a:graphicData uri="http://schemas.openxmlformats.org/drawingml/2006/table">
@@ -11601,7 +14696,7 @@
                   </a:extLst>
                 </a:gridCol>
               </a:tblGrid>
-              <a:tr h="693354">
+              <a:tr h="611448">
                 <a:tc>
                   <a:txBody>
                     <a:bodyPr/>
@@ -11662,7 +14757,7 @@
                   </a:ext>
                 </a:extLst>
               </a:tr>
-              <a:tr h="702983">
+              <a:tr h="619939">
                 <a:tc>
                   <a:txBody>
                     <a:bodyPr/>
@@ -11750,7 +14845,7 @@
                   </a:ext>
                 </a:extLst>
               </a:tr>
-              <a:tr h="1733383">
+              <a:tr h="1528618">
                 <a:tc>
                   <a:txBody>
                     <a:bodyPr/>
@@ -11852,7 +14947,7 @@
                   </a:ext>
                 </a:extLst>
               </a:tr>
-              <a:tr h="702983">
+              <a:tr h="619939">
                 <a:tc>
                   <a:txBody>
                     <a:bodyPr/>
@@ -11917,7 +15012,7 @@
                   </a:ext>
                 </a:extLst>
               </a:tr>
-              <a:tr h="702983">
+              <a:tr h="619939">
                 <a:tc>
                   <a:txBody>
                     <a:bodyPr/>
@@ -11978,6 +15073,68 @@
                   </a:ext>
                 </a:extLst>
               </a:tr>
+              <a:tr h="619939">
+                <a:tc>
+                  <a:txBody>
+                    <a:bodyPr/>
+                    <a:lstStyle/>
+                    <a:p>
+                      <a:r>
+                        <a:rPr lang="de-DE" dirty="0"/>
+                        <a:t>Developer</a:t>
+                      </a:r>
+                    </a:p>
+                  </a:txBody>
+                  <a:tcPr/>
+                </a:tc>
+                <a:tc>
+                  <a:txBody>
+                    <a:bodyPr/>
+                    <a:lstStyle/>
+                    <a:p>
+                      <a:endParaRPr lang="de-DE" dirty="0"/>
+                    </a:p>
+                  </a:txBody>
+                  <a:tcPr/>
+                </a:tc>
+                <a:tc>
+                  <a:txBody>
+                    <a:bodyPr/>
+                    <a:lstStyle/>
+                    <a:p>
+                      <a:r>
+                        <a:rPr lang="de-DE" dirty="0" err="1"/>
+                        <a:t>Aymen</a:t>
+                      </a:r>
+                      <a:r>
+                        <a:rPr lang="de-DE" dirty="0"/>
+                        <a:t> </a:t>
+                      </a:r>
+                      <a:r>
+                        <a:rPr lang="de-DE" dirty="0" err="1"/>
+                        <a:t>Nouidha</a:t>
+                      </a:r>
+                      <a:endParaRPr lang="de-DE" dirty="0"/>
+                    </a:p>
+                  </a:txBody>
+                  <a:tcPr/>
+                </a:tc>
+                <a:tc>
+                  <a:txBody>
+                    <a:bodyPr/>
+                    <a:lstStyle/>
+                    <a:p>
+                      <a:endParaRPr lang="de-DE" dirty="0"/>
+                    </a:p>
+                  </a:txBody>
+                  <a:tcPr/>
+                </a:tc>
+                <a:extLst>
+                  <a:ext uri="{0D108BD9-81ED-4DB2-BD59-A6C34878D82A}">
+                    <a16:rowId xmlns:a16="http://schemas.microsoft.com/office/drawing/2014/main" val="2799143300"/>
+                  </a:ext>
+                </a:extLst>
+              </a:tr>
             </a:tbl>
           </a:graphicData>
         </a:graphic>
@@ -11986,6 +15143,453 @@
     <p:extLst>
       <p:ext uri="{BB962C8B-B14F-4D97-AF65-F5344CB8AC3E}">
         <p14:creationId xmlns:p14="http://schemas.microsoft.com/office/powerpoint/2010/main" val="2234789826"/>
+      </p:ext>
+    </p:extLst>
+  </p:cSld>
+  <p:clrMapOvr>
+    <a:masterClrMapping/>
+  </p:clrMapOvr>
+</p:sld>
+</file>
+
+<file path=ppt/slides/slide17.xml><?xml version="1.0" encoding="utf-8"?>
+<p:sld xmlns:a="http://schemas.openxmlformats.org/drawingml/2006/main" xmlns:r="http://schemas.openxmlformats.org/officeDocument/2006/relationships" xmlns:p="http://schemas.openxmlformats.org/presentationml/2006/main" show="0">
+  <p:cSld>
+    <p:spTree>
+      <p:nvGrpSpPr>
+        <p:cNvPr id="1" name=""/>
+        <p:cNvGrpSpPr/>
+        <p:nvPr/>
+      </p:nvGrpSpPr>
+      <p:grpSpPr>
+        <a:xfrm>
+          <a:off x="0" y="0"/>
+          <a:ext cx="0" cy="0"/>
+          <a:chOff x="0" y="0"/>
+          <a:chExt cx="0" cy="0"/>
+        </a:xfrm>
+      </p:grpSpPr>
+      <p:sp>
+        <p:nvSpPr>
+          <p:cNvPr id="20" name="Rectangle 19">
+            <a:extLst>
+              <a:ext uri="{FF2B5EF4-FFF2-40B4-BE49-F238E27FC236}">
+                <a16:creationId xmlns:a16="http://schemas.microsoft.com/office/drawing/2014/main" id="{A4AC5506-6312-4701-8D3C-40187889A947}"/>
+              </a:ext>
+              <a:ext uri="{C183D7F6-B498-43B3-948B-1728B52AA6E4}">
+                <adec:decorative xmlns:adec="http://schemas.microsoft.com/office/drawing/2017/decorative" val="1"/>
+              </a:ext>
+            </a:extLst>
+          </p:cNvPr>
+          <p:cNvSpPr>
+            <a:spLocks noGrp="1" noRot="1" noChangeAspect="1" noMove="1" noResize="1" noEditPoints="1" noAdjustHandles="1" noChangeArrowheads="1" noChangeShapeType="1" noTextEdit="1"/>
+          </p:cNvSpPr>
+          <p:nvPr>
+            <p:extLst>
+              <p:ext uri="{386F3935-93C4-4BCD-93E2-E3B085C9AB24}">
+                <p16:designElem xmlns:p16="http://schemas.microsoft.com/office/powerpoint/2015/main" val="1"/>
+              </p:ext>
+            </p:extLst>
+          </p:nvPr>
+        </p:nvSpPr>
+        <p:spPr>
+          <a:xfrm>
+            <a:off x="0" y="651752"/>
+            <a:ext cx="12192000" cy="736551"/>
+          </a:xfrm>
+          <a:prstGeom prst="rect">
+            <a:avLst/>
+          </a:prstGeom>
+          <a:solidFill>
+            <a:schemeClr val="tx1"/>
+          </a:solidFill>
+          <a:ln>
+            <a:noFill/>
+          </a:ln>
+        </p:spPr>
+        <p:style>
+          <a:lnRef idx="2">
+            <a:schemeClr val="accent1">
+              <a:shade val="50000"/>
+            </a:schemeClr>
+          </a:lnRef>
+          <a:fillRef idx="1">
+            <a:schemeClr val="accent1"/>
+          </a:fillRef>
+          <a:effectRef idx="0">
+            <a:schemeClr val="accent1"/>
+          </a:effectRef>
+          <a:fontRef idx="minor">
+            <a:schemeClr val="lt1"/>
+          </a:fontRef>
+        </p:style>
+        <p:txBody>
+          <a:bodyPr rtlCol="0" anchor="ctr"/>
+          <a:lstStyle/>
+          <a:p>
+            <a:pPr algn="ctr"/>
+            <a:endParaRPr lang="en-US"/>
+          </a:p>
+        </p:txBody>
+      </p:sp>
+      <p:sp>
+        <p:nvSpPr>
+          <p:cNvPr id="2" name="Rubrik 1"/>
+          <p:cNvSpPr>
+            <a:spLocks noGrp="1"/>
+          </p:cNvSpPr>
+          <p:nvPr>
+            <p:ph type="title"/>
+          </p:nvPr>
+        </p:nvSpPr>
+        <p:spPr>
+          <a:xfrm>
+            <a:off x="556532" y="643467"/>
+            <a:ext cx="11210925" cy="744836"/>
+          </a:xfrm>
+        </p:spPr>
+        <p:txBody>
+          <a:bodyPr vert="horz" lIns="91440" tIns="45720" rIns="91440" bIns="45720" rtlCol="0" anchor="ctr">
+            <a:normAutofit/>
+          </a:bodyPr>
+          <a:lstStyle/>
+          <a:p>
+            <a:pPr algn="ctr">
+              <a:lnSpc>
+                <a:spcPct val="90000"/>
+              </a:lnSpc>
+            </a:pPr>
+            <a:r>
+              <a:rPr lang="en-US" sz="3200" kern="1200" dirty="0">
+                <a:solidFill>
+                  <a:schemeClr val="bg1"/>
+                </a:solidFill>
+                <a:latin typeface="+mj-lt"/>
+                <a:ea typeface="+mj-ea"/>
+                <a:cs typeface="+mj-cs"/>
+              </a:rPr>
+              <a:t>3. Victor </a:t>
+            </a:r>
+            <a:r>
+              <a:rPr lang="en-US" sz="3200" kern="1200" dirty="0" err="1">
+                <a:solidFill>
+                  <a:schemeClr val="bg1"/>
+                </a:solidFill>
+                <a:latin typeface="+mj-lt"/>
+                <a:ea typeface="+mj-ea"/>
+                <a:cs typeface="+mj-cs"/>
+              </a:rPr>
+              <a:t>Ebirim</a:t>
+            </a:r>
+            <a:r>
+              <a:rPr lang="en-US" sz="3200" kern="1200" dirty="0">
+                <a:solidFill>
+                  <a:schemeClr val="bg1"/>
+                </a:solidFill>
+                <a:latin typeface="+mj-lt"/>
+                <a:ea typeface="+mj-ea"/>
+                <a:cs typeface="+mj-cs"/>
+              </a:rPr>
+              <a:t> / Tasks</a:t>
+            </a:r>
+          </a:p>
+        </p:txBody>
+      </p:sp>
+      <p:sp>
+        <p:nvSpPr>
+          <p:cNvPr id="3" name="Platshållare för bildnummer 2"/>
+          <p:cNvSpPr>
+            <a:spLocks noGrp="1"/>
+          </p:cNvSpPr>
+          <p:nvPr>
+            <p:ph type="sldNum" sz="quarter" idx="12"/>
+          </p:nvPr>
+        </p:nvSpPr>
+        <p:spPr>
+          <a:xfrm>
+            <a:off x="8610600" y="6356350"/>
+            <a:ext cx="2743200" cy="365125"/>
+          </a:xfrm>
+        </p:spPr>
+        <p:txBody>
+          <a:bodyPr vert="horz" lIns="91440" tIns="45720" rIns="91440" bIns="45720" rtlCol="0" anchor="ctr">
+            <a:normAutofit/>
+          </a:bodyPr>
+          <a:lstStyle/>
+          <a:p>
+            <a:pPr>
+              <a:spcAft>
+                <a:spcPts val="600"/>
+              </a:spcAft>
+            </a:pPr>
+            <a:fld id="{E21FFC3D-594F-4CAE-AAA5-4C3555641468}" type="slidenum">
+              <a:rPr lang="en-US" smtClean="0"/>
+              <a:pPr>
+                <a:spcAft>
+                  <a:spcPts val="600"/>
+                </a:spcAft>
+              </a:pPr>
+              <a:t>17</a:t>
+            </a:fld>
+            <a:endParaRPr lang="en-US"/>
+          </a:p>
+        </p:txBody>
+      </p:sp>
+      <p:pic>
+        <p:nvPicPr>
+          <p:cNvPr id="6" name="Grafik 5">
+            <a:extLst>
+              <a:ext uri="{FF2B5EF4-FFF2-40B4-BE49-F238E27FC236}">
+                <a16:creationId xmlns:a16="http://schemas.microsoft.com/office/drawing/2014/main" id="{8827F3E6-3E8C-45BB-A02F-A46587D2133B}"/>
+              </a:ext>
+            </a:extLst>
+          </p:cNvPr>
+          <p:cNvPicPr>
+            <a:picLocks noChangeAspect="1"/>
+          </p:cNvPicPr>
+          <p:nvPr/>
+        </p:nvPicPr>
+        <p:blipFill>
+          <a:blip r:embed="rId2">
+            <a:extLst>
+              <a:ext uri="{28A0092B-C50C-407E-A947-70E740481C1C}">
+                <a14:useLocalDpi xmlns:a14="http://schemas.microsoft.com/office/drawing/2010/main" val="0"/>
+              </a:ext>
+            </a:extLst>
+          </a:blip>
+          <a:stretch>
+            <a:fillRect/>
+          </a:stretch>
+        </p:blipFill>
+        <p:spPr>
+          <a:xfrm>
+            <a:off x="302729" y="697477"/>
+            <a:ext cx="681475" cy="649814"/>
+          </a:xfrm>
+          <a:prstGeom prst="rect">
+            <a:avLst/>
+          </a:prstGeom>
+        </p:spPr>
+      </p:pic>
+      <p:sp>
+        <p:nvSpPr>
+          <p:cNvPr id="9" name="Platshållare för text 3">
+            <a:extLst>
+              <a:ext uri="{FF2B5EF4-FFF2-40B4-BE49-F238E27FC236}">
+                <a16:creationId xmlns:a16="http://schemas.microsoft.com/office/drawing/2014/main" id="{24F2ABD0-A504-4FAB-981E-8DA9BE4F0B53}"/>
+              </a:ext>
+            </a:extLst>
+          </p:cNvPr>
+          <p:cNvSpPr txBox="1">
+            <a:spLocks/>
+          </p:cNvSpPr>
+          <p:nvPr/>
+        </p:nvSpPr>
+        <p:spPr>
+          <a:xfrm>
+            <a:off x="1103449" y="1783357"/>
+            <a:ext cx="9985107" cy="4655505"/>
+          </a:xfrm>
+          <a:prstGeom prst="rect">
+            <a:avLst/>
+          </a:prstGeom>
+        </p:spPr>
+        <p:txBody>
+          <a:bodyPr vert="horz" lIns="91440" tIns="45720" rIns="91440" bIns="45720" rtlCol="0">
+            <a:normAutofit/>
+          </a:bodyPr>
+          <a:lstStyle>
+            <a:lvl1pPr marL="228600" indent="-228600" algn="l" defTabSz="914400" rtl="0" eaLnBrk="1" latinLnBrk="0" hangingPunct="1">
+              <a:lnSpc>
+                <a:spcPct val="90000"/>
+              </a:lnSpc>
+              <a:spcBef>
+                <a:spcPts val="1000"/>
+              </a:spcBef>
+              <a:buFont typeface="Arial" panose="020B0604020202020204" pitchFamily="34" charset="0"/>
+              <a:buChar char="•"/>
+              <a:defRPr sz="2800" kern="1200">
+                <a:solidFill>
+                  <a:schemeClr val="tx1"/>
+                </a:solidFill>
+                <a:latin typeface="+mn-lt"/>
+                <a:ea typeface="+mn-ea"/>
+                <a:cs typeface="+mn-cs"/>
+              </a:defRPr>
+            </a:lvl1pPr>
+            <a:lvl2pPr marL="685800" indent="-228600" algn="l" defTabSz="914400" rtl="0" eaLnBrk="1" latinLnBrk="0" hangingPunct="1">
+              <a:lnSpc>
+                <a:spcPct val="90000"/>
+              </a:lnSpc>
+              <a:spcBef>
+                <a:spcPts val="500"/>
+              </a:spcBef>
+              <a:buFont typeface="Arial" panose="020B0604020202020204" pitchFamily="34" charset="0"/>
+              <a:buChar char="•"/>
+              <a:defRPr sz="2400" kern="1200">
+                <a:solidFill>
+                  <a:schemeClr val="tx1"/>
+                </a:solidFill>
+                <a:latin typeface="+mn-lt"/>
+                <a:ea typeface="+mn-ea"/>
+                <a:cs typeface="+mn-cs"/>
+              </a:defRPr>
+            </a:lvl2pPr>
+            <a:lvl3pPr marL="1143000" indent="-228600" algn="l" defTabSz="914400" rtl="0" eaLnBrk="1" latinLnBrk="0" hangingPunct="1">
+              <a:lnSpc>
+                <a:spcPct val="90000"/>
+              </a:lnSpc>
+              <a:spcBef>
+                <a:spcPts val="500"/>
+              </a:spcBef>
+              <a:buFont typeface="Arial" panose="020B0604020202020204" pitchFamily="34" charset="0"/>
+              <a:buChar char="•"/>
+              <a:defRPr sz="2000" kern="1200">
+                <a:solidFill>
+                  <a:schemeClr val="tx1"/>
+                </a:solidFill>
+                <a:latin typeface="+mn-lt"/>
+                <a:ea typeface="+mn-ea"/>
+                <a:cs typeface="+mn-cs"/>
+              </a:defRPr>
+            </a:lvl3pPr>
+            <a:lvl4pPr marL="1600200" indent="-228600" algn="l" defTabSz="914400" rtl="0" eaLnBrk="1" latinLnBrk="0" hangingPunct="1">
+              <a:lnSpc>
+                <a:spcPct val="90000"/>
+              </a:lnSpc>
+              <a:spcBef>
+                <a:spcPts val="500"/>
+              </a:spcBef>
+              <a:buFont typeface="Arial" panose="020B0604020202020204" pitchFamily="34" charset="0"/>
+              <a:buChar char="•"/>
+              <a:defRPr sz="1800" kern="1200">
+                <a:solidFill>
+                  <a:schemeClr val="tx1"/>
+                </a:solidFill>
+                <a:latin typeface="+mn-lt"/>
+                <a:ea typeface="+mn-ea"/>
+                <a:cs typeface="+mn-cs"/>
+              </a:defRPr>
+            </a:lvl4pPr>
+            <a:lvl5pPr marL="2057400" indent="-228600" algn="l" defTabSz="914400" rtl="0" eaLnBrk="1" latinLnBrk="0" hangingPunct="1">
+              <a:lnSpc>
+                <a:spcPct val="90000"/>
+              </a:lnSpc>
+              <a:spcBef>
+                <a:spcPts val="500"/>
+              </a:spcBef>
+              <a:buFont typeface="Arial" panose="020B0604020202020204" pitchFamily="34" charset="0"/>
+              <a:buChar char="•"/>
+              <a:defRPr sz="1800" kern="1200">
+                <a:solidFill>
+                  <a:schemeClr val="tx1"/>
+                </a:solidFill>
+                <a:latin typeface="+mn-lt"/>
+                <a:ea typeface="+mn-ea"/>
+                <a:cs typeface="+mn-cs"/>
+              </a:defRPr>
+            </a:lvl5pPr>
+            <a:lvl6pPr marL="2514600" indent="-228600" algn="l" defTabSz="914400" rtl="0" eaLnBrk="1" latinLnBrk="0" hangingPunct="1">
+              <a:lnSpc>
+                <a:spcPct val="90000"/>
+              </a:lnSpc>
+              <a:spcBef>
+                <a:spcPts val="500"/>
+              </a:spcBef>
+              <a:buFont typeface="Arial" panose="020B0604020202020204" pitchFamily="34" charset="0"/>
+              <a:buChar char="•"/>
+              <a:defRPr sz="1800" kern="1200">
+                <a:solidFill>
+                  <a:schemeClr val="tx1"/>
+                </a:solidFill>
+                <a:latin typeface="+mn-lt"/>
+                <a:ea typeface="+mn-ea"/>
+                <a:cs typeface="+mn-cs"/>
+              </a:defRPr>
+            </a:lvl6pPr>
+            <a:lvl7pPr marL="2971800" indent="-228600" algn="l" defTabSz="914400" rtl="0" eaLnBrk="1" latinLnBrk="0" hangingPunct="1">
+              <a:lnSpc>
+                <a:spcPct val="90000"/>
+              </a:lnSpc>
+              <a:spcBef>
+                <a:spcPts val="500"/>
+              </a:spcBef>
+              <a:buFont typeface="Arial" panose="020B0604020202020204" pitchFamily="34" charset="0"/>
+              <a:buChar char="•"/>
+              <a:defRPr sz="1800" kern="1200">
+                <a:solidFill>
+                  <a:schemeClr val="tx1"/>
+                </a:solidFill>
+                <a:latin typeface="+mn-lt"/>
+                <a:ea typeface="+mn-ea"/>
+                <a:cs typeface="+mn-cs"/>
+              </a:defRPr>
+            </a:lvl7pPr>
+            <a:lvl8pPr marL="3429000" indent="-228600" algn="l" defTabSz="914400" rtl="0" eaLnBrk="1" latinLnBrk="0" hangingPunct="1">
+              <a:lnSpc>
+                <a:spcPct val="90000"/>
+              </a:lnSpc>
+              <a:spcBef>
+                <a:spcPts val="500"/>
+              </a:spcBef>
+              <a:buFont typeface="Arial" panose="020B0604020202020204" pitchFamily="34" charset="0"/>
+              <a:buChar char="•"/>
+              <a:defRPr sz="1800" kern="1200">
+                <a:solidFill>
+                  <a:schemeClr val="tx1"/>
+                </a:solidFill>
+                <a:latin typeface="+mn-lt"/>
+                <a:ea typeface="+mn-ea"/>
+                <a:cs typeface="+mn-cs"/>
+              </a:defRPr>
+            </a:lvl8pPr>
+            <a:lvl9pPr marL="3886200" indent="-228600" algn="l" defTabSz="914400" rtl="0" eaLnBrk="1" latinLnBrk="0" hangingPunct="1">
+              <a:lnSpc>
+                <a:spcPct val="90000"/>
+              </a:lnSpc>
+              <a:spcBef>
+                <a:spcPts val="500"/>
+              </a:spcBef>
+              <a:buFont typeface="Arial" panose="020B0604020202020204" pitchFamily="34" charset="0"/>
+              <a:buChar char="•"/>
+              <a:defRPr sz="1800" kern="1200">
+                <a:solidFill>
+                  <a:schemeClr val="tx1"/>
+                </a:solidFill>
+                <a:latin typeface="+mn-lt"/>
+                <a:ea typeface="+mn-ea"/>
+                <a:cs typeface="+mn-cs"/>
+              </a:defRPr>
+            </a:lvl9pPr>
+          </a:lstStyle>
+          <a:p>
+            <a:r>
+              <a:rPr lang="sv-SE" dirty="0">
+                <a:sym typeface="Georgia" charset="0"/>
+              </a:rPr>
+              <a:t>Question:</a:t>
+            </a:r>
+          </a:p>
+          <a:p>
+            <a:pPr lvl="1"/>
+            <a:r>
+              <a:rPr lang="sv-SE" dirty="0">
+                <a:sym typeface="Georgia" charset="0"/>
+              </a:rPr>
+              <a:t>Should we combine tcb create and tcb install into one create task function?</a:t>
+            </a:r>
+          </a:p>
+          <a:p>
+            <a:endParaRPr lang="sv-SE" dirty="0">
+              <a:sym typeface="Georgia" charset="0"/>
+            </a:endParaRPr>
+          </a:p>
+        </p:txBody>
+      </p:sp>
+    </p:spTree>
+    <p:extLst>
+      <p:ext uri="{BB962C8B-B14F-4D97-AF65-F5344CB8AC3E}">
+        <p14:creationId xmlns:p14="http://schemas.microsoft.com/office/powerpoint/2010/main" val="272416549"/>
       </p:ext>
     </p:extLst>
   </p:cSld>
@@ -12143,7 +15747,7 @@
             <p:ph idx="1"/>
             <p:extLst>
               <p:ext uri="{D42A27DB-BD31-4B8C-83A1-F6EECF244321}">
-                <p14:modId xmlns:p14="http://schemas.microsoft.com/office/powerpoint/2010/main" val="267194428"/>
+                <p14:modId xmlns:p14="http://schemas.microsoft.com/office/powerpoint/2010/main" val="1390281529"/>
               </p:ext>
             </p:extLst>
           </p:nvPr>
@@ -13245,7 +16849,7 @@
             <p:ph idx="1"/>
             <p:extLst>
               <p:ext uri="{D42A27DB-BD31-4B8C-83A1-F6EECF244321}">
-                <p14:modId xmlns:p14="http://schemas.microsoft.com/office/powerpoint/2010/main" val="2134965412"/>
+                <p14:modId xmlns:p14="http://schemas.microsoft.com/office/powerpoint/2010/main" val="1784749735"/>
               </p:ext>
             </p:extLst>
           </p:nvPr>
@@ -13559,10 +17163,30 @@
                     <a:bodyPr/>
                     <a:lstStyle/>
                     <a:p>
+                      <a:pPr marL="0" marR="0" lvl="0" indent="0" algn="l" defTabSz="914400" rtl="0" eaLnBrk="1" fontAlgn="auto" latinLnBrk="0" hangingPunct="1">
+                        <a:lnSpc>
+                          <a:spcPct val="100000"/>
+                        </a:lnSpc>
+                        <a:spcBef>
+                          <a:spcPts val="0"/>
+                        </a:spcBef>
+                        <a:spcAft>
+                          <a:spcPts val="0"/>
+                        </a:spcAft>
+                        <a:buClrTx/>
+                        <a:buSzTx/>
+                        <a:buFontTx/>
+                        <a:buNone/>
+                        <a:tabLst/>
+                        <a:defRPr/>
+                      </a:pPr>
                       <a:r>
                         <a:rPr lang="de-DE" sz="1500" dirty="0"/>
-                        <a:t>Tasks</a:t>
+                        <a:t>Scheduling</a:t>
                       </a:r>
+                    </a:p>
+                    <a:p>
+                      <a:endParaRPr lang="de-DE" sz="1500" dirty="0"/>
                     </a:p>
                   </a:txBody>
                   <a:tcPr marL="80808" marR="80808" marT="40404" marB="40404"/>
@@ -13599,7 +17223,7 @@
                     <a:p>
                       <a:r>
                         <a:rPr lang="de-DE" sz="1500" dirty="0"/>
-                        <a:t>Scheduling</a:t>
+                        <a:t>Tasks</a:t>
                       </a:r>
                     </a:p>
                   </a:txBody>
@@ -13876,6 +17500,549 @@
                 </a:spcAft>
               </a:pPr>
               <a:t>5</a:t>
+            </a:fld>
+            <a:endParaRPr lang="en-US"/>
+          </a:p>
+        </p:txBody>
+      </p:sp>
+      <p:pic>
+        <p:nvPicPr>
+          <p:cNvPr id="6" name="Grafik 5">
+            <a:extLst>
+              <a:ext uri="{FF2B5EF4-FFF2-40B4-BE49-F238E27FC236}">
+                <a16:creationId xmlns:a16="http://schemas.microsoft.com/office/drawing/2014/main" id="{8827F3E6-3E8C-45BB-A02F-A46587D2133B}"/>
+              </a:ext>
+            </a:extLst>
+          </p:cNvPr>
+          <p:cNvPicPr>
+            <a:picLocks noChangeAspect="1"/>
+          </p:cNvPicPr>
+          <p:nvPr/>
+        </p:nvPicPr>
+        <p:blipFill>
+          <a:blip r:embed="rId2">
+            <a:extLst>
+              <a:ext uri="{28A0092B-C50C-407E-A947-70E740481C1C}">
+                <a14:useLocalDpi xmlns:a14="http://schemas.microsoft.com/office/drawing/2010/main" val="0"/>
+              </a:ext>
+            </a:extLst>
+          </a:blip>
+          <a:stretch>
+            <a:fillRect/>
+          </a:stretch>
+        </p:blipFill>
+        <p:spPr>
+          <a:xfrm>
+            <a:off x="302729" y="697477"/>
+            <a:ext cx="681475" cy="649814"/>
+          </a:xfrm>
+          <a:prstGeom prst="rect">
+            <a:avLst/>
+          </a:prstGeom>
+        </p:spPr>
+      </p:pic>
+      <p:sp>
+        <p:nvSpPr>
+          <p:cNvPr id="9" name="Platshållare för text 3">
+            <a:extLst>
+              <a:ext uri="{FF2B5EF4-FFF2-40B4-BE49-F238E27FC236}">
+                <a16:creationId xmlns:a16="http://schemas.microsoft.com/office/drawing/2014/main" id="{24F2ABD0-A504-4FAB-981E-8DA9BE4F0B53}"/>
+              </a:ext>
+            </a:extLst>
+          </p:cNvPr>
+          <p:cNvSpPr txBox="1">
+            <a:spLocks/>
+          </p:cNvSpPr>
+          <p:nvPr/>
+        </p:nvSpPr>
+        <p:spPr>
+          <a:xfrm>
+            <a:off x="1103449" y="1783357"/>
+            <a:ext cx="9985107" cy="4655505"/>
+          </a:xfrm>
+          <a:prstGeom prst="rect">
+            <a:avLst/>
+          </a:prstGeom>
+        </p:spPr>
+        <p:txBody>
+          <a:bodyPr vert="horz" lIns="91440" tIns="45720" rIns="91440" bIns="45720" rtlCol="0">
+            <a:normAutofit fontScale="92500" lnSpcReduction="20000"/>
+          </a:bodyPr>
+          <a:lstStyle>
+            <a:lvl1pPr marL="228600" indent="-228600" algn="l" defTabSz="914400" rtl="0" eaLnBrk="1" latinLnBrk="0" hangingPunct="1">
+              <a:lnSpc>
+                <a:spcPct val="90000"/>
+              </a:lnSpc>
+              <a:spcBef>
+                <a:spcPts val="1000"/>
+              </a:spcBef>
+              <a:buFont typeface="Arial" panose="020B0604020202020204" pitchFamily="34" charset="0"/>
+              <a:buChar char="•"/>
+              <a:defRPr sz="2800" kern="1200">
+                <a:solidFill>
+                  <a:schemeClr val="tx1"/>
+                </a:solidFill>
+                <a:latin typeface="+mn-lt"/>
+                <a:ea typeface="+mn-ea"/>
+                <a:cs typeface="+mn-cs"/>
+              </a:defRPr>
+            </a:lvl1pPr>
+            <a:lvl2pPr marL="685800" indent="-228600" algn="l" defTabSz="914400" rtl="0" eaLnBrk="1" latinLnBrk="0" hangingPunct="1">
+              <a:lnSpc>
+                <a:spcPct val="90000"/>
+              </a:lnSpc>
+              <a:spcBef>
+                <a:spcPts val="500"/>
+              </a:spcBef>
+              <a:buFont typeface="Arial" panose="020B0604020202020204" pitchFamily="34" charset="0"/>
+              <a:buChar char="•"/>
+              <a:defRPr sz="2400" kern="1200">
+                <a:solidFill>
+                  <a:schemeClr val="tx1"/>
+                </a:solidFill>
+                <a:latin typeface="+mn-lt"/>
+                <a:ea typeface="+mn-ea"/>
+                <a:cs typeface="+mn-cs"/>
+              </a:defRPr>
+            </a:lvl2pPr>
+            <a:lvl3pPr marL="1143000" indent="-228600" algn="l" defTabSz="914400" rtl="0" eaLnBrk="1" latinLnBrk="0" hangingPunct="1">
+              <a:lnSpc>
+                <a:spcPct val="90000"/>
+              </a:lnSpc>
+              <a:spcBef>
+                <a:spcPts val="500"/>
+              </a:spcBef>
+              <a:buFont typeface="Arial" panose="020B0604020202020204" pitchFamily="34" charset="0"/>
+              <a:buChar char="•"/>
+              <a:defRPr sz="2000" kern="1200">
+                <a:solidFill>
+                  <a:schemeClr val="tx1"/>
+                </a:solidFill>
+                <a:latin typeface="+mn-lt"/>
+                <a:ea typeface="+mn-ea"/>
+                <a:cs typeface="+mn-cs"/>
+              </a:defRPr>
+            </a:lvl3pPr>
+            <a:lvl4pPr marL="1600200" indent="-228600" algn="l" defTabSz="914400" rtl="0" eaLnBrk="1" latinLnBrk="0" hangingPunct="1">
+              <a:lnSpc>
+                <a:spcPct val="90000"/>
+              </a:lnSpc>
+              <a:spcBef>
+                <a:spcPts val="500"/>
+              </a:spcBef>
+              <a:buFont typeface="Arial" panose="020B0604020202020204" pitchFamily="34" charset="0"/>
+              <a:buChar char="•"/>
+              <a:defRPr sz="1800" kern="1200">
+                <a:solidFill>
+                  <a:schemeClr val="tx1"/>
+                </a:solidFill>
+                <a:latin typeface="+mn-lt"/>
+                <a:ea typeface="+mn-ea"/>
+                <a:cs typeface="+mn-cs"/>
+              </a:defRPr>
+            </a:lvl4pPr>
+            <a:lvl5pPr marL="2057400" indent="-228600" algn="l" defTabSz="914400" rtl="0" eaLnBrk="1" latinLnBrk="0" hangingPunct="1">
+              <a:lnSpc>
+                <a:spcPct val="90000"/>
+              </a:lnSpc>
+              <a:spcBef>
+                <a:spcPts val="500"/>
+              </a:spcBef>
+              <a:buFont typeface="Arial" panose="020B0604020202020204" pitchFamily="34" charset="0"/>
+              <a:buChar char="•"/>
+              <a:defRPr sz="1800" kern="1200">
+                <a:solidFill>
+                  <a:schemeClr val="tx1"/>
+                </a:solidFill>
+                <a:latin typeface="+mn-lt"/>
+                <a:ea typeface="+mn-ea"/>
+                <a:cs typeface="+mn-cs"/>
+              </a:defRPr>
+            </a:lvl5pPr>
+            <a:lvl6pPr marL="2514600" indent="-228600" algn="l" defTabSz="914400" rtl="0" eaLnBrk="1" latinLnBrk="0" hangingPunct="1">
+              <a:lnSpc>
+                <a:spcPct val="90000"/>
+              </a:lnSpc>
+              <a:spcBef>
+                <a:spcPts val="500"/>
+              </a:spcBef>
+              <a:buFont typeface="Arial" panose="020B0604020202020204" pitchFamily="34" charset="0"/>
+              <a:buChar char="•"/>
+              <a:defRPr sz="1800" kern="1200">
+                <a:solidFill>
+                  <a:schemeClr val="tx1"/>
+                </a:solidFill>
+                <a:latin typeface="+mn-lt"/>
+                <a:ea typeface="+mn-ea"/>
+                <a:cs typeface="+mn-cs"/>
+              </a:defRPr>
+            </a:lvl6pPr>
+            <a:lvl7pPr marL="2971800" indent="-228600" algn="l" defTabSz="914400" rtl="0" eaLnBrk="1" latinLnBrk="0" hangingPunct="1">
+              <a:lnSpc>
+                <a:spcPct val="90000"/>
+              </a:lnSpc>
+              <a:spcBef>
+                <a:spcPts val="500"/>
+              </a:spcBef>
+              <a:buFont typeface="Arial" panose="020B0604020202020204" pitchFamily="34" charset="0"/>
+              <a:buChar char="•"/>
+              <a:defRPr sz="1800" kern="1200">
+                <a:solidFill>
+                  <a:schemeClr val="tx1"/>
+                </a:solidFill>
+                <a:latin typeface="+mn-lt"/>
+                <a:ea typeface="+mn-ea"/>
+                <a:cs typeface="+mn-cs"/>
+              </a:defRPr>
+            </a:lvl7pPr>
+            <a:lvl8pPr marL="3429000" indent="-228600" algn="l" defTabSz="914400" rtl="0" eaLnBrk="1" latinLnBrk="0" hangingPunct="1">
+              <a:lnSpc>
+                <a:spcPct val="90000"/>
+              </a:lnSpc>
+              <a:spcBef>
+                <a:spcPts val="500"/>
+              </a:spcBef>
+              <a:buFont typeface="Arial" panose="020B0604020202020204" pitchFamily="34" charset="0"/>
+              <a:buChar char="•"/>
+              <a:defRPr sz="1800" kern="1200">
+                <a:solidFill>
+                  <a:schemeClr val="tx1"/>
+                </a:solidFill>
+                <a:latin typeface="+mn-lt"/>
+                <a:ea typeface="+mn-ea"/>
+                <a:cs typeface="+mn-cs"/>
+              </a:defRPr>
+            </a:lvl8pPr>
+            <a:lvl9pPr marL="3886200" indent="-228600" algn="l" defTabSz="914400" rtl="0" eaLnBrk="1" latinLnBrk="0" hangingPunct="1">
+              <a:lnSpc>
+                <a:spcPct val="90000"/>
+              </a:lnSpc>
+              <a:spcBef>
+                <a:spcPts val="500"/>
+              </a:spcBef>
+              <a:buFont typeface="Arial" panose="020B0604020202020204" pitchFamily="34" charset="0"/>
+              <a:buChar char="•"/>
+              <a:defRPr sz="1800" kern="1200">
+                <a:solidFill>
+                  <a:schemeClr val="tx1"/>
+                </a:solidFill>
+                <a:latin typeface="+mn-lt"/>
+                <a:ea typeface="+mn-ea"/>
+                <a:cs typeface="+mn-cs"/>
+              </a:defRPr>
+            </a:lvl9pPr>
+          </a:lstStyle>
+          <a:p>
+            <a:r>
+              <a:rPr lang="en-US" dirty="0"/>
+              <a:t>Prerequisites for scheduling: </a:t>
+            </a:r>
+          </a:p>
+          <a:p>
+            <a:r>
+              <a:rPr lang="en-US" dirty="0" err="1"/>
+              <a:t>Ready_queue</a:t>
+            </a:r>
+            <a:r>
+              <a:rPr lang="en-US" dirty="0"/>
+              <a:t> </a:t>
+            </a:r>
+          </a:p>
+          <a:p>
+            <a:r>
+              <a:rPr lang="en-US" dirty="0" err="1"/>
+              <a:t>Blocked_queue</a:t>
+            </a:r>
+            <a:r>
+              <a:rPr lang="en-US" dirty="0"/>
+              <a:t> </a:t>
+            </a:r>
+          </a:p>
+          <a:p>
+            <a:pPr lvl="1"/>
+            <a:r>
+              <a:rPr lang="en-US" dirty="0"/>
+              <a:t>When a task finishes executing it should be put back into the ready or blocked queue in the proper order depending on its order </a:t>
+            </a:r>
+          </a:p>
+          <a:p>
+            <a:r>
+              <a:rPr lang="en-US" dirty="0" err="1"/>
+              <a:t>Task_PriorityAssignement</a:t>
+            </a:r>
+            <a:r>
+              <a:rPr lang="en-US" dirty="0"/>
+              <a:t>(TCB* task, queue) </a:t>
+            </a:r>
+          </a:p>
+          <a:p>
+            <a:r>
+              <a:rPr lang="en-US" dirty="0"/>
+              <a:t>TCB struct needs to be modified to include Period and Deadline?? </a:t>
+            </a:r>
+          </a:p>
+          <a:p>
+            <a:pPr lvl="1"/>
+            <a:r>
+              <a:rPr lang="en-US" dirty="0">
+                <a:sym typeface="Wingdings" panose="05000000000000000000" pitchFamily="2" charset="2"/>
+              </a:rPr>
+              <a:t>API Seminar</a:t>
+            </a:r>
+            <a:endParaRPr lang="en-US" dirty="0"/>
+          </a:p>
+          <a:p>
+            <a:r>
+              <a:rPr lang="en-US" dirty="0"/>
+              <a:t>The scheduling of tasks happens in the time interrupt, so we should modify it </a:t>
+            </a:r>
+          </a:p>
+          <a:p>
+            <a:pPr lvl="1"/>
+            <a:r>
+              <a:rPr lang="en-US" dirty="0" err="1"/>
+              <a:t>Timer_ISR</a:t>
+            </a:r>
+            <a:r>
+              <a:rPr lang="en-US" dirty="0"/>
+              <a:t>() </a:t>
+            </a:r>
+          </a:p>
+          <a:p>
+            <a:pPr lvl="2"/>
+            <a:r>
+              <a:rPr lang="en-US" dirty="0"/>
+              <a:t>In this function we initialize and start scheduling </a:t>
+            </a:r>
+          </a:p>
+          <a:p>
+            <a:r>
+              <a:rPr lang="en-US" dirty="0" err="1"/>
+              <a:t>start_Schedular</a:t>
+            </a:r>
+            <a:r>
+              <a:rPr lang="en-US" dirty="0"/>
+              <a:t>()</a:t>
+            </a:r>
+            <a:endParaRPr lang="sv-SE" dirty="0">
+              <a:sym typeface="Georgia" charset="0"/>
+            </a:endParaRPr>
+          </a:p>
+        </p:txBody>
+      </p:sp>
+    </p:spTree>
+    <p:extLst>
+      <p:ext uri="{BB962C8B-B14F-4D97-AF65-F5344CB8AC3E}">
+        <p14:creationId xmlns:p14="http://schemas.microsoft.com/office/powerpoint/2010/main" val="3437289021"/>
+      </p:ext>
+    </p:extLst>
+  </p:cSld>
+  <p:clrMapOvr>
+    <a:masterClrMapping/>
+  </p:clrMapOvr>
+</p:sld>
+</file>
+
+<file path=ppt/slides/slide6.xml><?xml version="1.0" encoding="utf-8"?>
+<p:sld xmlns:a="http://schemas.openxmlformats.org/drawingml/2006/main" xmlns:r="http://schemas.openxmlformats.org/officeDocument/2006/relationships" xmlns:p="http://schemas.openxmlformats.org/presentationml/2006/main">
+  <p:cSld>
+    <p:spTree>
+      <p:nvGrpSpPr>
+        <p:cNvPr id="1" name=""/>
+        <p:cNvGrpSpPr/>
+        <p:nvPr/>
+      </p:nvGrpSpPr>
+      <p:grpSpPr>
+        <a:xfrm>
+          <a:off x="0" y="0"/>
+          <a:ext cx="0" cy="0"/>
+          <a:chOff x="0" y="0"/>
+          <a:chExt cx="0" cy="0"/>
+        </a:xfrm>
+      </p:grpSpPr>
+      <p:sp>
+        <p:nvSpPr>
+          <p:cNvPr id="20" name="Rectangle 19">
+            <a:extLst>
+              <a:ext uri="{FF2B5EF4-FFF2-40B4-BE49-F238E27FC236}">
+                <a16:creationId xmlns:a16="http://schemas.microsoft.com/office/drawing/2014/main" id="{A4AC5506-6312-4701-8D3C-40187889A947}"/>
+              </a:ext>
+              <a:ext uri="{C183D7F6-B498-43B3-948B-1728B52AA6E4}">
+                <adec:decorative xmlns:adec="http://schemas.microsoft.com/office/drawing/2017/decorative" val="1"/>
+              </a:ext>
+            </a:extLst>
+          </p:cNvPr>
+          <p:cNvSpPr>
+            <a:spLocks noGrp="1" noRot="1" noChangeAspect="1" noMove="1" noResize="1" noEditPoints="1" noAdjustHandles="1" noChangeArrowheads="1" noChangeShapeType="1" noTextEdit="1"/>
+          </p:cNvSpPr>
+          <p:nvPr>
+            <p:extLst>
+              <p:ext uri="{386F3935-93C4-4BCD-93E2-E3B085C9AB24}">
+                <p16:designElem xmlns:p16="http://schemas.microsoft.com/office/powerpoint/2015/main" val="1"/>
+              </p:ext>
+            </p:extLst>
+          </p:nvPr>
+        </p:nvSpPr>
+        <p:spPr>
+          <a:xfrm>
+            <a:off x="0" y="651752"/>
+            <a:ext cx="12192000" cy="736551"/>
+          </a:xfrm>
+          <a:prstGeom prst="rect">
+            <a:avLst/>
+          </a:prstGeom>
+          <a:solidFill>
+            <a:schemeClr val="tx1"/>
+          </a:solidFill>
+          <a:ln>
+            <a:noFill/>
+          </a:ln>
+        </p:spPr>
+        <p:style>
+          <a:lnRef idx="2">
+            <a:schemeClr val="accent1">
+              <a:shade val="50000"/>
+            </a:schemeClr>
+          </a:lnRef>
+          <a:fillRef idx="1">
+            <a:schemeClr val="accent1"/>
+          </a:fillRef>
+          <a:effectRef idx="0">
+            <a:schemeClr val="accent1"/>
+          </a:effectRef>
+          <a:fontRef idx="minor">
+            <a:schemeClr val="lt1"/>
+          </a:fontRef>
+        </p:style>
+        <p:txBody>
+          <a:bodyPr rtlCol="0" anchor="ctr"/>
+          <a:lstStyle/>
+          <a:p>
+            <a:pPr algn="ctr"/>
+            <a:endParaRPr lang="en-US"/>
+          </a:p>
+        </p:txBody>
+      </p:sp>
+      <p:sp>
+        <p:nvSpPr>
+          <p:cNvPr id="2" name="Rubrik 1"/>
+          <p:cNvSpPr>
+            <a:spLocks noGrp="1"/>
+          </p:cNvSpPr>
+          <p:nvPr>
+            <p:ph type="title"/>
+          </p:nvPr>
+        </p:nvSpPr>
+        <p:spPr>
+          <a:xfrm>
+            <a:off x="556532" y="643467"/>
+            <a:ext cx="11210925" cy="744836"/>
+          </a:xfrm>
+        </p:spPr>
+        <p:txBody>
+          <a:bodyPr vert="horz" lIns="91440" tIns="45720" rIns="91440" bIns="45720" rtlCol="0" anchor="ctr">
+            <a:normAutofit/>
+          </a:bodyPr>
+          <a:lstStyle/>
+          <a:p>
+            <a:pPr algn="ctr">
+              <a:lnSpc>
+                <a:spcPct val="90000"/>
+              </a:lnSpc>
+            </a:pPr>
+            <a:r>
+              <a:rPr lang="en-US" sz="3200" kern="1200" dirty="0">
+                <a:solidFill>
+                  <a:schemeClr val="bg1"/>
+                </a:solidFill>
+                <a:latin typeface="+mj-lt"/>
+                <a:ea typeface="+mj-ea"/>
+                <a:cs typeface="+mj-cs"/>
+              </a:rPr>
+              <a:t>1. </a:t>
+            </a:r>
+            <a:r>
+              <a:rPr lang="en-US" sz="3200" kern="1200" dirty="0" err="1">
+                <a:solidFill>
+                  <a:schemeClr val="bg1"/>
+                </a:solidFill>
+                <a:latin typeface="+mj-lt"/>
+                <a:ea typeface="+mj-ea"/>
+                <a:cs typeface="+mj-cs"/>
+              </a:rPr>
+              <a:t>Aymen</a:t>
+            </a:r>
+            <a:r>
+              <a:rPr lang="en-US" sz="3200" kern="1200" dirty="0">
+                <a:solidFill>
+                  <a:schemeClr val="bg1"/>
+                </a:solidFill>
+                <a:latin typeface="+mj-lt"/>
+                <a:ea typeface="+mj-ea"/>
+                <a:cs typeface="+mj-cs"/>
+              </a:rPr>
+              <a:t> </a:t>
+            </a:r>
+            <a:r>
+              <a:rPr lang="en-US" sz="3200" kern="1200" dirty="0" err="1">
+                <a:solidFill>
+                  <a:schemeClr val="bg1"/>
+                </a:solidFill>
+                <a:latin typeface="+mj-lt"/>
+                <a:ea typeface="+mj-ea"/>
+                <a:cs typeface="+mj-cs"/>
+              </a:rPr>
+              <a:t>Nouidha</a:t>
+            </a:r>
+            <a:r>
+              <a:rPr lang="en-US" sz="3200" kern="1200" dirty="0">
+                <a:solidFill>
+                  <a:schemeClr val="bg1"/>
+                </a:solidFill>
+                <a:latin typeface="+mj-lt"/>
+                <a:ea typeface="+mj-ea"/>
+                <a:cs typeface="+mj-cs"/>
+              </a:rPr>
+              <a:t> / Scheduling</a:t>
+            </a:r>
+          </a:p>
+        </p:txBody>
+      </p:sp>
+      <p:sp>
+        <p:nvSpPr>
+          <p:cNvPr id="3" name="Platshållare för bildnummer 2"/>
+          <p:cNvSpPr>
+            <a:spLocks noGrp="1"/>
+          </p:cNvSpPr>
+          <p:nvPr>
+            <p:ph type="sldNum" sz="quarter" idx="12"/>
+          </p:nvPr>
+        </p:nvSpPr>
+        <p:spPr>
+          <a:xfrm>
+            <a:off x="8610600" y="6356350"/>
+            <a:ext cx="2743200" cy="365125"/>
+          </a:xfrm>
+        </p:spPr>
+        <p:txBody>
+          <a:bodyPr vert="horz" lIns="91440" tIns="45720" rIns="91440" bIns="45720" rtlCol="0" anchor="ctr">
+            <a:normAutofit/>
+          </a:bodyPr>
+          <a:lstStyle/>
+          <a:p>
+            <a:pPr>
+              <a:spcAft>
+                <a:spcPts val="600"/>
+              </a:spcAft>
+            </a:pPr>
+            <a:fld id="{E21FFC3D-594F-4CAE-AAA5-4C3555641468}" type="slidenum">
+              <a:rPr lang="en-US" smtClean="0"/>
+              <a:pPr>
+                <a:spcAft>
+                  <a:spcPts val="600"/>
+                </a:spcAft>
+              </a:pPr>
+              <a:t>6</a:t>
             </a:fld>
             <a:endParaRPr lang="en-US"/>
           </a:p>
@@ -14109,22 +18276,55 @@
             </a:lvl9pPr>
           </a:lstStyle>
           <a:p>
-            <a:r>
-              <a:rPr lang="sv-SE" dirty="0">
-                <a:sym typeface="Georgia" charset="0"/>
-              </a:rPr>
-              <a:t>Main Challenges: </a:t>
-            </a:r>
-          </a:p>
-          <a:p>
-            <a:r>
-              <a:rPr lang="sv-SE" dirty="0">
-                <a:sym typeface="Georgia" charset="0"/>
-              </a:rPr>
-              <a:t>Results:</a:t>
-            </a:r>
-          </a:p>
-          <a:p>
+            <a:pPr marL="0" indent="0">
+              <a:buNone/>
+            </a:pPr>
+            <a:r>
+              <a:rPr lang="en-US" dirty="0"/>
+              <a:t>There are two methods for context switching in the ROSA kernel. </a:t>
+            </a:r>
+          </a:p>
+          <a:p>
+            <a:pPr marL="514350" indent="-514350">
+              <a:buAutoNum type="arabicPeriod"/>
+            </a:pPr>
+            <a:r>
+              <a:rPr lang="en-US" dirty="0"/>
+              <a:t>Voluntary context switch from a task (cooperative mode). </a:t>
+            </a:r>
+          </a:p>
+          <a:p>
+            <a:pPr marL="514350" indent="-514350">
+              <a:buAutoNum type="arabicPeriod"/>
+            </a:pPr>
+            <a:r>
+              <a:rPr lang="en-US" dirty="0"/>
+              <a:t>Timer interrupts (preemptive mode). </a:t>
+            </a:r>
+          </a:p>
+          <a:p>
+            <a:pPr marL="0" indent="0">
+              <a:buNone/>
+            </a:pPr>
+            <a:r>
+              <a:rPr lang="en-US" dirty="0"/>
+              <a:t>With some tweaks cooperative and preemptive modes can be used simultaneously in ROSA. </a:t>
+            </a:r>
+          </a:p>
+          <a:p>
+            <a:pPr marL="0" indent="0">
+              <a:buNone/>
+            </a:pPr>
+            <a:endParaRPr lang="en-US" dirty="0"/>
+          </a:p>
+          <a:p>
+            <a:pPr marL="0" indent="0">
+              <a:buNone/>
+            </a:pPr>
+            <a:r>
+              <a:rPr lang="en-US" dirty="0"/>
+              <a:t>Are we supposed to keep both modes?? </a:t>
+            </a:r>
             <a:endParaRPr lang="sv-SE" dirty="0">
               <a:sym typeface="Georgia" charset="0"/>
             </a:endParaRPr>
@@ -14134,7 +18334,7 @@
     </p:spTree>
     <p:extLst>
       <p:ext uri="{BB962C8B-B14F-4D97-AF65-F5344CB8AC3E}">
-        <p14:creationId xmlns:p14="http://schemas.microsoft.com/office/powerpoint/2010/main" val="3437289021"/>
+        <p14:creationId xmlns:p14="http://schemas.microsoft.com/office/powerpoint/2010/main" val="1128570971"/>
       </p:ext>
     </p:extLst>
   </p:cSld>
@@ -14144,7 +18344,7 @@
 </p:sld>
 </file>
 
-<file path=ppt/slides/slide6.xml><?xml version="1.0" encoding="utf-8"?>
+<file path=ppt/slides/slide7.xml><?xml version="1.0" encoding="utf-8"?>
 <p:sld xmlns:a="http://schemas.openxmlformats.org/drawingml/2006/main" xmlns:r="http://schemas.openxmlformats.org/officeDocument/2006/relationships" xmlns:p="http://schemas.openxmlformats.org/presentationml/2006/main">
   <p:cSld>
     <p:spTree>
@@ -14343,7 +18543,567 @@
                   <a:spcPts val="600"/>
                 </a:spcAft>
               </a:pPr>
-              <a:t>6</a:t>
+              <a:t>7</a:t>
+            </a:fld>
+            <a:endParaRPr lang="en-US"/>
+          </a:p>
+        </p:txBody>
+      </p:sp>
+      <p:pic>
+        <p:nvPicPr>
+          <p:cNvPr id="6" name="Grafik 5">
+            <a:extLst>
+              <a:ext uri="{FF2B5EF4-FFF2-40B4-BE49-F238E27FC236}">
+                <a16:creationId xmlns:a16="http://schemas.microsoft.com/office/drawing/2014/main" id="{8827F3E6-3E8C-45BB-A02F-A46587D2133B}"/>
+              </a:ext>
+            </a:extLst>
+          </p:cNvPr>
+          <p:cNvPicPr>
+            <a:picLocks noChangeAspect="1"/>
+          </p:cNvPicPr>
+          <p:nvPr/>
+        </p:nvPicPr>
+        <p:blipFill>
+          <a:blip r:embed="rId2">
+            <a:extLst>
+              <a:ext uri="{28A0092B-C50C-407E-A947-70E740481C1C}">
+                <a14:useLocalDpi xmlns:a14="http://schemas.microsoft.com/office/drawing/2010/main" val="0"/>
+              </a:ext>
+            </a:extLst>
+          </a:blip>
+          <a:stretch>
+            <a:fillRect/>
+          </a:stretch>
+        </p:blipFill>
+        <p:spPr>
+          <a:xfrm>
+            <a:off x="302729" y="697477"/>
+            <a:ext cx="681475" cy="649814"/>
+          </a:xfrm>
+          <a:prstGeom prst="rect">
+            <a:avLst/>
+          </a:prstGeom>
+        </p:spPr>
+      </p:pic>
+      <p:sp>
+        <p:nvSpPr>
+          <p:cNvPr id="9" name="Platshållare för text 3">
+            <a:extLst>
+              <a:ext uri="{FF2B5EF4-FFF2-40B4-BE49-F238E27FC236}">
+                <a16:creationId xmlns:a16="http://schemas.microsoft.com/office/drawing/2014/main" id="{24F2ABD0-A504-4FAB-981E-8DA9BE4F0B53}"/>
+              </a:ext>
+            </a:extLst>
+          </p:cNvPr>
+          <p:cNvSpPr txBox="1">
+            <a:spLocks/>
+          </p:cNvSpPr>
+          <p:nvPr/>
+        </p:nvSpPr>
+        <p:spPr>
+          <a:xfrm>
+            <a:off x="1103449" y="1783357"/>
+            <a:ext cx="9985107" cy="4655505"/>
+          </a:xfrm>
+          <a:prstGeom prst="rect">
+            <a:avLst/>
+          </a:prstGeom>
+        </p:spPr>
+        <p:txBody>
+          <a:bodyPr vert="horz" lIns="91440" tIns="45720" rIns="91440" bIns="45720" rtlCol="0">
+            <a:normAutofit fontScale="92500" lnSpcReduction="10000"/>
+          </a:bodyPr>
+          <a:lstStyle>
+            <a:lvl1pPr marL="228600" indent="-228600" algn="l" defTabSz="914400" rtl="0" eaLnBrk="1" latinLnBrk="0" hangingPunct="1">
+              <a:lnSpc>
+                <a:spcPct val="90000"/>
+              </a:lnSpc>
+              <a:spcBef>
+                <a:spcPts val="1000"/>
+              </a:spcBef>
+              <a:buFont typeface="Arial" panose="020B0604020202020204" pitchFamily="34" charset="0"/>
+              <a:buChar char="•"/>
+              <a:defRPr sz="2800" kern="1200">
+                <a:solidFill>
+                  <a:schemeClr val="tx1"/>
+                </a:solidFill>
+                <a:latin typeface="+mn-lt"/>
+                <a:ea typeface="+mn-ea"/>
+                <a:cs typeface="+mn-cs"/>
+              </a:defRPr>
+            </a:lvl1pPr>
+            <a:lvl2pPr marL="685800" indent="-228600" algn="l" defTabSz="914400" rtl="0" eaLnBrk="1" latinLnBrk="0" hangingPunct="1">
+              <a:lnSpc>
+                <a:spcPct val="90000"/>
+              </a:lnSpc>
+              <a:spcBef>
+                <a:spcPts val="500"/>
+              </a:spcBef>
+              <a:buFont typeface="Arial" panose="020B0604020202020204" pitchFamily="34" charset="0"/>
+              <a:buChar char="•"/>
+              <a:defRPr sz="2400" kern="1200">
+                <a:solidFill>
+                  <a:schemeClr val="tx1"/>
+                </a:solidFill>
+                <a:latin typeface="+mn-lt"/>
+                <a:ea typeface="+mn-ea"/>
+                <a:cs typeface="+mn-cs"/>
+              </a:defRPr>
+            </a:lvl2pPr>
+            <a:lvl3pPr marL="1143000" indent="-228600" algn="l" defTabSz="914400" rtl="0" eaLnBrk="1" latinLnBrk="0" hangingPunct="1">
+              <a:lnSpc>
+                <a:spcPct val="90000"/>
+              </a:lnSpc>
+              <a:spcBef>
+                <a:spcPts val="500"/>
+              </a:spcBef>
+              <a:buFont typeface="Arial" panose="020B0604020202020204" pitchFamily="34" charset="0"/>
+              <a:buChar char="•"/>
+              <a:defRPr sz="2000" kern="1200">
+                <a:solidFill>
+                  <a:schemeClr val="tx1"/>
+                </a:solidFill>
+                <a:latin typeface="+mn-lt"/>
+                <a:ea typeface="+mn-ea"/>
+                <a:cs typeface="+mn-cs"/>
+              </a:defRPr>
+            </a:lvl3pPr>
+            <a:lvl4pPr marL="1600200" indent="-228600" algn="l" defTabSz="914400" rtl="0" eaLnBrk="1" latinLnBrk="0" hangingPunct="1">
+              <a:lnSpc>
+                <a:spcPct val="90000"/>
+              </a:lnSpc>
+              <a:spcBef>
+                <a:spcPts val="500"/>
+              </a:spcBef>
+              <a:buFont typeface="Arial" panose="020B0604020202020204" pitchFamily="34" charset="0"/>
+              <a:buChar char="•"/>
+              <a:defRPr sz="1800" kern="1200">
+                <a:solidFill>
+                  <a:schemeClr val="tx1"/>
+                </a:solidFill>
+                <a:latin typeface="+mn-lt"/>
+                <a:ea typeface="+mn-ea"/>
+                <a:cs typeface="+mn-cs"/>
+              </a:defRPr>
+            </a:lvl4pPr>
+            <a:lvl5pPr marL="2057400" indent="-228600" algn="l" defTabSz="914400" rtl="0" eaLnBrk="1" latinLnBrk="0" hangingPunct="1">
+              <a:lnSpc>
+                <a:spcPct val="90000"/>
+              </a:lnSpc>
+              <a:spcBef>
+                <a:spcPts val="500"/>
+              </a:spcBef>
+              <a:buFont typeface="Arial" panose="020B0604020202020204" pitchFamily="34" charset="0"/>
+              <a:buChar char="•"/>
+              <a:defRPr sz="1800" kern="1200">
+                <a:solidFill>
+                  <a:schemeClr val="tx1"/>
+                </a:solidFill>
+                <a:latin typeface="+mn-lt"/>
+                <a:ea typeface="+mn-ea"/>
+                <a:cs typeface="+mn-cs"/>
+              </a:defRPr>
+            </a:lvl5pPr>
+            <a:lvl6pPr marL="2514600" indent="-228600" algn="l" defTabSz="914400" rtl="0" eaLnBrk="1" latinLnBrk="0" hangingPunct="1">
+              <a:lnSpc>
+                <a:spcPct val="90000"/>
+              </a:lnSpc>
+              <a:spcBef>
+                <a:spcPts val="500"/>
+              </a:spcBef>
+              <a:buFont typeface="Arial" panose="020B0604020202020204" pitchFamily="34" charset="0"/>
+              <a:buChar char="•"/>
+              <a:defRPr sz="1800" kern="1200">
+                <a:solidFill>
+                  <a:schemeClr val="tx1"/>
+                </a:solidFill>
+                <a:latin typeface="+mn-lt"/>
+                <a:ea typeface="+mn-ea"/>
+                <a:cs typeface="+mn-cs"/>
+              </a:defRPr>
+            </a:lvl6pPr>
+            <a:lvl7pPr marL="2971800" indent="-228600" algn="l" defTabSz="914400" rtl="0" eaLnBrk="1" latinLnBrk="0" hangingPunct="1">
+              <a:lnSpc>
+                <a:spcPct val="90000"/>
+              </a:lnSpc>
+              <a:spcBef>
+                <a:spcPts val="500"/>
+              </a:spcBef>
+              <a:buFont typeface="Arial" panose="020B0604020202020204" pitchFamily="34" charset="0"/>
+              <a:buChar char="•"/>
+              <a:defRPr sz="1800" kern="1200">
+                <a:solidFill>
+                  <a:schemeClr val="tx1"/>
+                </a:solidFill>
+                <a:latin typeface="+mn-lt"/>
+                <a:ea typeface="+mn-ea"/>
+                <a:cs typeface="+mn-cs"/>
+              </a:defRPr>
+            </a:lvl7pPr>
+            <a:lvl8pPr marL="3429000" indent="-228600" algn="l" defTabSz="914400" rtl="0" eaLnBrk="1" latinLnBrk="0" hangingPunct="1">
+              <a:lnSpc>
+                <a:spcPct val="90000"/>
+              </a:lnSpc>
+              <a:spcBef>
+                <a:spcPts val="500"/>
+              </a:spcBef>
+              <a:buFont typeface="Arial" panose="020B0604020202020204" pitchFamily="34" charset="0"/>
+              <a:buChar char="•"/>
+              <a:defRPr sz="1800" kern="1200">
+                <a:solidFill>
+                  <a:schemeClr val="tx1"/>
+                </a:solidFill>
+                <a:latin typeface="+mn-lt"/>
+                <a:ea typeface="+mn-ea"/>
+                <a:cs typeface="+mn-cs"/>
+              </a:defRPr>
+            </a:lvl8pPr>
+            <a:lvl9pPr marL="3886200" indent="-228600" algn="l" defTabSz="914400" rtl="0" eaLnBrk="1" latinLnBrk="0" hangingPunct="1">
+              <a:lnSpc>
+                <a:spcPct val="90000"/>
+              </a:lnSpc>
+              <a:spcBef>
+                <a:spcPts val="500"/>
+              </a:spcBef>
+              <a:buFont typeface="Arial" panose="020B0604020202020204" pitchFamily="34" charset="0"/>
+              <a:buChar char="•"/>
+              <a:defRPr sz="1800" kern="1200">
+                <a:solidFill>
+                  <a:schemeClr val="tx1"/>
+                </a:solidFill>
+                <a:latin typeface="+mn-lt"/>
+                <a:ea typeface="+mn-ea"/>
+                <a:cs typeface="+mn-cs"/>
+              </a:defRPr>
+            </a:lvl9pPr>
+          </a:lstStyle>
+          <a:p>
+            <a:r>
+              <a:rPr lang="sv-SE" dirty="0">
+                <a:sym typeface="Georgia" charset="0"/>
+              </a:rPr>
+              <a:t>Prerequisites: </a:t>
+            </a:r>
+          </a:p>
+          <a:p>
+            <a:pPr lvl="1"/>
+            <a:r>
+              <a:rPr lang="sv-SE" dirty="0">
+                <a:sym typeface="Georgia" charset="0"/>
+              </a:rPr>
+              <a:t>Timer initialization and creation is already implemented (AVR Timer 0)</a:t>
+            </a:r>
+          </a:p>
+          <a:p>
+            <a:pPr lvl="1"/>
+            <a:r>
+              <a:rPr lang="sv-SE" dirty="0">
+                <a:sym typeface="Georgia" charset="0"/>
+              </a:rPr>
+              <a:t>Timer values (and Interrupt) needs to be initialized and can be used then</a:t>
+            </a:r>
+          </a:p>
+          <a:p>
+            <a:r>
+              <a:rPr lang="sv-SE" dirty="0">
+                <a:sym typeface="Georgia" charset="0"/>
+              </a:rPr>
+              <a:t>Requirements:</a:t>
+            </a:r>
+          </a:p>
+          <a:p>
+            <a:pPr lvl="1"/>
+            <a:r>
+              <a:rPr lang="sv-SE" dirty="0">
+                <a:sym typeface="Georgia" charset="0"/>
+              </a:rPr>
+              <a:t>Track the System time</a:t>
+            </a:r>
+          </a:p>
+          <a:p>
+            <a:pPr lvl="1"/>
+            <a:r>
+              <a:rPr lang="sv-SE" dirty="0">
+                <a:sym typeface="Georgia" charset="0"/>
+              </a:rPr>
+              <a:t>Relative Delay Function</a:t>
+            </a:r>
+          </a:p>
+          <a:p>
+            <a:pPr lvl="1"/>
+            <a:r>
+              <a:rPr lang="sv-SE" dirty="0">
+                <a:sym typeface="Georgia" charset="0"/>
+              </a:rPr>
+              <a:t>Absolute Delay Function</a:t>
+            </a:r>
+          </a:p>
+          <a:p>
+            <a:r>
+              <a:rPr lang="sv-SE" dirty="0">
+                <a:sym typeface="Georgia" charset="0"/>
+              </a:rPr>
+              <a:t>API suggestion: </a:t>
+            </a:r>
+          </a:p>
+          <a:p>
+            <a:pPr lvl="1"/>
+            <a:r>
+              <a:rPr lang="sv-SE" dirty="0">
+                <a:sym typeface="Georgia" charset="0"/>
+              </a:rPr>
+              <a:t>Int ROSA_getSystemTickCount(); </a:t>
+            </a:r>
+            <a:r>
+              <a:rPr lang="sv-SE" dirty="0">
+                <a:sym typeface="Wingdings" panose="05000000000000000000" pitchFamily="2" charset="2"/>
+              </a:rPr>
+              <a:t> returns the system tick time –&gt; API Seminar?</a:t>
+            </a:r>
+          </a:p>
+          <a:p>
+            <a:pPr lvl="1"/>
+            <a:r>
+              <a:rPr lang="sv-SE" dirty="0">
+                <a:sym typeface="Wingdings" panose="05000000000000000000" pitchFamily="2" charset="2"/>
+              </a:rPr>
+              <a:t>Void ROSA_sysTickWait(int ticks);  Relative Delay function</a:t>
+            </a:r>
+          </a:p>
+          <a:p>
+            <a:pPr lvl="1"/>
+            <a:r>
+              <a:rPr lang="sv-SE" dirty="0">
+                <a:sym typeface="Wingdings" panose="05000000000000000000" pitchFamily="2" charset="2"/>
+              </a:rPr>
+              <a:t>Void ROSA_sysTickWaitUntil(int Ticktime);  Absolute delay Function</a:t>
+            </a:r>
+            <a:r>
+              <a:rPr lang="sv-SE" dirty="0">
+                <a:sym typeface="Georgia" charset="0"/>
+              </a:rPr>
+              <a:t>		</a:t>
+            </a:r>
+          </a:p>
+          <a:p>
+            <a:endParaRPr lang="sv-SE" dirty="0">
+              <a:sym typeface="Georgia" charset="0"/>
+            </a:endParaRPr>
+          </a:p>
+        </p:txBody>
+      </p:sp>
+    </p:spTree>
+    <p:extLst>
+      <p:ext uri="{BB962C8B-B14F-4D97-AF65-F5344CB8AC3E}">
+        <p14:creationId xmlns:p14="http://schemas.microsoft.com/office/powerpoint/2010/main" val="3982177217"/>
+      </p:ext>
+    </p:extLst>
+  </p:cSld>
+  <p:clrMapOvr>
+    <a:masterClrMapping/>
+  </p:clrMapOvr>
+</p:sld>
+</file>
+
+<file path=ppt/slides/slide8.xml><?xml version="1.0" encoding="utf-8"?>
+<p:sld xmlns:a="http://schemas.openxmlformats.org/drawingml/2006/main" xmlns:r="http://schemas.openxmlformats.org/officeDocument/2006/relationships" xmlns:p="http://schemas.openxmlformats.org/presentationml/2006/main">
+  <p:cSld>
+    <p:spTree>
+      <p:nvGrpSpPr>
+        <p:cNvPr id="1" name=""/>
+        <p:cNvGrpSpPr/>
+        <p:nvPr/>
+      </p:nvGrpSpPr>
+      <p:grpSpPr>
+        <a:xfrm>
+          <a:off x="0" y="0"/>
+          <a:ext cx="0" cy="0"/>
+          <a:chOff x="0" y="0"/>
+          <a:chExt cx="0" cy="0"/>
+        </a:xfrm>
+      </p:grpSpPr>
+      <p:sp>
+        <p:nvSpPr>
+          <p:cNvPr id="20" name="Rectangle 19">
+            <a:extLst>
+              <a:ext uri="{FF2B5EF4-FFF2-40B4-BE49-F238E27FC236}">
+                <a16:creationId xmlns:a16="http://schemas.microsoft.com/office/drawing/2014/main" id="{A4AC5506-6312-4701-8D3C-40187889A947}"/>
+              </a:ext>
+              <a:ext uri="{C183D7F6-B498-43B3-948B-1728B52AA6E4}">
+                <adec:decorative xmlns:adec="http://schemas.microsoft.com/office/drawing/2017/decorative" val="1"/>
+              </a:ext>
+            </a:extLst>
+          </p:cNvPr>
+          <p:cNvSpPr>
+            <a:spLocks noGrp="1" noRot="1" noChangeAspect="1" noMove="1" noResize="1" noEditPoints="1" noAdjustHandles="1" noChangeArrowheads="1" noChangeShapeType="1" noTextEdit="1"/>
+          </p:cNvSpPr>
+          <p:nvPr>
+            <p:extLst>
+              <p:ext uri="{386F3935-93C4-4BCD-93E2-E3B085C9AB24}">
+                <p16:designElem xmlns:p16="http://schemas.microsoft.com/office/powerpoint/2015/main" val="1"/>
+              </p:ext>
+            </p:extLst>
+          </p:nvPr>
+        </p:nvSpPr>
+        <p:spPr>
+          <a:xfrm>
+            <a:off x="0" y="651752"/>
+            <a:ext cx="12192000" cy="736551"/>
+          </a:xfrm>
+          <a:prstGeom prst="rect">
+            <a:avLst/>
+          </a:prstGeom>
+          <a:solidFill>
+            <a:schemeClr val="tx1"/>
+          </a:solidFill>
+          <a:ln>
+            <a:noFill/>
+          </a:ln>
+        </p:spPr>
+        <p:style>
+          <a:lnRef idx="2">
+            <a:schemeClr val="accent1">
+              <a:shade val="50000"/>
+            </a:schemeClr>
+          </a:lnRef>
+          <a:fillRef idx="1">
+            <a:schemeClr val="accent1"/>
+          </a:fillRef>
+          <a:effectRef idx="0">
+            <a:schemeClr val="accent1"/>
+          </a:effectRef>
+          <a:fontRef idx="minor">
+            <a:schemeClr val="lt1"/>
+          </a:fontRef>
+        </p:style>
+        <p:txBody>
+          <a:bodyPr rtlCol="0" anchor="ctr"/>
+          <a:lstStyle/>
+          <a:p>
+            <a:pPr algn="ctr"/>
+            <a:endParaRPr lang="en-US"/>
+          </a:p>
+        </p:txBody>
+      </p:sp>
+      <p:sp>
+        <p:nvSpPr>
+          <p:cNvPr id="2" name="Rubrik 1"/>
+          <p:cNvSpPr>
+            <a:spLocks noGrp="1"/>
+          </p:cNvSpPr>
+          <p:nvPr>
+            <p:ph type="title"/>
+          </p:nvPr>
+        </p:nvSpPr>
+        <p:spPr>
+          <a:xfrm>
+            <a:off x="556532" y="643467"/>
+            <a:ext cx="11210925" cy="744836"/>
+          </a:xfrm>
+        </p:spPr>
+        <p:txBody>
+          <a:bodyPr vert="horz" lIns="91440" tIns="45720" rIns="91440" bIns="45720" rtlCol="0" anchor="ctr">
+            <a:normAutofit/>
+          </a:bodyPr>
+          <a:lstStyle/>
+          <a:p>
+            <a:pPr algn="ctr">
+              <a:lnSpc>
+                <a:spcPct val="90000"/>
+              </a:lnSpc>
+            </a:pPr>
+            <a:r>
+              <a:rPr lang="en-US" sz="3200" kern="1200" dirty="0">
+                <a:solidFill>
+                  <a:schemeClr val="bg1"/>
+                </a:solidFill>
+                <a:latin typeface="+mj-lt"/>
+                <a:ea typeface="+mj-ea"/>
+                <a:cs typeface="+mj-cs"/>
+              </a:rPr>
+              <a:t>2. Lukas Dust and </a:t>
+            </a:r>
+            <a:r>
+              <a:rPr lang="en-US" sz="3200" kern="1200" dirty="0" err="1">
+                <a:solidFill>
+                  <a:schemeClr val="bg1"/>
+                </a:solidFill>
+                <a:latin typeface="+mj-lt"/>
+                <a:ea typeface="+mj-ea"/>
+                <a:cs typeface="+mj-cs"/>
+              </a:rPr>
+              <a:t>Afram</a:t>
+            </a:r>
+            <a:r>
+              <a:rPr lang="en-US" sz="3200" kern="1200" dirty="0">
+                <a:solidFill>
+                  <a:schemeClr val="bg1"/>
+                </a:solidFill>
+                <a:latin typeface="+mj-lt"/>
+                <a:ea typeface="+mj-ea"/>
+                <a:cs typeface="+mj-cs"/>
+              </a:rPr>
+              <a:t> </a:t>
+            </a:r>
+            <a:r>
+              <a:rPr lang="en-US" sz="3200" kern="1200" dirty="0" err="1">
+                <a:solidFill>
+                  <a:schemeClr val="bg1"/>
+                </a:solidFill>
+                <a:latin typeface="+mj-lt"/>
+                <a:ea typeface="+mj-ea"/>
+                <a:cs typeface="+mj-cs"/>
+              </a:rPr>
+              <a:t>Afrem</a:t>
+            </a:r>
+            <a:r>
+              <a:rPr lang="en-US" sz="3200" kern="1200" dirty="0">
+                <a:solidFill>
+                  <a:schemeClr val="bg1"/>
+                </a:solidFill>
+                <a:latin typeface="+mj-lt"/>
+                <a:ea typeface="+mj-ea"/>
+                <a:cs typeface="+mj-cs"/>
+              </a:rPr>
+              <a:t> / Clock</a:t>
+            </a:r>
+          </a:p>
+        </p:txBody>
+      </p:sp>
+      <p:sp>
+        <p:nvSpPr>
+          <p:cNvPr id="3" name="Platshållare för bildnummer 2"/>
+          <p:cNvSpPr>
+            <a:spLocks noGrp="1"/>
+          </p:cNvSpPr>
+          <p:nvPr>
+            <p:ph type="sldNum" sz="quarter" idx="12"/>
+          </p:nvPr>
+        </p:nvSpPr>
+        <p:spPr>
+          <a:xfrm>
+            <a:off x="8610600" y="6356350"/>
+            <a:ext cx="2743200" cy="365125"/>
+          </a:xfrm>
+        </p:spPr>
+        <p:txBody>
+          <a:bodyPr vert="horz" lIns="91440" tIns="45720" rIns="91440" bIns="45720" rtlCol="0" anchor="ctr">
+            <a:normAutofit/>
+          </a:bodyPr>
+          <a:lstStyle/>
+          <a:p>
+            <a:pPr>
+              <a:spcAft>
+                <a:spcPts val="600"/>
+              </a:spcAft>
+            </a:pPr>
+            <a:fld id="{E21FFC3D-594F-4CAE-AAA5-4C3555641468}" type="slidenum">
+              <a:rPr lang="en-US" smtClean="0"/>
+              <a:pPr>
+                <a:spcAft>
+                  <a:spcPts val="600"/>
+                </a:spcAft>
+              </a:pPr>
+              <a:t>8</a:t>
             </a:fld>
             <a:endParaRPr lang="en-US"/>
           </a:p>
@@ -14579,17 +19339,44 @@
           <a:p>
             <a:r>
               <a:rPr lang="sv-SE" dirty="0">
-                <a:sym typeface="Georgia" charset="0"/>
+                <a:sym typeface="Wingdings" panose="05000000000000000000" pitchFamily="2" charset="2"/>
               </a:rPr>
-              <a:t>Main Challenges: </a:t>
-            </a:r>
-          </a:p>
-          <a:p>
+              <a:t>Question: Do we provide APIs for delaying other Tasks? –&gt; API Seminar</a:t>
+            </a:r>
+          </a:p>
+          <a:p>
+            <a:endParaRPr lang="sv-SE" dirty="0">
+              <a:sym typeface="Wingdings" panose="05000000000000000000" pitchFamily="2" charset="2"/>
+            </a:endParaRPr>
+          </a:p>
+          <a:p>
+            <a:pPr lvl="1"/>
+            <a:r>
+              <a:rPr lang="sv-SE" dirty="0">
+                <a:sym typeface="Wingdings" panose="05000000000000000000" pitchFamily="2" charset="2"/>
+              </a:rPr>
+              <a:t>Void ROSA_sysTickWait(int ticks, tcb *task);  Relative Delay function</a:t>
+            </a:r>
+          </a:p>
+          <a:p>
+            <a:pPr lvl="1"/>
+            <a:endParaRPr lang="sv-SE" dirty="0">
+              <a:sym typeface="Wingdings" panose="05000000000000000000" pitchFamily="2" charset="2"/>
+            </a:endParaRPr>
+          </a:p>
+          <a:p>
+            <a:pPr lvl="1"/>
+            <a:r>
+              <a:rPr lang="sv-SE" dirty="0">
+                <a:sym typeface="Wingdings" panose="05000000000000000000" pitchFamily="2" charset="2"/>
+              </a:rPr>
+              <a:t>Void ROSA_sysTickWaitUntil(int Ticktime, tcb *task);  Absolute delay Function</a:t>
+            </a:r>
             <a:r>
               <a:rPr lang="sv-SE" dirty="0">
                 <a:sym typeface="Georgia" charset="0"/>
               </a:rPr>
-              <a:t>Results:</a:t>
+              <a:t>		</a:t>
             </a:r>
           </a:p>
           <a:p>
@@ -14602,7 +19389,7 @@
     </p:spTree>
     <p:extLst>
       <p:ext uri="{BB962C8B-B14F-4D97-AF65-F5344CB8AC3E}">
-        <p14:creationId xmlns:p14="http://schemas.microsoft.com/office/powerpoint/2010/main" val="3982177217"/>
+        <p14:creationId xmlns:p14="http://schemas.microsoft.com/office/powerpoint/2010/main" val="2098948626"/>
       </p:ext>
     </p:extLst>
   </p:cSld>
@@ -14612,7 +19399,7 @@
 </p:sld>
 </file>
 
-<file path=ppt/slides/slide7.xml><?xml version="1.0" encoding="utf-8"?>
+<file path=ppt/slides/slide9.xml><?xml version="1.0" encoding="utf-8"?>
 <p:sld xmlns:a="http://schemas.openxmlformats.org/drawingml/2006/main" xmlns:r="http://schemas.openxmlformats.org/officeDocument/2006/relationships" xmlns:p="http://schemas.openxmlformats.org/presentationml/2006/main">
   <p:cSld>
     <p:spTree>
@@ -14789,7 +19576,7 @@
                   <a:spcPts val="600"/>
                 </a:spcAft>
               </a:pPr>
-              <a:t>7</a:t>
+              <a:t>9</a:t>
             </a:fld>
             <a:endParaRPr lang="en-US"/>
           </a:p>
@@ -15027,15 +19814,77 @@
               <a:rPr lang="sv-SE" dirty="0">
                 <a:sym typeface="Georgia" charset="0"/>
               </a:rPr>
-              <a:t>Main Challenges: </a:t>
-            </a:r>
-          </a:p>
-          <a:p>
+              <a:t>Requirements:</a:t>
+            </a:r>
+          </a:p>
+          <a:p>
+            <a:pPr lvl="1"/>
             <a:r>
               <a:rPr lang="sv-SE" dirty="0">
                 <a:sym typeface="Georgia" charset="0"/>
               </a:rPr>
-              <a:t>Results:</a:t>
+              <a:t>Dynamic creation and termination of tasks</a:t>
+            </a:r>
+          </a:p>
+          <a:p>
+            <a:r>
+              <a:rPr lang="sv-SE" dirty="0">
+                <a:sym typeface="Georgia" charset="0"/>
+              </a:rPr>
+              <a:t>Prerequisites:</a:t>
+            </a:r>
+          </a:p>
+          <a:p>
+            <a:pPr lvl="1"/>
+            <a:r>
+              <a:rPr lang="sv-SE" dirty="0">
+                <a:sym typeface="Georgia" charset="0"/>
+              </a:rPr>
+              <a:t>Static creation of tasks</a:t>
+            </a:r>
+          </a:p>
+          <a:p>
+            <a:r>
+              <a:rPr lang="sv-SE" dirty="0">
+                <a:sym typeface="Georgia" charset="0"/>
+              </a:rPr>
+              <a:t>What do we need to implement?</a:t>
+            </a:r>
+          </a:p>
+          <a:p>
+            <a:pPr lvl="1"/>
+            <a:r>
+              <a:rPr lang="sv-SE" dirty="0">
+                <a:sym typeface="Georgia" charset="0"/>
+              </a:rPr>
+              <a:t>We need to re-implement the task creation sub-routine to support dynamic creation</a:t>
+            </a:r>
+          </a:p>
+          <a:p>
+            <a:pPr lvl="1"/>
+            <a:r>
+              <a:rPr lang="sv-SE" dirty="0">
+                <a:sym typeface="Georgia" charset="0"/>
+              </a:rPr>
+              <a:t>We need to implement a delete task function</a:t>
+            </a:r>
+          </a:p>
+          <a:p>
+            <a:pPr lvl="1"/>
+            <a:r>
+              <a:rPr lang="sv-SE" dirty="0">
+                <a:sym typeface="Georgia" charset="0"/>
+              </a:rPr>
+              <a:t>We should include a task priority property on the tcb structure and also include as a parameter on the taskcreate function</a:t>
+            </a:r>
+          </a:p>
+          <a:p>
+            <a:pPr lvl="1"/>
+            <a:r>
+              <a:rPr lang="sv-SE" dirty="0">
+                <a:sym typeface="Georgia" charset="0"/>
+              </a:rPr>
+              <a:t>We can implement the task suspension and activation</a:t>
             </a:r>
           </a:p>
           <a:p>
@@ -15049,1021 +19898,6 @@
     <p:extLst>
       <p:ext uri="{BB962C8B-B14F-4D97-AF65-F5344CB8AC3E}">
         <p14:creationId xmlns:p14="http://schemas.microsoft.com/office/powerpoint/2010/main" val="2252137701"/>
-      </p:ext>
-    </p:extLst>
-  </p:cSld>
-  <p:clrMapOvr>
-    <a:masterClrMapping/>
-  </p:clrMapOvr>
-</p:sld>
-</file>
-
-<file path=ppt/slides/slide8.xml><?xml version="1.0" encoding="utf-8"?>
-<p:sld xmlns:a="http://schemas.openxmlformats.org/drawingml/2006/main" xmlns:r="http://schemas.openxmlformats.org/officeDocument/2006/relationships" xmlns:p="http://schemas.openxmlformats.org/presentationml/2006/main">
-  <p:cSld>
-    <p:spTree>
-      <p:nvGrpSpPr>
-        <p:cNvPr id="1" name=""/>
-        <p:cNvGrpSpPr/>
-        <p:nvPr/>
-      </p:nvGrpSpPr>
-      <p:grpSpPr>
-        <a:xfrm>
-          <a:off x="0" y="0"/>
-          <a:ext cx="0" cy="0"/>
-          <a:chOff x="0" y="0"/>
-          <a:chExt cx="0" cy="0"/>
-        </a:xfrm>
-      </p:grpSpPr>
-      <p:sp>
-        <p:nvSpPr>
-          <p:cNvPr id="20" name="Rectangle 19">
-            <a:extLst>
-              <a:ext uri="{FF2B5EF4-FFF2-40B4-BE49-F238E27FC236}">
-                <a16:creationId xmlns:a16="http://schemas.microsoft.com/office/drawing/2014/main" id="{A4AC5506-6312-4701-8D3C-40187889A947}"/>
-              </a:ext>
-              <a:ext uri="{C183D7F6-B498-43B3-948B-1728B52AA6E4}">
-                <adec:decorative xmlns:adec="http://schemas.microsoft.com/office/drawing/2017/decorative" val="1"/>
-              </a:ext>
-            </a:extLst>
-          </p:cNvPr>
-          <p:cNvSpPr>
-            <a:spLocks noGrp="1" noRot="1" noChangeAspect="1" noMove="1" noResize="1" noEditPoints="1" noAdjustHandles="1" noChangeArrowheads="1" noChangeShapeType="1" noTextEdit="1"/>
-          </p:cNvSpPr>
-          <p:nvPr>
-            <p:extLst>
-              <p:ext uri="{386F3935-93C4-4BCD-93E2-E3B085C9AB24}">
-                <p16:designElem xmlns:p16="http://schemas.microsoft.com/office/powerpoint/2015/main" val="1"/>
-              </p:ext>
-            </p:extLst>
-          </p:nvPr>
-        </p:nvSpPr>
-        <p:spPr>
-          <a:xfrm>
-            <a:off x="0" y="651752"/>
-            <a:ext cx="12192000" cy="736551"/>
-          </a:xfrm>
-          <a:prstGeom prst="rect">
-            <a:avLst/>
-          </a:prstGeom>
-          <a:solidFill>
-            <a:schemeClr val="tx1"/>
-          </a:solidFill>
-          <a:ln>
-            <a:noFill/>
-          </a:ln>
-        </p:spPr>
-        <p:style>
-          <a:lnRef idx="2">
-            <a:schemeClr val="accent1">
-              <a:shade val="50000"/>
-            </a:schemeClr>
-          </a:lnRef>
-          <a:fillRef idx="1">
-            <a:schemeClr val="accent1"/>
-          </a:fillRef>
-          <a:effectRef idx="0">
-            <a:schemeClr val="accent1"/>
-          </a:effectRef>
-          <a:fontRef idx="minor">
-            <a:schemeClr val="lt1"/>
-          </a:fontRef>
-        </p:style>
-        <p:txBody>
-          <a:bodyPr rtlCol="0" anchor="ctr"/>
-          <a:lstStyle/>
-          <a:p>
-            <a:pPr algn="ctr"/>
-            <a:endParaRPr lang="en-US"/>
-          </a:p>
-        </p:txBody>
-      </p:sp>
-      <p:sp>
-        <p:nvSpPr>
-          <p:cNvPr id="2" name="Rubrik 1"/>
-          <p:cNvSpPr>
-            <a:spLocks noGrp="1"/>
-          </p:cNvSpPr>
-          <p:nvPr>
-            <p:ph type="title"/>
-          </p:nvPr>
-        </p:nvSpPr>
-        <p:spPr>
-          <a:xfrm>
-            <a:off x="556532" y="643467"/>
-            <a:ext cx="11210925" cy="744836"/>
-          </a:xfrm>
-        </p:spPr>
-        <p:txBody>
-          <a:bodyPr vert="horz" lIns="91440" tIns="45720" rIns="91440" bIns="45720" rtlCol="0" anchor="ctr">
-            <a:normAutofit/>
-          </a:bodyPr>
-          <a:lstStyle/>
-          <a:p>
-            <a:pPr algn="ctr">
-              <a:lnSpc>
-                <a:spcPct val="90000"/>
-              </a:lnSpc>
-            </a:pPr>
-            <a:r>
-              <a:rPr lang="en-US" sz="3200" dirty="0">
-                <a:solidFill>
-                  <a:schemeClr val="bg1"/>
-                </a:solidFill>
-              </a:rPr>
-              <a:t>4</a:t>
-            </a:r>
-            <a:r>
-              <a:rPr lang="en-US" sz="3200" kern="1200" dirty="0">
-                <a:solidFill>
-                  <a:schemeClr val="bg1"/>
-                </a:solidFill>
-                <a:latin typeface="+mj-lt"/>
-                <a:ea typeface="+mj-ea"/>
-                <a:cs typeface="+mj-cs"/>
-              </a:rPr>
-              <a:t>. Andreas </a:t>
-            </a:r>
-            <a:r>
-              <a:rPr lang="en-US" sz="3200" kern="1200" dirty="0" err="1">
-                <a:solidFill>
-                  <a:schemeClr val="bg1"/>
-                </a:solidFill>
-                <a:latin typeface="+mj-lt"/>
-                <a:ea typeface="+mj-ea"/>
-                <a:cs typeface="+mj-cs"/>
-              </a:rPr>
-              <a:t>Mäkilä</a:t>
-            </a:r>
-            <a:r>
-              <a:rPr lang="en-US" sz="3200" kern="1200" dirty="0">
-                <a:solidFill>
-                  <a:schemeClr val="bg1"/>
-                </a:solidFill>
-                <a:latin typeface="+mj-lt"/>
-                <a:ea typeface="+mj-ea"/>
-                <a:cs typeface="+mj-cs"/>
-              </a:rPr>
-              <a:t> / Semaphores </a:t>
-            </a:r>
-          </a:p>
-        </p:txBody>
-      </p:sp>
-      <p:sp>
-        <p:nvSpPr>
-          <p:cNvPr id="3" name="Platshållare för bildnummer 2"/>
-          <p:cNvSpPr>
-            <a:spLocks noGrp="1"/>
-          </p:cNvSpPr>
-          <p:nvPr>
-            <p:ph type="sldNum" sz="quarter" idx="12"/>
-          </p:nvPr>
-        </p:nvSpPr>
-        <p:spPr>
-          <a:xfrm>
-            <a:off x="8610600" y="6356350"/>
-            <a:ext cx="2743200" cy="365125"/>
-          </a:xfrm>
-        </p:spPr>
-        <p:txBody>
-          <a:bodyPr vert="horz" lIns="91440" tIns="45720" rIns="91440" bIns="45720" rtlCol="0" anchor="ctr">
-            <a:normAutofit/>
-          </a:bodyPr>
-          <a:lstStyle/>
-          <a:p>
-            <a:pPr>
-              <a:spcAft>
-                <a:spcPts val="600"/>
-              </a:spcAft>
-            </a:pPr>
-            <a:fld id="{E21FFC3D-594F-4CAE-AAA5-4C3555641468}" type="slidenum">
-              <a:rPr lang="en-US" smtClean="0"/>
-              <a:pPr>
-                <a:spcAft>
-                  <a:spcPts val="600"/>
-                </a:spcAft>
-              </a:pPr>
-              <a:t>8</a:t>
-            </a:fld>
-            <a:endParaRPr lang="en-US"/>
-          </a:p>
-        </p:txBody>
-      </p:sp>
-      <p:pic>
-        <p:nvPicPr>
-          <p:cNvPr id="6" name="Grafik 5">
-            <a:extLst>
-              <a:ext uri="{FF2B5EF4-FFF2-40B4-BE49-F238E27FC236}">
-                <a16:creationId xmlns:a16="http://schemas.microsoft.com/office/drawing/2014/main" id="{8827F3E6-3E8C-45BB-A02F-A46587D2133B}"/>
-              </a:ext>
-            </a:extLst>
-          </p:cNvPr>
-          <p:cNvPicPr>
-            <a:picLocks noChangeAspect="1"/>
-          </p:cNvPicPr>
-          <p:nvPr/>
-        </p:nvPicPr>
-        <p:blipFill>
-          <a:blip r:embed="rId2">
-            <a:extLst>
-              <a:ext uri="{28A0092B-C50C-407E-A947-70E740481C1C}">
-                <a14:useLocalDpi xmlns:a14="http://schemas.microsoft.com/office/drawing/2010/main" val="0"/>
-              </a:ext>
-            </a:extLst>
-          </a:blip>
-          <a:stretch>
-            <a:fillRect/>
-          </a:stretch>
-        </p:blipFill>
-        <p:spPr>
-          <a:xfrm>
-            <a:off x="302729" y="697477"/>
-            <a:ext cx="681475" cy="649814"/>
-          </a:xfrm>
-          <a:prstGeom prst="rect">
-            <a:avLst/>
-          </a:prstGeom>
-        </p:spPr>
-      </p:pic>
-      <p:sp>
-        <p:nvSpPr>
-          <p:cNvPr id="9" name="Platshållare för text 3">
-            <a:extLst>
-              <a:ext uri="{FF2B5EF4-FFF2-40B4-BE49-F238E27FC236}">
-                <a16:creationId xmlns:a16="http://schemas.microsoft.com/office/drawing/2014/main" id="{24F2ABD0-A504-4FAB-981E-8DA9BE4F0B53}"/>
-              </a:ext>
-            </a:extLst>
-          </p:cNvPr>
-          <p:cNvSpPr txBox="1">
-            <a:spLocks/>
-          </p:cNvSpPr>
-          <p:nvPr/>
-        </p:nvSpPr>
-        <p:spPr>
-          <a:xfrm>
-            <a:off x="1103449" y="1783357"/>
-            <a:ext cx="9985107" cy="4655505"/>
-          </a:xfrm>
-          <a:prstGeom prst="rect">
-            <a:avLst/>
-          </a:prstGeom>
-        </p:spPr>
-        <p:txBody>
-          <a:bodyPr vert="horz" lIns="91440" tIns="45720" rIns="91440" bIns="45720" rtlCol="0">
-            <a:normAutofit/>
-          </a:bodyPr>
-          <a:lstStyle>
-            <a:lvl1pPr marL="228600" indent="-228600" algn="l" defTabSz="914400" rtl="0" eaLnBrk="1" latinLnBrk="0" hangingPunct="1">
-              <a:lnSpc>
-                <a:spcPct val="90000"/>
-              </a:lnSpc>
-              <a:spcBef>
-                <a:spcPts val="1000"/>
-              </a:spcBef>
-              <a:buFont typeface="Arial" panose="020B0604020202020204" pitchFamily="34" charset="0"/>
-              <a:buChar char="•"/>
-              <a:defRPr sz="2800" kern="1200">
-                <a:solidFill>
-                  <a:schemeClr val="tx1"/>
-                </a:solidFill>
-                <a:latin typeface="+mn-lt"/>
-                <a:ea typeface="+mn-ea"/>
-                <a:cs typeface="+mn-cs"/>
-              </a:defRPr>
-            </a:lvl1pPr>
-            <a:lvl2pPr marL="685800" indent="-228600" algn="l" defTabSz="914400" rtl="0" eaLnBrk="1" latinLnBrk="0" hangingPunct="1">
-              <a:lnSpc>
-                <a:spcPct val="90000"/>
-              </a:lnSpc>
-              <a:spcBef>
-                <a:spcPts val="500"/>
-              </a:spcBef>
-              <a:buFont typeface="Arial" panose="020B0604020202020204" pitchFamily="34" charset="0"/>
-              <a:buChar char="•"/>
-              <a:defRPr sz="2400" kern="1200">
-                <a:solidFill>
-                  <a:schemeClr val="tx1"/>
-                </a:solidFill>
-                <a:latin typeface="+mn-lt"/>
-                <a:ea typeface="+mn-ea"/>
-                <a:cs typeface="+mn-cs"/>
-              </a:defRPr>
-            </a:lvl2pPr>
-            <a:lvl3pPr marL="1143000" indent="-228600" algn="l" defTabSz="914400" rtl="0" eaLnBrk="1" latinLnBrk="0" hangingPunct="1">
-              <a:lnSpc>
-                <a:spcPct val="90000"/>
-              </a:lnSpc>
-              <a:spcBef>
-                <a:spcPts val="500"/>
-              </a:spcBef>
-              <a:buFont typeface="Arial" panose="020B0604020202020204" pitchFamily="34" charset="0"/>
-              <a:buChar char="•"/>
-              <a:defRPr sz="2000" kern="1200">
-                <a:solidFill>
-                  <a:schemeClr val="tx1"/>
-                </a:solidFill>
-                <a:latin typeface="+mn-lt"/>
-                <a:ea typeface="+mn-ea"/>
-                <a:cs typeface="+mn-cs"/>
-              </a:defRPr>
-            </a:lvl3pPr>
-            <a:lvl4pPr marL="1600200" indent="-228600" algn="l" defTabSz="914400" rtl="0" eaLnBrk="1" latinLnBrk="0" hangingPunct="1">
-              <a:lnSpc>
-                <a:spcPct val="90000"/>
-              </a:lnSpc>
-              <a:spcBef>
-                <a:spcPts val="500"/>
-              </a:spcBef>
-              <a:buFont typeface="Arial" panose="020B0604020202020204" pitchFamily="34" charset="0"/>
-              <a:buChar char="•"/>
-              <a:defRPr sz="1800" kern="1200">
-                <a:solidFill>
-                  <a:schemeClr val="tx1"/>
-                </a:solidFill>
-                <a:latin typeface="+mn-lt"/>
-                <a:ea typeface="+mn-ea"/>
-                <a:cs typeface="+mn-cs"/>
-              </a:defRPr>
-            </a:lvl4pPr>
-            <a:lvl5pPr marL="2057400" indent="-228600" algn="l" defTabSz="914400" rtl="0" eaLnBrk="1" latinLnBrk="0" hangingPunct="1">
-              <a:lnSpc>
-                <a:spcPct val="90000"/>
-              </a:lnSpc>
-              <a:spcBef>
-                <a:spcPts val="500"/>
-              </a:spcBef>
-              <a:buFont typeface="Arial" panose="020B0604020202020204" pitchFamily="34" charset="0"/>
-              <a:buChar char="•"/>
-              <a:defRPr sz="1800" kern="1200">
-                <a:solidFill>
-                  <a:schemeClr val="tx1"/>
-                </a:solidFill>
-                <a:latin typeface="+mn-lt"/>
-                <a:ea typeface="+mn-ea"/>
-                <a:cs typeface="+mn-cs"/>
-              </a:defRPr>
-            </a:lvl5pPr>
-            <a:lvl6pPr marL="2514600" indent="-228600" algn="l" defTabSz="914400" rtl="0" eaLnBrk="1" latinLnBrk="0" hangingPunct="1">
-              <a:lnSpc>
-                <a:spcPct val="90000"/>
-              </a:lnSpc>
-              <a:spcBef>
-                <a:spcPts val="500"/>
-              </a:spcBef>
-              <a:buFont typeface="Arial" panose="020B0604020202020204" pitchFamily="34" charset="0"/>
-              <a:buChar char="•"/>
-              <a:defRPr sz="1800" kern="1200">
-                <a:solidFill>
-                  <a:schemeClr val="tx1"/>
-                </a:solidFill>
-                <a:latin typeface="+mn-lt"/>
-                <a:ea typeface="+mn-ea"/>
-                <a:cs typeface="+mn-cs"/>
-              </a:defRPr>
-            </a:lvl6pPr>
-            <a:lvl7pPr marL="2971800" indent="-228600" algn="l" defTabSz="914400" rtl="0" eaLnBrk="1" latinLnBrk="0" hangingPunct="1">
-              <a:lnSpc>
-                <a:spcPct val="90000"/>
-              </a:lnSpc>
-              <a:spcBef>
-                <a:spcPts val="500"/>
-              </a:spcBef>
-              <a:buFont typeface="Arial" panose="020B0604020202020204" pitchFamily="34" charset="0"/>
-              <a:buChar char="•"/>
-              <a:defRPr sz="1800" kern="1200">
-                <a:solidFill>
-                  <a:schemeClr val="tx1"/>
-                </a:solidFill>
-                <a:latin typeface="+mn-lt"/>
-                <a:ea typeface="+mn-ea"/>
-                <a:cs typeface="+mn-cs"/>
-              </a:defRPr>
-            </a:lvl7pPr>
-            <a:lvl8pPr marL="3429000" indent="-228600" algn="l" defTabSz="914400" rtl="0" eaLnBrk="1" latinLnBrk="0" hangingPunct="1">
-              <a:lnSpc>
-                <a:spcPct val="90000"/>
-              </a:lnSpc>
-              <a:spcBef>
-                <a:spcPts val="500"/>
-              </a:spcBef>
-              <a:buFont typeface="Arial" panose="020B0604020202020204" pitchFamily="34" charset="0"/>
-              <a:buChar char="•"/>
-              <a:defRPr sz="1800" kern="1200">
-                <a:solidFill>
-                  <a:schemeClr val="tx1"/>
-                </a:solidFill>
-                <a:latin typeface="+mn-lt"/>
-                <a:ea typeface="+mn-ea"/>
-                <a:cs typeface="+mn-cs"/>
-              </a:defRPr>
-            </a:lvl8pPr>
-            <a:lvl9pPr marL="3886200" indent="-228600" algn="l" defTabSz="914400" rtl="0" eaLnBrk="1" latinLnBrk="0" hangingPunct="1">
-              <a:lnSpc>
-                <a:spcPct val="90000"/>
-              </a:lnSpc>
-              <a:spcBef>
-                <a:spcPts val="500"/>
-              </a:spcBef>
-              <a:buFont typeface="Arial" panose="020B0604020202020204" pitchFamily="34" charset="0"/>
-              <a:buChar char="•"/>
-              <a:defRPr sz="1800" kern="1200">
-                <a:solidFill>
-                  <a:schemeClr val="tx1"/>
-                </a:solidFill>
-                <a:latin typeface="+mn-lt"/>
-                <a:ea typeface="+mn-ea"/>
-                <a:cs typeface="+mn-cs"/>
-              </a:defRPr>
-            </a:lvl9pPr>
-          </a:lstStyle>
-          <a:p>
-            <a:r>
-              <a:rPr lang="sv-SE" dirty="0">
-                <a:sym typeface="Georgia" charset="0"/>
-              </a:rPr>
-              <a:t>Main Challenges: </a:t>
-            </a:r>
-          </a:p>
-          <a:p>
-            <a:r>
-              <a:rPr lang="sv-SE" dirty="0">
-                <a:sym typeface="Georgia" charset="0"/>
-              </a:rPr>
-              <a:t>Results:</a:t>
-            </a:r>
-          </a:p>
-          <a:p>
-            <a:endParaRPr lang="sv-SE" dirty="0">
-              <a:sym typeface="Georgia" charset="0"/>
-            </a:endParaRPr>
-          </a:p>
-        </p:txBody>
-      </p:sp>
-    </p:spTree>
-    <p:extLst>
-      <p:ext uri="{BB962C8B-B14F-4D97-AF65-F5344CB8AC3E}">
-        <p14:creationId xmlns:p14="http://schemas.microsoft.com/office/powerpoint/2010/main" val="160331810"/>
-      </p:ext>
-    </p:extLst>
-  </p:cSld>
-  <p:clrMapOvr>
-    <a:masterClrMapping/>
-  </p:clrMapOvr>
-</p:sld>
-</file>
-
-<file path=ppt/slides/slide9.xml><?xml version="1.0" encoding="utf-8"?>
-<p:sld xmlns:a="http://schemas.openxmlformats.org/drawingml/2006/main" xmlns:r="http://schemas.openxmlformats.org/officeDocument/2006/relationships" xmlns:p="http://schemas.openxmlformats.org/presentationml/2006/main">
-  <p:cSld>
-    <p:spTree>
-      <p:nvGrpSpPr>
-        <p:cNvPr id="1" name=""/>
-        <p:cNvGrpSpPr/>
-        <p:nvPr/>
-      </p:nvGrpSpPr>
-      <p:grpSpPr>
-        <a:xfrm>
-          <a:off x="0" y="0"/>
-          <a:ext cx="0" cy="0"/>
-          <a:chOff x="0" y="0"/>
-          <a:chExt cx="0" cy="0"/>
-        </a:xfrm>
-      </p:grpSpPr>
-      <p:sp>
-        <p:nvSpPr>
-          <p:cNvPr id="20" name="Rectangle 19">
-            <a:extLst>
-              <a:ext uri="{FF2B5EF4-FFF2-40B4-BE49-F238E27FC236}">
-                <a16:creationId xmlns:a16="http://schemas.microsoft.com/office/drawing/2014/main" id="{A4AC5506-6312-4701-8D3C-40187889A947}"/>
-              </a:ext>
-              <a:ext uri="{C183D7F6-B498-43B3-948B-1728B52AA6E4}">
-                <adec:decorative xmlns:adec="http://schemas.microsoft.com/office/drawing/2017/decorative" val="1"/>
-              </a:ext>
-            </a:extLst>
-          </p:cNvPr>
-          <p:cNvSpPr>
-            <a:spLocks noGrp="1" noRot="1" noChangeAspect="1" noMove="1" noResize="1" noEditPoints="1" noAdjustHandles="1" noChangeArrowheads="1" noChangeShapeType="1" noTextEdit="1"/>
-          </p:cNvSpPr>
-          <p:nvPr>
-            <p:extLst>
-              <p:ext uri="{386F3935-93C4-4BCD-93E2-E3B085C9AB24}">
-                <p16:designElem xmlns:p16="http://schemas.microsoft.com/office/powerpoint/2015/main" val="1"/>
-              </p:ext>
-            </p:extLst>
-          </p:nvPr>
-        </p:nvSpPr>
-        <p:spPr>
-          <a:xfrm>
-            <a:off x="0" y="651752"/>
-            <a:ext cx="12192000" cy="736551"/>
-          </a:xfrm>
-          <a:prstGeom prst="rect">
-            <a:avLst/>
-          </a:prstGeom>
-          <a:solidFill>
-            <a:schemeClr val="tx1"/>
-          </a:solidFill>
-          <a:ln>
-            <a:noFill/>
-          </a:ln>
-        </p:spPr>
-        <p:style>
-          <a:lnRef idx="2">
-            <a:schemeClr val="accent1">
-              <a:shade val="50000"/>
-            </a:schemeClr>
-          </a:lnRef>
-          <a:fillRef idx="1">
-            <a:schemeClr val="accent1"/>
-          </a:fillRef>
-          <a:effectRef idx="0">
-            <a:schemeClr val="accent1"/>
-          </a:effectRef>
-          <a:fontRef idx="minor">
-            <a:schemeClr val="lt1"/>
-          </a:fontRef>
-        </p:style>
-        <p:txBody>
-          <a:bodyPr rtlCol="0" anchor="ctr"/>
-          <a:lstStyle/>
-          <a:p>
-            <a:pPr algn="ctr"/>
-            <a:endParaRPr lang="en-US"/>
-          </a:p>
-        </p:txBody>
-      </p:sp>
-      <p:sp>
-        <p:nvSpPr>
-          <p:cNvPr id="2" name="Rubrik 1"/>
-          <p:cNvSpPr>
-            <a:spLocks noGrp="1"/>
-          </p:cNvSpPr>
-          <p:nvPr>
-            <p:ph type="title"/>
-          </p:nvPr>
-        </p:nvSpPr>
-        <p:spPr>
-          <a:xfrm>
-            <a:off x="556532" y="643467"/>
-            <a:ext cx="11210925" cy="744836"/>
-          </a:xfrm>
-        </p:spPr>
-        <p:txBody>
-          <a:bodyPr vert="horz" lIns="91440" tIns="45720" rIns="91440" bIns="45720" rtlCol="0" anchor="ctr">
-            <a:normAutofit/>
-          </a:bodyPr>
-          <a:lstStyle/>
-          <a:p>
-            <a:pPr algn="ctr">
-              <a:lnSpc>
-                <a:spcPct val="90000"/>
-              </a:lnSpc>
-            </a:pPr>
-            <a:r>
-              <a:rPr lang="sv-SE" sz="3200" dirty="0">
-                <a:solidFill>
-                  <a:schemeClr val="bg1"/>
-                </a:solidFill>
-                <a:sym typeface="Arial" charset="0"/>
-              </a:rPr>
-              <a:t>Appendix: Selected Tools</a:t>
-            </a:r>
-            <a:endParaRPr lang="en-US" sz="3200" kern="1200" dirty="0">
-              <a:solidFill>
-                <a:schemeClr val="bg1"/>
-              </a:solidFill>
-              <a:latin typeface="+mj-lt"/>
-              <a:ea typeface="+mj-ea"/>
-              <a:cs typeface="+mj-cs"/>
-            </a:endParaRPr>
-          </a:p>
-        </p:txBody>
-      </p:sp>
-      <p:sp>
-        <p:nvSpPr>
-          <p:cNvPr id="3" name="Platshållare för bildnummer 2"/>
-          <p:cNvSpPr>
-            <a:spLocks noGrp="1"/>
-          </p:cNvSpPr>
-          <p:nvPr>
-            <p:ph type="sldNum" sz="quarter" idx="12"/>
-          </p:nvPr>
-        </p:nvSpPr>
-        <p:spPr>
-          <a:xfrm>
-            <a:off x="8610600" y="6356350"/>
-            <a:ext cx="2743200" cy="365125"/>
-          </a:xfrm>
-        </p:spPr>
-        <p:txBody>
-          <a:bodyPr vert="horz" lIns="91440" tIns="45720" rIns="91440" bIns="45720" rtlCol="0" anchor="ctr">
-            <a:normAutofit/>
-          </a:bodyPr>
-          <a:lstStyle/>
-          <a:p>
-            <a:pPr>
-              <a:spcAft>
-                <a:spcPts val="600"/>
-              </a:spcAft>
-            </a:pPr>
-            <a:fld id="{E21FFC3D-594F-4CAE-AAA5-4C3555641468}" type="slidenum">
-              <a:rPr lang="en-US" smtClean="0"/>
-              <a:pPr>
-                <a:spcAft>
-                  <a:spcPts val="600"/>
-                </a:spcAft>
-              </a:pPr>
-              <a:t>9</a:t>
-            </a:fld>
-            <a:endParaRPr lang="en-US"/>
-          </a:p>
-        </p:txBody>
-      </p:sp>
-      <p:pic>
-        <p:nvPicPr>
-          <p:cNvPr id="6" name="Grafik 5">
-            <a:extLst>
-              <a:ext uri="{FF2B5EF4-FFF2-40B4-BE49-F238E27FC236}">
-                <a16:creationId xmlns:a16="http://schemas.microsoft.com/office/drawing/2014/main" id="{8827F3E6-3E8C-45BB-A02F-A46587D2133B}"/>
-              </a:ext>
-            </a:extLst>
-          </p:cNvPr>
-          <p:cNvPicPr>
-            <a:picLocks noChangeAspect="1"/>
-          </p:cNvPicPr>
-          <p:nvPr/>
-        </p:nvPicPr>
-        <p:blipFill>
-          <a:blip r:embed="rId2">
-            <a:extLst>
-              <a:ext uri="{28A0092B-C50C-407E-A947-70E740481C1C}">
-                <a14:useLocalDpi xmlns:a14="http://schemas.microsoft.com/office/drawing/2010/main" val="0"/>
-              </a:ext>
-            </a:extLst>
-          </a:blip>
-          <a:stretch>
-            <a:fillRect/>
-          </a:stretch>
-        </p:blipFill>
-        <p:spPr>
-          <a:xfrm>
-            <a:off x="302729" y="697477"/>
-            <a:ext cx="681475" cy="649814"/>
-          </a:xfrm>
-          <a:prstGeom prst="rect">
-            <a:avLst/>
-          </a:prstGeom>
-        </p:spPr>
-      </p:pic>
-      <p:sp>
-        <p:nvSpPr>
-          <p:cNvPr id="9" name="Platshållare för text 3">
-            <a:extLst>
-              <a:ext uri="{FF2B5EF4-FFF2-40B4-BE49-F238E27FC236}">
-                <a16:creationId xmlns:a16="http://schemas.microsoft.com/office/drawing/2014/main" id="{24F2ABD0-A504-4FAB-981E-8DA9BE4F0B53}"/>
-              </a:ext>
-            </a:extLst>
-          </p:cNvPr>
-          <p:cNvSpPr txBox="1">
-            <a:spLocks/>
-          </p:cNvSpPr>
-          <p:nvPr/>
-        </p:nvSpPr>
-        <p:spPr>
-          <a:xfrm>
-            <a:off x="1103449" y="1783357"/>
-            <a:ext cx="9985107" cy="4655505"/>
-          </a:xfrm>
-          <a:prstGeom prst="rect">
-            <a:avLst/>
-          </a:prstGeom>
-        </p:spPr>
-        <p:txBody>
-          <a:bodyPr vert="horz" lIns="91440" tIns="45720" rIns="91440" bIns="45720" rtlCol="0">
-            <a:normAutofit fontScale="62500" lnSpcReduction="20000"/>
-          </a:bodyPr>
-          <a:lstStyle>
-            <a:lvl1pPr marL="228600" indent="-228600" algn="l" defTabSz="914400" rtl="0" eaLnBrk="1" latinLnBrk="0" hangingPunct="1">
-              <a:lnSpc>
-                <a:spcPct val="90000"/>
-              </a:lnSpc>
-              <a:spcBef>
-                <a:spcPts val="1000"/>
-              </a:spcBef>
-              <a:buFont typeface="Arial" panose="020B0604020202020204" pitchFamily="34" charset="0"/>
-              <a:buChar char="•"/>
-              <a:defRPr sz="2800" kern="1200">
-                <a:solidFill>
-                  <a:schemeClr val="tx1"/>
-                </a:solidFill>
-                <a:latin typeface="+mn-lt"/>
-                <a:ea typeface="+mn-ea"/>
-                <a:cs typeface="+mn-cs"/>
-              </a:defRPr>
-            </a:lvl1pPr>
-            <a:lvl2pPr marL="685800" indent="-228600" algn="l" defTabSz="914400" rtl="0" eaLnBrk="1" latinLnBrk="0" hangingPunct="1">
-              <a:lnSpc>
-                <a:spcPct val="90000"/>
-              </a:lnSpc>
-              <a:spcBef>
-                <a:spcPts val="500"/>
-              </a:spcBef>
-              <a:buFont typeface="Arial" panose="020B0604020202020204" pitchFamily="34" charset="0"/>
-              <a:buChar char="•"/>
-              <a:defRPr sz="2400" kern="1200">
-                <a:solidFill>
-                  <a:schemeClr val="tx1"/>
-                </a:solidFill>
-                <a:latin typeface="+mn-lt"/>
-                <a:ea typeface="+mn-ea"/>
-                <a:cs typeface="+mn-cs"/>
-              </a:defRPr>
-            </a:lvl2pPr>
-            <a:lvl3pPr marL="1143000" indent="-228600" algn="l" defTabSz="914400" rtl="0" eaLnBrk="1" latinLnBrk="0" hangingPunct="1">
-              <a:lnSpc>
-                <a:spcPct val="90000"/>
-              </a:lnSpc>
-              <a:spcBef>
-                <a:spcPts val="500"/>
-              </a:spcBef>
-              <a:buFont typeface="Arial" panose="020B0604020202020204" pitchFamily="34" charset="0"/>
-              <a:buChar char="•"/>
-              <a:defRPr sz="2000" kern="1200">
-                <a:solidFill>
-                  <a:schemeClr val="tx1"/>
-                </a:solidFill>
-                <a:latin typeface="+mn-lt"/>
-                <a:ea typeface="+mn-ea"/>
-                <a:cs typeface="+mn-cs"/>
-              </a:defRPr>
-            </a:lvl3pPr>
-            <a:lvl4pPr marL="1600200" indent="-228600" algn="l" defTabSz="914400" rtl="0" eaLnBrk="1" latinLnBrk="0" hangingPunct="1">
-              <a:lnSpc>
-                <a:spcPct val="90000"/>
-              </a:lnSpc>
-              <a:spcBef>
-                <a:spcPts val="500"/>
-              </a:spcBef>
-              <a:buFont typeface="Arial" panose="020B0604020202020204" pitchFamily="34" charset="0"/>
-              <a:buChar char="•"/>
-              <a:defRPr sz="1800" kern="1200">
-                <a:solidFill>
-                  <a:schemeClr val="tx1"/>
-                </a:solidFill>
-                <a:latin typeface="+mn-lt"/>
-                <a:ea typeface="+mn-ea"/>
-                <a:cs typeface="+mn-cs"/>
-              </a:defRPr>
-            </a:lvl4pPr>
-            <a:lvl5pPr marL="2057400" indent="-228600" algn="l" defTabSz="914400" rtl="0" eaLnBrk="1" latinLnBrk="0" hangingPunct="1">
-              <a:lnSpc>
-                <a:spcPct val="90000"/>
-              </a:lnSpc>
-              <a:spcBef>
-                <a:spcPts val="500"/>
-              </a:spcBef>
-              <a:buFont typeface="Arial" panose="020B0604020202020204" pitchFamily="34" charset="0"/>
-              <a:buChar char="•"/>
-              <a:defRPr sz="1800" kern="1200">
-                <a:solidFill>
-                  <a:schemeClr val="tx1"/>
-                </a:solidFill>
-                <a:latin typeface="+mn-lt"/>
-                <a:ea typeface="+mn-ea"/>
-                <a:cs typeface="+mn-cs"/>
-              </a:defRPr>
-            </a:lvl5pPr>
-            <a:lvl6pPr marL="2514600" indent="-228600" algn="l" defTabSz="914400" rtl="0" eaLnBrk="1" latinLnBrk="0" hangingPunct="1">
-              <a:lnSpc>
-                <a:spcPct val="90000"/>
-              </a:lnSpc>
-              <a:spcBef>
-                <a:spcPts val="500"/>
-              </a:spcBef>
-              <a:buFont typeface="Arial" panose="020B0604020202020204" pitchFamily="34" charset="0"/>
-              <a:buChar char="•"/>
-              <a:defRPr sz="1800" kern="1200">
-                <a:solidFill>
-                  <a:schemeClr val="tx1"/>
-                </a:solidFill>
-                <a:latin typeface="+mn-lt"/>
-                <a:ea typeface="+mn-ea"/>
-                <a:cs typeface="+mn-cs"/>
-              </a:defRPr>
-            </a:lvl6pPr>
-            <a:lvl7pPr marL="2971800" indent="-228600" algn="l" defTabSz="914400" rtl="0" eaLnBrk="1" latinLnBrk="0" hangingPunct="1">
-              <a:lnSpc>
-                <a:spcPct val="90000"/>
-              </a:lnSpc>
-              <a:spcBef>
-                <a:spcPts val="500"/>
-              </a:spcBef>
-              <a:buFont typeface="Arial" panose="020B0604020202020204" pitchFamily="34" charset="0"/>
-              <a:buChar char="•"/>
-              <a:defRPr sz="1800" kern="1200">
-                <a:solidFill>
-                  <a:schemeClr val="tx1"/>
-                </a:solidFill>
-                <a:latin typeface="+mn-lt"/>
-                <a:ea typeface="+mn-ea"/>
-                <a:cs typeface="+mn-cs"/>
-              </a:defRPr>
-            </a:lvl7pPr>
-            <a:lvl8pPr marL="3429000" indent="-228600" algn="l" defTabSz="914400" rtl="0" eaLnBrk="1" latinLnBrk="0" hangingPunct="1">
-              <a:lnSpc>
-                <a:spcPct val="90000"/>
-              </a:lnSpc>
-              <a:spcBef>
-                <a:spcPts val="500"/>
-              </a:spcBef>
-              <a:buFont typeface="Arial" panose="020B0604020202020204" pitchFamily="34" charset="0"/>
-              <a:buChar char="•"/>
-              <a:defRPr sz="1800" kern="1200">
-                <a:solidFill>
-                  <a:schemeClr val="tx1"/>
-                </a:solidFill>
-                <a:latin typeface="+mn-lt"/>
-                <a:ea typeface="+mn-ea"/>
-                <a:cs typeface="+mn-cs"/>
-              </a:defRPr>
-            </a:lvl8pPr>
-            <a:lvl9pPr marL="3886200" indent="-228600" algn="l" defTabSz="914400" rtl="0" eaLnBrk="1" latinLnBrk="0" hangingPunct="1">
-              <a:lnSpc>
-                <a:spcPct val="90000"/>
-              </a:lnSpc>
-              <a:spcBef>
-                <a:spcPts val="500"/>
-              </a:spcBef>
-              <a:buFont typeface="Arial" panose="020B0604020202020204" pitchFamily="34" charset="0"/>
-              <a:buChar char="•"/>
-              <a:defRPr sz="1800" kern="1200">
-                <a:solidFill>
-                  <a:schemeClr val="tx1"/>
-                </a:solidFill>
-                <a:latin typeface="+mn-lt"/>
-                <a:ea typeface="+mn-ea"/>
-                <a:cs typeface="+mn-cs"/>
-              </a:defRPr>
-            </a:lvl9pPr>
-          </a:lstStyle>
-          <a:p>
-            <a:r>
-              <a:rPr lang="sv-SE">
-                <a:sym typeface="Georgia" charset="0"/>
-              </a:rPr>
-              <a:t>Project Management / Timeplan / Todos</a:t>
-            </a:r>
-          </a:p>
-          <a:p>
-            <a:pPr lvl="1"/>
-            <a:r>
-              <a:rPr lang="sv-SE">
-                <a:sym typeface="Georgia" charset="0"/>
-              </a:rPr>
-              <a:t>Leantime</a:t>
-            </a:r>
-          </a:p>
-          <a:p>
-            <a:pPr lvl="1"/>
-            <a:r>
-              <a:rPr lang="sv-SE">
-                <a:sym typeface="Georgia" charset="0"/>
-              </a:rPr>
-              <a:t>Github Project</a:t>
-            </a:r>
-          </a:p>
-          <a:p>
-            <a:r>
-              <a:rPr lang="sv-SE">
-                <a:sym typeface="Georgia" charset="0"/>
-              </a:rPr>
-              <a:t>Requirments / Testcases / Design</a:t>
-            </a:r>
-          </a:p>
-          <a:p>
-            <a:pPr lvl="1"/>
-            <a:r>
-              <a:rPr lang="sv-SE">
-                <a:sym typeface="Georgia" charset="0"/>
-              </a:rPr>
-              <a:t>OSRMT</a:t>
-            </a:r>
-          </a:p>
-          <a:p>
-            <a:r>
-              <a:rPr lang="sv-SE">
-                <a:sym typeface="Georgia" charset="0"/>
-              </a:rPr>
-              <a:t>Versioning</a:t>
-            </a:r>
-          </a:p>
-          <a:p>
-            <a:pPr lvl="1"/>
-            <a:r>
-              <a:rPr lang="sv-SE">
-                <a:sym typeface="Georgia" charset="0"/>
-              </a:rPr>
-              <a:t>Git</a:t>
-            </a:r>
-          </a:p>
-          <a:p>
-            <a:r>
-              <a:rPr lang="sv-SE">
-                <a:sym typeface="Georgia" charset="0"/>
-              </a:rPr>
-              <a:t>Reporting / Writing Reports</a:t>
-            </a:r>
-          </a:p>
-          <a:p>
-            <a:pPr lvl="1"/>
-            <a:r>
-              <a:rPr lang="sv-SE">
-                <a:sym typeface="Georgia" charset="0"/>
-              </a:rPr>
-              <a:t>Overleaf -&gt; Andreas is the host</a:t>
-            </a:r>
-          </a:p>
-          <a:p>
-            <a:r>
-              <a:rPr lang="sv-SE">
-                <a:sym typeface="Georgia" charset="0"/>
-              </a:rPr>
-              <a:t>Programming</a:t>
-            </a:r>
-          </a:p>
-          <a:p>
-            <a:pPr lvl="1"/>
-            <a:r>
-              <a:rPr lang="sv-SE">
-                <a:sym typeface="Georgia" charset="0"/>
-              </a:rPr>
-              <a:t>Tera Term (Terminal)</a:t>
-            </a:r>
-          </a:p>
-          <a:p>
-            <a:pPr lvl="1"/>
-            <a:r>
-              <a:rPr lang="sv-SE">
-                <a:sym typeface="Georgia" charset="0"/>
-              </a:rPr>
-              <a:t>Atmel Studio</a:t>
-            </a:r>
-          </a:p>
-          <a:p>
-            <a:pPr lvl="1"/>
-            <a:r>
-              <a:rPr lang="sv-SE">
-                <a:sym typeface="Georgia" charset="0"/>
-              </a:rPr>
-              <a:t>Local Computer of Andreas -&gt; setup with RDP</a:t>
-            </a:r>
-          </a:p>
-          <a:p>
-            <a:r>
-              <a:rPr lang="sv-SE">
-                <a:sym typeface="Georgia" charset="0"/>
-              </a:rPr>
-              <a:t>Communication</a:t>
-            </a:r>
-          </a:p>
-          <a:p>
-            <a:pPr lvl="1"/>
-            <a:r>
-              <a:rPr lang="sv-SE">
-                <a:sym typeface="Georgia" charset="0"/>
-              </a:rPr>
-              <a:t>Virtual Whiteboard: Mural</a:t>
-            </a:r>
-          </a:p>
-          <a:p>
-            <a:pPr lvl="1"/>
-            <a:r>
-              <a:rPr lang="sv-SE">
-                <a:sym typeface="Georgia" charset="0"/>
-              </a:rPr>
-              <a:t>Troubleshooting: Microsoft Teams</a:t>
-            </a:r>
-          </a:p>
-          <a:p>
-            <a:pPr lvl="1"/>
-            <a:r>
-              <a:rPr lang="sv-SE">
-                <a:sym typeface="Georgia" charset="0"/>
-              </a:rPr>
-              <a:t>Talking/Meeting: Discord</a:t>
-            </a:r>
-          </a:p>
-          <a:p>
-            <a:endParaRPr lang="sv-SE" dirty="0">
-              <a:sym typeface="Georgia" charset="0"/>
-            </a:endParaRPr>
-          </a:p>
-        </p:txBody>
-      </p:sp>
-    </p:spTree>
-    <p:extLst>
-      <p:ext uri="{BB962C8B-B14F-4D97-AF65-F5344CB8AC3E}">
-        <p14:creationId xmlns:p14="http://schemas.microsoft.com/office/powerpoint/2010/main" val="953944235"/>
       </p:ext>
     </p:extLst>
   </p:cSld>
